--- a/RWorkshopPart1-BasicObjects.pptx
+++ b/RWorkshopPart1-BasicObjects.pptx
@@ -162,6 +162,22 @@
       </a:defRPr>
     </a:lvl9pPr>
   </p:defaultTextStyle>
+  <p:extLst>
+    <p:ext uri="{EFAFB233-063F-42B5-8137-9DF3F51BA10A}">
+      <p15:sldGuideLst xmlns:p15="http://schemas.microsoft.com/office/powerpoint/2012/main">
+        <p15:guide id="1" orient="horz" pos="2160">
+          <p15:clr>
+            <a:srgbClr val="A4A3A4"/>
+          </p15:clr>
+        </p15:guide>
+        <p15:guide id="2" pos="2880">
+          <p15:clr>
+            <a:srgbClr val="A4A3A4"/>
+          </p15:clr>
+        </p15:guide>
+      </p15:sldGuideLst>
+    </p:ext>
+  </p:extLst>
 </p:presentation>
 </file>
 
@@ -247,7 +263,7 @@
           <a:p>
             <a:fld id="{538792E7-FD02-444D-98EB-904287DD5D64}" type="datetimeFigureOut">
               <a:rPr lang="en-US" smtClean="0"/>
-              <a:t>6/14/19</a:t>
+              <a:t>1/7/21</a:t>
             </a:fld>
             <a:endParaRPr lang="en-US"/>
           </a:p>
@@ -413,7 +429,7 @@
           <a:p>
             <a:fld id="{9D559F19-48A4-4320-AEB0-F8746EB4B46C}" type="datetimeFigureOut">
               <a:rPr lang="en-US" smtClean="0"/>
-              <a:t>6/14/19</a:t>
+              <a:t>1/7/21</a:t>
             </a:fld>
             <a:endParaRPr lang="en-US"/>
           </a:p>
@@ -477,38 +493,37 @@
           <a:p>
             <a:pPr lvl="0"/>
             <a:r>
-              <a:rPr lang="en-US" smtClean="0"/>
+              <a:rPr lang="en-US"/>
               <a:t>Click to edit Master text styles</a:t>
             </a:r>
           </a:p>
           <a:p>
             <a:pPr lvl="1"/>
             <a:r>
-              <a:rPr lang="en-US" smtClean="0"/>
+              <a:rPr lang="en-US"/>
               <a:t>Second level</a:t>
             </a:r>
           </a:p>
           <a:p>
             <a:pPr lvl="2"/>
             <a:r>
-              <a:rPr lang="en-US" smtClean="0"/>
+              <a:rPr lang="en-US"/>
               <a:t>Third level</a:t>
             </a:r>
           </a:p>
           <a:p>
             <a:pPr lvl="3"/>
             <a:r>
-              <a:rPr lang="en-US" smtClean="0"/>
+              <a:rPr lang="en-US"/>
               <a:t>Fourth level</a:t>
             </a:r>
           </a:p>
           <a:p>
             <a:pPr lvl="4"/>
             <a:r>
-              <a:rPr lang="en-US" smtClean="0"/>
+              <a:rPr lang="en-US"/>
               <a:t>Fifth level</a:t>
             </a:r>
-            <a:endParaRPr lang="en-US"/>
           </a:p>
         </p:txBody>
       </p:sp>
@@ -720,10 +735,9 @@
           <a:lstStyle/>
           <a:p>
             <a:r>
-              <a:rPr lang="en-US" smtClean="0"/>
+              <a:rPr lang="en-US"/>
               <a:t>Click to edit Master title style</a:t>
             </a:r>
-            <a:endParaRPr lang="en-US"/>
           </a:p>
         </p:txBody>
       </p:sp>
@@ -839,10 +853,9 @@
           </a:lstStyle>
           <a:p>
             <a:r>
-              <a:rPr lang="en-US" smtClean="0"/>
+              <a:rPr lang="en-US"/>
               <a:t>Click to edit Master subtitle style</a:t>
             </a:r>
-            <a:endParaRPr lang="en-US"/>
           </a:p>
         </p:txBody>
       </p:sp>
@@ -863,7 +876,7 @@
           <a:p>
             <a:fld id="{B85D0F99-2B73-D44A-BFD7-568E87432832}" type="datetime1">
               <a:rPr lang="en-US" smtClean="0"/>
-              <a:t>6/14/19</a:t>
+              <a:t>1/7/21</a:t>
             </a:fld>
             <a:endParaRPr lang="en-US"/>
           </a:p>
@@ -957,10 +970,9 @@
           <a:lstStyle/>
           <a:p>
             <a:r>
-              <a:rPr lang="en-US" smtClean="0"/>
+              <a:rPr lang="en-US"/>
               <a:t>Click to edit Master title style</a:t>
             </a:r>
-            <a:endParaRPr lang="en-US"/>
           </a:p>
         </p:txBody>
       </p:sp>
@@ -981,38 +993,37 @@
           <a:p>
             <a:pPr lvl="0"/>
             <a:r>
-              <a:rPr lang="en-US" smtClean="0"/>
+              <a:rPr lang="en-US"/>
               <a:t>Click to edit Master text styles</a:t>
             </a:r>
           </a:p>
           <a:p>
             <a:pPr lvl="1"/>
             <a:r>
-              <a:rPr lang="en-US" smtClean="0"/>
+              <a:rPr lang="en-US"/>
               <a:t>Second level</a:t>
             </a:r>
           </a:p>
           <a:p>
             <a:pPr lvl="2"/>
             <a:r>
-              <a:rPr lang="en-US" smtClean="0"/>
+              <a:rPr lang="en-US"/>
               <a:t>Third level</a:t>
             </a:r>
           </a:p>
           <a:p>
             <a:pPr lvl="3"/>
             <a:r>
-              <a:rPr lang="en-US" smtClean="0"/>
+              <a:rPr lang="en-US"/>
               <a:t>Fourth level</a:t>
             </a:r>
           </a:p>
           <a:p>
             <a:pPr lvl="4"/>
             <a:r>
-              <a:rPr lang="en-US" smtClean="0"/>
+              <a:rPr lang="en-US"/>
               <a:t>Fifth level</a:t>
             </a:r>
-            <a:endParaRPr lang="en-US"/>
           </a:p>
         </p:txBody>
       </p:sp>
@@ -1033,7 +1044,7 @@
           <a:p>
             <a:fld id="{08D84F97-D933-494A-8066-987F64E94EB0}" type="datetime1">
               <a:rPr lang="en-US" smtClean="0"/>
-              <a:t>6/14/19</a:t>
+              <a:t>1/7/21</a:t>
             </a:fld>
             <a:endParaRPr lang="en-US"/>
           </a:p>
@@ -1132,10 +1143,9 @@
           <a:lstStyle/>
           <a:p>
             <a:r>
-              <a:rPr lang="en-US" smtClean="0"/>
+              <a:rPr lang="en-US"/>
               <a:t>Click to edit Master title style</a:t>
             </a:r>
-            <a:endParaRPr lang="en-US"/>
           </a:p>
         </p:txBody>
       </p:sp>
@@ -1161,38 +1171,37 @@
           <a:p>
             <a:pPr lvl="0"/>
             <a:r>
-              <a:rPr lang="en-US" smtClean="0"/>
+              <a:rPr lang="en-US"/>
               <a:t>Click to edit Master text styles</a:t>
             </a:r>
           </a:p>
           <a:p>
             <a:pPr lvl="1"/>
             <a:r>
-              <a:rPr lang="en-US" smtClean="0"/>
+              <a:rPr lang="en-US"/>
               <a:t>Second level</a:t>
             </a:r>
           </a:p>
           <a:p>
             <a:pPr lvl="2"/>
             <a:r>
-              <a:rPr lang="en-US" smtClean="0"/>
+              <a:rPr lang="en-US"/>
               <a:t>Third level</a:t>
             </a:r>
           </a:p>
           <a:p>
             <a:pPr lvl="3"/>
             <a:r>
-              <a:rPr lang="en-US" smtClean="0"/>
+              <a:rPr lang="en-US"/>
               <a:t>Fourth level</a:t>
             </a:r>
           </a:p>
           <a:p>
             <a:pPr lvl="4"/>
             <a:r>
-              <a:rPr lang="en-US" smtClean="0"/>
+              <a:rPr lang="en-US"/>
               <a:t>Fifth level</a:t>
             </a:r>
-            <a:endParaRPr lang="en-US"/>
           </a:p>
         </p:txBody>
       </p:sp>
@@ -1213,7 +1222,7 @@
           <a:p>
             <a:fld id="{43D4ED65-347A-544C-B252-FFB61369C75C}" type="datetime1">
               <a:rPr lang="en-US" smtClean="0"/>
-              <a:t>6/14/19</a:t>
+              <a:t>1/7/21</a:t>
             </a:fld>
             <a:endParaRPr lang="en-US"/>
           </a:p>
@@ -1307,10 +1316,9 @@
           <a:lstStyle/>
           <a:p>
             <a:r>
-              <a:rPr lang="en-US" smtClean="0"/>
+              <a:rPr lang="en-US"/>
               <a:t>Click to edit Master title style</a:t>
             </a:r>
-            <a:endParaRPr lang="en-US"/>
           </a:p>
         </p:txBody>
       </p:sp>
@@ -1331,38 +1339,37 @@
           <a:p>
             <a:pPr lvl="0"/>
             <a:r>
-              <a:rPr lang="en-US" smtClean="0"/>
+              <a:rPr lang="en-US"/>
               <a:t>Click to edit Master text styles</a:t>
             </a:r>
           </a:p>
           <a:p>
             <a:pPr lvl="1"/>
             <a:r>
-              <a:rPr lang="en-US" smtClean="0"/>
+              <a:rPr lang="en-US"/>
               <a:t>Second level</a:t>
             </a:r>
           </a:p>
           <a:p>
             <a:pPr lvl="2"/>
             <a:r>
-              <a:rPr lang="en-US" smtClean="0"/>
+              <a:rPr lang="en-US"/>
               <a:t>Third level</a:t>
             </a:r>
           </a:p>
           <a:p>
             <a:pPr lvl="3"/>
             <a:r>
-              <a:rPr lang="en-US" smtClean="0"/>
+              <a:rPr lang="en-US"/>
               <a:t>Fourth level</a:t>
             </a:r>
           </a:p>
           <a:p>
             <a:pPr lvl="4"/>
             <a:r>
-              <a:rPr lang="en-US" smtClean="0"/>
+              <a:rPr lang="en-US"/>
               <a:t>Fifth level</a:t>
             </a:r>
-            <a:endParaRPr lang="en-US"/>
           </a:p>
         </p:txBody>
       </p:sp>
@@ -1383,7 +1390,7 @@
           <a:p>
             <a:fld id="{7580FBDC-27FE-2246-A6BD-27E29FC41690}" type="datetime1">
               <a:rPr lang="en-US" smtClean="0"/>
-              <a:t>6/14/19</a:t>
+              <a:t>1/7/21</a:t>
             </a:fld>
             <a:endParaRPr lang="en-US"/>
           </a:p>
@@ -1405,18 +1412,17 @@
           <a:lstStyle/>
           <a:p>
             <a:r>
-              <a:rPr lang="en-US" dirty="0" smtClean="0"/>
+              <a:rPr lang="en-US" dirty="0"/>
               <a:t>https://</a:t>
             </a:r>
             <a:r>
-              <a:rPr lang="en-US" dirty="0" err="1" smtClean="0"/>
+              <a:rPr lang="en-US" dirty="0" err="1"/>
               <a:t>github.com</a:t>
             </a:r>
             <a:r>
-              <a:rPr lang="en-US" dirty="0" smtClean="0"/>
+              <a:rPr lang="en-US" dirty="0"/>
               <a:t>/smooney27/RWorkshopSER2019</a:t>
             </a:r>
-            <a:endParaRPr lang="en-US" dirty="0"/>
           </a:p>
         </p:txBody>
       </p:sp>
@@ -1498,10 +1504,9 @@
           </a:lstStyle>
           <a:p>
             <a:r>
-              <a:rPr lang="en-US" smtClean="0"/>
+              <a:rPr lang="en-US"/>
               <a:t>Click to edit Master title style</a:t>
             </a:r>
-            <a:endParaRPr lang="en-US"/>
           </a:p>
         </p:txBody>
       </p:sp>
@@ -1618,7 +1623,7 @@
           <a:p>
             <a:pPr lvl="0"/>
             <a:r>
-              <a:rPr lang="en-US" smtClean="0"/>
+              <a:rPr lang="en-US"/>
               <a:t>Click to edit Master text styles</a:t>
             </a:r>
           </a:p>
@@ -1641,7 +1646,7 @@
           <a:p>
             <a:fld id="{A3085202-158B-1648-823E-AE57EB968243}" type="datetime1">
               <a:rPr lang="en-US" smtClean="0"/>
-              <a:t>6/14/19</a:t>
+              <a:t>1/7/21</a:t>
             </a:fld>
             <a:endParaRPr lang="en-US"/>
           </a:p>
@@ -1735,10 +1740,9 @@
           <a:lstStyle/>
           <a:p>
             <a:r>
-              <a:rPr lang="en-US" smtClean="0"/>
+              <a:rPr lang="en-US"/>
               <a:t>Click to edit Master title style</a:t>
             </a:r>
-            <a:endParaRPr lang="en-US"/>
           </a:p>
         </p:txBody>
       </p:sp>
@@ -1792,38 +1796,37 @@
           <a:p>
             <a:pPr lvl="0"/>
             <a:r>
-              <a:rPr lang="en-US" smtClean="0"/>
+              <a:rPr lang="en-US"/>
               <a:t>Click to edit Master text styles</a:t>
             </a:r>
           </a:p>
           <a:p>
             <a:pPr lvl="1"/>
             <a:r>
-              <a:rPr lang="en-US" smtClean="0"/>
+              <a:rPr lang="en-US"/>
               <a:t>Second level</a:t>
             </a:r>
           </a:p>
           <a:p>
             <a:pPr lvl="2"/>
             <a:r>
-              <a:rPr lang="en-US" smtClean="0"/>
+              <a:rPr lang="en-US"/>
               <a:t>Third level</a:t>
             </a:r>
           </a:p>
           <a:p>
             <a:pPr lvl="3"/>
             <a:r>
-              <a:rPr lang="en-US" smtClean="0"/>
+              <a:rPr lang="en-US"/>
               <a:t>Fourth level</a:t>
             </a:r>
           </a:p>
           <a:p>
             <a:pPr lvl="4"/>
             <a:r>
-              <a:rPr lang="en-US" smtClean="0"/>
+              <a:rPr lang="en-US"/>
               <a:t>Fifth level</a:t>
             </a:r>
-            <a:endParaRPr lang="en-US"/>
           </a:p>
         </p:txBody>
       </p:sp>
@@ -1877,38 +1880,37 @@
           <a:p>
             <a:pPr lvl="0"/>
             <a:r>
-              <a:rPr lang="en-US" smtClean="0"/>
+              <a:rPr lang="en-US"/>
               <a:t>Click to edit Master text styles</a:t>
             </a:r>
           </a:p>
           <a:p>
             <a:pPr lvl="1"/>
             <a:r>
-              <a:rPr lang="en-US" smtClean="0"/>
+              <a:rPr lang="en-US"/>
               <a:t>Second level</a:t>
             </a:r>
           </a:p>
           <a:p>
             <a:pPr lvl="2"/>
             <a:r>
-              <a:rPr lang="en-US" smtClean="0"/>
+              <a:rPr lang="en-US"/>
               <a:t>Third level</a:t>
             </a:r>
           </a:p>
           <a:p>
             <a:pPr lvl="3"/>
             <a:r>
-              <a:rPr lang="en-US" smtClean="0"/>
+              <a:rPr lang="en-US"/>
               <a:t>Fourth level</a:t>
             </a:r>
           </a:p>
           <a:p>
             <a:pPr lvl="4"/>
             <a:r>
-              <a:rPr lang="en-US" smtClean="0"/>
+              <a:rPr lang="en-US"/>
               <a:t>Fifth level</a:t>
             </a:r>
-            <a:endParaRPr lang="en-US"/>
           </a:p>
         </p:txBody>
       </p:sp>
@@ -1929,7 +1931,7 @@
           <a:p>
             <a:fld id="{26266243-15FF-1E48-B623-320FA07824B2}" type="datetime1">
               <a:rPr lang="en-US" smtClean="0"/>
-              <a:t>6/14/19</a:t>
+              <a:t>1/7/21</a:t>
             </a:fld>
             <a:endParaRPr lang="en-US"/>
           </a:p>
@@ -2027,10 +2029,9 @@
           </a:lstStyle>
           <a:p>
             <a:r>
-              <a:rPr lang="en-US" smtClean="0"/>
+              <a:rPr lang="en-US"/>
               <a:t>Click to edit Master title style</a:t>
             </a:r>
-            <a:endParaRPr lang="en-US"/>
           </a:p>
         </p:txBody>
       </p:sp>
@@ -2093,7 +2094,7 @@
           <a:p>
             <a:pPr lvl="0"/>
             <a:r>
-              <a:rPr lang="en-US" smtClean="0"/>
+              <a:rPr lang="en-US"/>
               <a:t>Click to edit Master text styles</a:t>
             </a:r>
           </a:p>
@@ -2149,38 +2150,37 @@
           <a:p>
             <a:pPr lvl="0"/>
             <a:r>
-              <a:rPr lang="en-US" smtClean="0"/>
+              <a:rPr lang="en-US"/>
               <a:t>Click to edit Master text styles</a:t>
             </a:r>
           </a:p>
           <a:p>
             <a:pPr lvl="1"/>
             <a:r>
-              <a:rPr lang="en-US" smtClean="0"/>
+              <a:rPr lang="en-US"/>
               <a:t>Second level</a:t>
             </a:r>
           </a:p>
           <a:p>
             <a:pPr lvl="2"/>
             <a:r>
-              <a:rPr lang="en-US" smtClean="0"/>
+              <a:rPr lang="en-US"/>
               <a:t>Third level</a:t>
             </a:r>
           </a:p>
           <a:p>
             <a:pPr lvl="3"/>
             <a:r>
-              <a:rPr lang="en-US" smtClean="0"/>
+              <a:rPr lang="en-US"/>
               <a:t>Fourth level</a:t>
             </a:r>
           </a:p>
           <a:p>
             <a:pPr lvl="4"/>
             <a:r>
-              <a:rPr lang="en-US" smtClean="0"/>
+              <a:rPr lang="en-US"/>
               <a:t>Fifth level</a:t>
             </a:r>
-            <a:endParaRPr lang="en-US"/>
           </a:p>
         </p:txBody>
       </p:sp>
@@ -2243,7 +2243,7 @@
           <a:p>
             <a:pPr lvl="0"/>
             <a:r>
-              <a:rPr lang="en-US" smtClean="0"/>
+              <a:rPr lang="en-US"/>
               <a:t>Click to edit Master text styles</a:t>
             </a:r>
           </a:p>
@@ -2299,38 +2299,37 @@
           <a:p>
             <a:pPr lvl="0"/>
             <a:r>
-              <a:rPr lang="en-US" smtClean="0"/>
+              <a:rPr lang="en-US"/>
               <a:t>Click to edit Master text styles</a:t>
             </a:r>
           </a:p>
           <a:p>
             <a:pPr lvl="1"/>
             <a:r>
-              <a:rPr lang="en-US" smtClean="0"/>
+              <a:rPr lang="en-US"/>
               <a:t>Second level</a:t>
             </a:r>
           </a:p>
           <a:p>
             <a:pPr lvl="2"/>
             <a:r>
-              <a:rPr lang="en-US" smtClean="0"/>
+              <a:rPr lang="en-US"/>
               <a:t>Third level</a:t>
             </a:r>
           </a:p>
           <a:p>
             <a:pPr lvl="3"/>
             <a:r>
-              <a:rPr lang="en-US" smtClean="0"/>
+              <a:rPr lang="en-US"/>
               <a:t>Fourth level</a:t>
             </a:r>
           </a:p>
           <a:p>
             <a:pPr lvl="4"/>
             <a:r>
-              <a:rPr lang="en-US" smtClean="0"/>
+              <a:rPr lang="en-US"/>
               <a:t>Fifth level</a:t>
             </a:r>
-            <a:endParaRPr lang="en-US"/>
           </a:p>
         </p:txBody>
       </p:sp>
@@ -2351,7 +2350,7 @@
           <a:p>
             <a:fld id="{011E066B-8219-F64F-B8C2-53A3B89B4A85}" type="datetime1">
               <a:rPr lang="en-US" smtClean="0"/>
-              <a:t>6/14/19</a:t>
+              <a:t>1/7/21</a:t>
             </a:fld>
             <a:endParaRPr lang="en-US"/>
           </a:p>
@@ -2445,10 +2444,9 @@
           <a:lstStyle/>
           <a:p>
             <a:r>
-              <a:rPr lang="en-US" smtClean="0"/>
+              <a:rPr lang="en-US"/>
               <a:t>Click to edit Master title style</a:t>
             </a:r>
-            <a:endParaRPr lang="en-US"/>
           </a:p>
         </p:txBody>
       </p:sp>
@@ -2469,7 +2467,7 @@
           <a:p>
             <a:fld id="{A647D7BC-6ED1-5643-8901-5A74D745B5F6}" type="datetime1">
               <a:rPr lang="en-US" smtClean="0"/>
-              <a:t>6/14/19</a:t>
+              <a:t>1/7/21</a:t>
             </a:fld>
             <a:endParaRPr lang="en-US"/>
           </a:p>
@@ -2564,7 +2562,7 @@
           <a:p>
             <a:fld id="{9D749149-7531-A94B-BF64-9F90465D006E}" type="datetime1">
               <a:rPr lang="en-US" smtClean="0"/>
-              <a:t>6/14/19</a:t>
+              <a:t>1/7/21</a:t>
             </a:fld>
             <a:endParaRPr lang="en-US"/>
           </a:p>
@@ -2667,10 +2665,9 @@
           </a:lstStyle>
           <a:p>
             <a:r>
-              <a:rPr lang="en-US" smtClean="0"/>
+              <a:rPr lang="en-US"/>
               <a:t>Click to edit Master title style</a:t>
             </a:r>
-            <a:endParaRPr lang="en-US"/>
           </a:p>
         </p:txBody>
       </p:sp>
@@ -2724,38 +2721,37 @@
           <a:p>
             <a:pPr lvl="0"/>
             <a:r>
-              <a:rPr lang="en-US" smtClean="0"/>
+              <a:rPr lang="en-US"/>
               <a:t>Click to edit Master text styles</a:t>
             </a:r>
           </a:p>
           <a:p>
             <a:pPr lvl="1"/>
             <a:r>
-              <a:rPr lang="en-US" smtClean="0"/>
+              <a:rPr lang="en-US"/>
               <a:t>Second level</a:t>
             </a:r>
           </a:p>
           <a:p>
             <a:pPr lvl="2"/>
             <a:r>
-              <a:rPr lang="en-US" smtClean="0"/>
+              <a:rPr lang="en-US"/>
               <a:t>Third level</a:t>
             </a:r>
           </a:p>
           <a:p>
             <a:pPr lvl="3"/>
             <a:r>
-              <a:rPr lang="en-US" smtClean="0"/>
+              <a:rPr lang="en-US"/>
               <a:t>Fourth level</a:t>
             </a:r>
           </a:p>
           <a:p>
             <a:pPr lvl="4"/>
             <a:r>
-              <a:rPr lang="en-US" smtClean="0"/>
+              <a:rPr lang="en-US"/>
               <a:t>Fifth level</a:t>
             </a:r>
-            <a:endParaRPr lang="en-US"/>
           </a:p>
         </p:txBody>
       </p:sp>
@@ -2818,7 +2814,7 @@
           <a:p>
             <a:pPr lvl="0"/>
             <a:r>
-              <a:rPr lang="en-US" smtClean="0"/>
+              <a:rPr lang="en-US"/>
               <a:t>Click to edit Master text styles</a:t>
             </a:r>
           </a:p>
@@ -2841,7 +2837,7 @@
           <a:p>
             <a:fld id="{3DCADEC6-74E3-5A45-956D-36673A0B0B6F}" type="datetime1">
               <a:rPr lang="en-US" smtClean="0"/>
-              <a:t>6/14/19</a:t>
+              <a:t>1/7/21</a:t>
             </a:fld>
             <a:endParaRPr lang="en-US"/>
           </a:p>
@@ -2944,10 +2940,9 @@
           </a:lstStyle>
           <a:p>
             <a:r>
-              <a:rPr lang="en-US" smtClean="0"/>
+              <a:rPr lang="en-US"/>
               <a:t>Click to edit Master title style</a:t>
             </a:r>
-            <a:endParaRPr lang="en-US"/>
           </a:p>
         </p:txBody>
       </p:sp>
@@ -3071,7 +3066,7 @@
           <a:p>
             <a:pPr lvl="0"/>
             <a:r>
-              <a:rPr lang="en-US" smtClean="0"/>
+              <a:rPr lang="en-US"/>
               <a:t>Click to edit Master text styles</a:t>
             </a:r>
           </a:p>
@@ -3094,7 +3089,7 @@
           <a:p>
             <a:fld id="{E8837371-C5DD-DB40-BAF9-B253BC12B671}" type="datetime1">
               <a:rPr lang="en-US" smtClean="0"/>
-              <a:t>6/14/19</a:t>
+              <a:t>1/7/21</a:t>
             </a:fld>
             <a:endParaRPr lang="en-US"/>
           </a:p>
@@ -3203,10 +3198,9 @@
           <a:lstStyle/>
           <a:p>
             <a:r>
-              <a:rPr lang="en-US" smtClean="0"/>
+              <a:rPr lang="en-US"/>
               <a:t>Click to edit Master title style</a:t>
             </a:r>
-            <a:endParaRPr lang="en-US"/>
           </a:p>
         </p:txBody>
       </p:sp>
@@ -3237,38 +3231,37 @@
           <a:p>
             <a:pPr lvl="0"/>
             <a:r>
-              <a:rPr lang="en-US" dirty="0" smtClean="0"/>
+              <a:rPr lang="en-US" dirty="0"/>
               <a:t>Click to edit Master text styles</a:t>
             </a:r>
           </a:p>
           <a:p>
             <a:pPr lvl="1"/>
             <a:r>
-              <a:rPr lang="en-US" dirty="0" smtClean="0"/>
+              <a:rPr lang="en-US" dirty="0"/>
               <a:t>Second level</a:t>
             </a:r>
           </a:p>
           <a:p>
             <a:pPr lvl="2"/>
             <a:r>
-              <a:rPr lang="en-US" dirty="0" smtClean="0"/>
+              <a:rPr lang="en-US" dirty="0"/>
               <a:t>Third level</a:t>
             </a:r>
           </a:p>
           <a:p>
             <a:pPr lvl="3"/>
             <a:r>
-              <a:rPr lang="en-US" dirty="0" smtClean="0"/>
+              <a:rPr lang="en-US" dirty="0"/>
               <a:t>Fourth level</a:t>
             </a:r>
           </a:p>
           <a:p>
             <a:pPr lvl="4"/>
             <a:r>
-              <a:rPr lang="en-US" dirty="0" smtClean="0"/>
+              <a:rPr lang="en-US" dirty="0"/>
               <a:t>Fifth level</a:t>
             </a:r>
-            <a:endParaRPr lang="en-US" dirty="0"/>
           </a:p>
         </p:txBody>
       </p:sp>
@@ -3307,7 +3300,7 @@
           <a:p>
             <a:fld id="{61AE1620-0FA7-334D-A30B-254236132EE6}" type="datetime1">
               <a:rPr lang="en-US" smtClean="0"/>
-              <a:t>6/14/19</a:t>
+              <a:t>1/7/21</a:t>
             </a:fld>
             <a:endParaRPr lang="en-US"/>
           </a:p>
@@ -3699,10 +3692,9 @@
           <a:lstStyle/>
           <a:p>
             <a:r>
-              <a:rPr lang="en-US" dirty="0" smtClean="0"/>
+              <a:rPr lang="en-US" dirty="0"/>
               <a:t>R Workshop, Part I	</a:t>
             </a:r>
-            <a:endParaRPr lang="en-US" dirty="0"/>
           </a:p>
         </p:txBody>
       </p:sp>
@@ -3724,22 +3716,21 @@
           <a:lstStyle/>
           <a:p>
             <a:r>
-              <a:rPr lang="en-US" dirty="0" smtClean="0"/>
+              <a:rPr lang="en-US" dirty="0"/>
               <a:t>Steve Mooney</a:t>
             </a:r>
           </a:p>
           <a:p>
             <a:r>
-              <a:rPr lang="en-US" dirty="0" smtClean="0"/>
+              <a:rPr lang="en-US" dirty="0"/>
               <a:t>University of Washington</a:t>
             </a:r>
           </a:p>
           <a:p>
             <a:r>
-              <a:rPr lang="en-US" dirty="0" smtClean="0"/>
-              <a:t>SER 2019</a:t>
-            </a:r>
-            <a:endParaRPr lang="en-US" dirty="0"/>
+              <a:rPr lang="en-US" dirty="0"/>
+              <a:t>SER 2020 (in Jan 2021)</a:t>
+            </a:r>
           </a:p>
         </p:txBody>
       </p:sp>
@@ -3766,12 +3757,8 @@
           <a:lstStyle/>
           <a:p>
             <a:r>
-              <a:rPr lang="en-US" dirty="0" smtClean="0"/>
-              <a:t>While you’re waiting, download the files you’re going to need: https</a:t>
-            </a:r>
-            <a:r>
-              <a:rPr lang="en-US" dirty="0"/>
-              <a:t>://</a:t>
+              <a:rPr lang="en-US" dirty="0"/>
+              <a:t>While you’re waiting, download the files you’re going to need: https://</a:t>
             </a:r>
             <a:r>
               <a:rPr lang="en-US" dirty="0" err="1"/>
@@ -3779,13 +3766,8 @@
             </a:r>
             <a:r>
               <a:rPr lang="en-US" dirty="0"/>
-              <a:t>/smooney27/</a:t>
-            </a:r>
-            <a:r>
-              <a:rPr lang="en-US" dirty="0" smtClean="0"/>
-              <a:t>RWorkshopSER2019</a:t>
-            </a:r>
-            <a:endParaRPr lang="en-US" dirty="0"/>
+              <a:t>/smooney27/RWorkshopSER2020</a:t>
+            </a:r>
           </a:p>
         </p:txBody>
       </p:sp>
@@ -3847,14 +3829,14 @@
           </a:ln>
           <a:extLst>
             <a:ext uri="{909E8E84-426E-40dd-AFC4-6F175D3DCCD1}">
-              <a14:hiddenFill xmlns:a14="http://schemas.microsoft.com/office/drawing/2010/main">
+              <a14:hiddenFill xmlns:a14="http://schemas.microsoft.com/office/drawing/2010/main" xmlns="">
                 <a:solidFill>
                   <a:schemeClr val="accent1"/>
                 </a:solidFill>
               </a14:hiddenFill>
             </a:ext>
             <a:ext uri="{91240B29-F687-4f45-9708-019B960494DF}">
-              <a14:hiddenLine xmlns:a14="http://schemas.microsoft.com/office/drawing/2010/main" w="9525">
+              <a14:hiddenLine xmlns:a14="http://schemas.microsoft.com/office/drawing/2010/main" xmlns="" w="9525">
                 <a:solidFill>
                   <a:schemeClr val="tx1"/>
                 </a:solidFill>
@@ -3901,14 +3883,14 @@
           </a:ln>
           <a:extLst>
             <a:ext uri="{909E8E84-426E-40dd-AFC4-6F175D3DCCD1}">
-              <a14:hiddenFill xmlns:a14="http://schemas.microsoft.com/office/drawing/2010/main">
+              <a14:hiddenFill xmlns:a14="http://schemas.microsoft.com/office/drawing/2010/main" xmlns="">
                 <a:solidFill>
                   <a:schemeClr val="accent1"/>
                 </a:solidFill>
               </a14:hiddenFill>
             </a:ext>
             <a:ext uri="{91240B29-F687-4f45-9708-019B960494DF}">
-              <a14:hiddenLine xmlns:a14="http://schemas.microsoft.com/office/drawing/2010/main" w="9525">
+              <a14:hiddenLine xmlns:a14="http://schemas.microsoft.com/office/drawing/2010/main" xmlns="" w="9525">
                 <a:solidFill>
                   <a:schemeClr val="tx1"/>
                 </a:solidFill>
@@ -3930,13 +3912,6 @@
   <p:clrMapOvr>
     <a:masterClrMapping/>
   </p:clrMapOvr>
-  <p:timing>
-    <p:tnLst>
-      <p:par>
-        <p:cTn xmlns:p14="http://schemas.microsoft.com/office/powerpoint/2010/main" id="1" dur="indefinite" restart="never" nodeType="tmRoot"/>
-      </p:par>
-    </p:tnLst>
-  </p:timing>
 </p:sld>
 </file>
 
@@ -3973,10 +3948,9 @@
           <a:lstStyle/>
           <a:p>
             <a:r>
-              <a:rPr lang="en-US" dirty="0" smtClean="0"/>
+              <a:rPr lang="en-US" dirty="0"/>
               <a:t>Creating Vectors</a:t>
             </a:r>
-            <a:endParaRPr lang="en-US" dirty="0"/>
           </a:p>
         </p:txBody>
       </p:sp>
@@ -4006,16 +3980,8 @@
               <a:buChar char="•"/>
             </a:pPr>
             <a:r>
-              <a:rPr lang="en-US" sz="3200" dirty="0" smtClean="0"/>
-              <a:t>Basic function: </a:t>
-            </a:r>
-            <a:r>
               <a:rPr lang="en-US" sz="3200" dirty="0"/>
-              <a:t>c</a:t>
-            </a:r>
-            <a:r>
-              <a:rPr lang="en-US" sz="3200" dirty="0" smtClean="0"/>
-              <a:t>()</a:t>
+              <a:t>Basic function: c()</a:t>
             </a:r>
           </a:p>
           <a:p>
@@ -4024,7 +3990,7 @@
               <a:buChar char="•"/>
             </a:pPr>
             <a:r>
-              <a:rPr lang="en-US" sz="3200" dirty="0" smtClean="0"/>
+              <a:rPr lang="en-US" sz="3200" dirty="0"/>
               <a:t>c(1,2,3)</a:t>
             </a:r>
           </a:p>
@@ -4034,7 +4000,7 @@
               <a:buChar char="•"/>
             </a:pPr>
             <a:r>
-              <a:rPr lang="en-US" sz="3200" dirty="0" smtClean="0"/>
+              <a:rPr lang="en-US" sz="3200" dirty="0"/>
               <a:t>c(FALSE, TRUE)</a:t>
             </a:r>
           </a:p>
@@ -4044,7 +4010,7 @@
               <a:buChar char="•"/>
             </a:pPr>
             <a:r>
-              <a:rPr lang="en-US" sz="3200" dirty="0" smtClean="0"/>
+              <a:rPr lang="en-US" sz="3200" dirty="0"/>
               <a:t>c(F, T)</a:t>
             </a:r>
           </a:p>
@@ -4061,7 +4027,7 @@
               <a:buChar char="•"/>
             </a:pPr>
             <a:r>
-              <a:rPr lang="en-US" sz="3200" dirty="0" smtClean="0"/>
+              <a:rPr lang="en-US" sz="3200" dirty="0"/>
               <a:t>Use &lt;- to save the result of c() to a variable</a:t>
             </a:r>
           </a:p>
@@ -4071,20 +4037,12 @@
               <a:buChar char="•"/>
             </a:pPr>
             <a:r>
-              <a:rPr lang="en-US" sz="3200" dirty="0" err="1" smtClean="0"/>
+              <a:rPr lang="en-US" sz="3200" dirty="0" err="1"/>
               <a:t>myvector</a:t>
             </a:r>
             <a:r>
-              <a:rPr lang="en-US" sz="3200" dirty="0" smtClean="0"/>
-              <a:t> </a:t>
-            </a:r>
-            <a:r>
               <a:rPr lang="en-US" sz="3200" dirty="0"/>
-              <a:t>&lt;- c</a:t>
-            </a:r>
-            <a:r>
-              <a:rPr lang="en-US" sz="3200" dirty="0" smtClean="0"/>
-              <a:t>("a", "b", "c")</a:t>
+              <a:t> &lt;- c("a", "b", "c")</a:t>
             </a:r>
           </a:p>
           <a:p>
@@ -4093,11 +4051,11 @@
               <a:buChar char="•"/>
             </a:pPr>
             <a:r>
-              <a:rPr lang="en-US" sz="3200" dirty="0" err="1" smtClean="0"/>
+              <a:rPr lang="en-US" sz="3200" dirty="0" err="1"/>
               <a:t>logicalvector</a:t>
             </a:r>
             <a:r>
-              <a:rPr lang="en-US" sz="3200" dirty="0" smtClean="0"/>
+              <a:rPr lang="en-US" sz="3200" dirty="0"/>
               <a:t> &lt;- c(FALSE)</a:t>
             </a:r>
           </a:p>
@@ -4159,12 +4117,8 @@
           <a:p>
             <a:pPr algn="ctr"/>
             <a:r>
-              <a:rPr lang="en-US" dirty="0" smtClean="0"/>
-              <a:t>Course website: https</a:t>
-            </a:r>
-            <a:r>
-              <a:rPr lang="en-US" dirty="0"/>
-              <a:t>://</a:t>
+              <a:rPr lang="en-US" dirty="0"/>
+              <a:t>Course website: https://</a:t>
             </a:r>
             <a:r>
               <a:rPr lang="en-US" dirty="0" err="1"/>
@@ -4172,7 +4126,7 @@
             </a:r>
             <a:r>
               <a:rPr lang="en-US" dirty="0"/>
-              <a:t>/smooney27/RWorkshopSER2019</a:t>
+              <a:t>/smooney27/RWorkshopSER2020</a:t>
             </a:r>
           </a:p>
         </p:txBody>
@@ -4187,13 +4141,6 @@
   <p:clrMapOvr>
     <a:masterClrMapping/>
   </p:clrMapOvr>
-  <p:timing>
-    <p:tnLst>
-      <p:par>
-        <p:cTn xmlns:p14="http://schemas.microsoft.com/office/powerpoint/2010/main" id="1" dur="indefinite" restart="never" nodeType="tmRoot"/>
-      </p:par>
-    </p:tnLst>
-  </p:timing>
 </p:sld>
 </file>
 
@@ -4230,10 +4177,9 @@
           <a:lstStyle/>
           <a:p>
             <a:r>
-              <a:rPr lang="en-US" dirty="0" smtClean="0"/>
+              <a:rPr lang="en-US" dirty="0"/>
               <a:t>Vectors in real life</a:t>
             </a:r>
-            <a:endParaRPr lang="en-US" dirty="0"/>
           </a:p>
         </p:txBody>
       </p:sp>
@@ -4253,39 +4199,38 @@
           <a:lstStyle/>
           <a:p>
             <a:r>
-              <a:rPr lang="en-US" dirty="0" smtClean="0"/>
+              <a:rPr lang="en-US" dirty="0"/>
               <a:t>The columns of your datasets are vectors</a:t>
             </a:r>
           </a:p>
           <a:p>
             <a:pPr lvl="1"/>
             <a:r>
-              <a:rPr lang="en-US" dirty="0" smtClean="0"/>
+              <a:rPr lang="en-US" dirty="0"/>
               <a:t>For example: </a:t>
             </a:r>
             <a:r>
-              <a:rPr lang="en-US" dirty="0" err="1" smtClean="0"/>
+              <a:rPr lang="en-US" dirty="0" err="1"/>
               <a:t>dig$AGE</a:t>
             </a:r>
             <a:r>
-              <a:rPr lang="en-US" dirty="0" smtClean="0"/>
+              <a:rPr lang="en-US" dirty="0"/>
               <a:t> is a vector of ages</a:t>
             </a:r>
-          </a:p>
-          <a:p>
-            <a:pPr lvl="1"/>
-            <a:endParaRPr lang="en-US" dirty="0" smtClean="0"/>
           </a:p>
           <a:p>
             <a:pPr lvl="1"/>
             <a:endParaRPr lang="en-US" dirty="0"/>
           </a:p>
           <a:p>
-            <a:r>
-              <a:rPr lang="en-US" dirty="0" smtClean="0"/>
+            <a:pPr lvl="1"/>
+            <a:endParaRPr lang="en-US" dirty="0"/>
+          </a:p>
+          <a:p>
+            <a:r>
+              <a:rPr lang="en-US" dirty="0"/>
               <a:t>More on this idea later…</a:t>
             </a:r>
-            <a:endParaRPr lang="en-US" dirty="0"/>
           </a:p>
         </p:txBody>
       </p:sp>
@@ -4335,12 +4280,8 @@
           <a:p>
             <a:pPr algn="ctr"/>
             <a:r>
-              <a:rPr lang="en-US" dirty="0" smtClean="0"/>
-              <a:t>Course website: https</a:t>
-            </a:r>
-            <a:r>
-              <a:rPr lang="en-US" dirty="0"/>
-              <a:t>://</a:t>
+              <a:rPr lang="en-US" dirty="0"/>
+              <a:t>Course website: https://</a:t>
             </a:r>
             <a:r>
               <a:rPr lang="en-US" dirty="0" err="1"/>
@@ -4348,7 +4289,7 @@
             </a:r>
             <a:r>
               <a:rPr lang="en-US" dirty="0"/>
-              <a:t>/smooney27/RWorkshopSER2019</a:t>
+              <a:t>/smooney27/RWorkshopSER2020</a:t>
             </a:r>
           </a:p>
         </p:txBody>
@@ -4363,13 +4304,6 @@
   <p:clrMapOvr>
     <a:masterClrMapping/>
   </p:clrMapOvr>
-  <p:timing>
-    <p:tnLst>
-      <p:par>
-        <p:cTn xmlns:p14="http://schemas.microsoft.com/office/powerpoint/2010/main" id="1" dur="indefinite" restart="never" nodeType="tmRoot"/>
-      </p:par>
-    </p:tnLst>
-  </p:timing>
 </p:sld>
 </file>
 
@@ -4406,10 +4340,9 @@
           <a:lstStyle/>
           <a:p>
             <a:r>
-              <a:rPr lang="en-US" dirty="0" smtClean="0"/>
+              <a:rPr lang="en-US" dirty="0"/>
               <a:t>Indexing Vectors</a:t>
             </a:r>
-            <a:endParaRPr lang="en-US" dirty="0"/>
           </a:p>
         </p:txBody>
       </p:sp>
@@ -4431,7 +4364,7 @@
           <a:lstStyle/>
           <a:p>
             <a:r>
-              <a:rPr lang="en-US" dirty="0" smtClean="0"/>
+              <a:rPr lang="en-US" dirty="0"/>
               <a:t>Get values back out of vectors using square brackets []</a:t>
             </a:r>
           </a:p>
@@ -4529,17 +4462,16 @@
               </a:rPr>
               <a:t>[3] # 5</a:t>
             </a:r>
-            <a:endParaRPr lang="en-US" dirty="0" smtClean="0"/>
-          </a:p>
-          <a:p>
             <a:endParaRPr lang="en-US" dirty="0"/>
           </a:p>
           <a:p>
-            <a:r>
-              <a:rPr lang="en-US" dirty="0" smtClean="0"/>
+            <a:endParaRPr lang="en-US" dirty="0"/>
+          </a:p>
+          <a:p>
+            <a:r>
+              <a:rPr lang="en-US" dirty="0"/>
               <a:t>We will talk more about indexing later…</a:t>
             </a:r>
-            <a:endParaRPr lang="en-US" dirty="0"/>
           </a:p>
           <a:p>
             <a:endParaRPr lang="en-US" sz="2400" dirty="0">
@@ -4595,12 +4527,8 @@
           <a:p>
             <a:pPr algn="ctr"/>
             <a:r>
-              <a:rPr lang="en-US" dirty="0" smtClean="0"/>
-              <a:t>Course website: https</a:t>
-            </a:r>
-            <a:r>
-              <a:rPr lang="en-US" dirty="0"/>
-              <a:t>://</a:t>
+              <a:rPr lang="en-US" dirty="0"/>
+              <a:t>Course website: https://</a:t>
             </a:r>
             <a:r>
               <a:rPr lang="en-US" dirty="0" err="1"/>
@@ -4608,7 +4536,7 @@
             </a:r>
             <a:r>
               <a:rPr lang="en-US" dirty="0"/>
-              <a:t>/smooney27/RWorkshopSER2019</a:t>
+              <a:t>/smooney27/RWorkshopSER2020</a:t>
             </a:r>
           </a:p>
         </p:txBody>
@@ -4623,13 +4551,6 @@
   <p:clrMapOvr>
     <a:masterClrMapping/>
   </p:clrMapOvr>
-  <p:timing>
-    <p:tnLst>
-      <p:par>
-        <p:cTn xmlns:p14="http://schemas.microsoft.com/office/powerpoint/2010/main" id="1" dur="indefinite" restart="never" nodeType="tmRoot"/>
-      </p:par>
-    </p:tnLst>
-  </p:timing>
 </p:sld>
 </file>
 
@@ -4666,10 +4587,9 @@
           <a:lstStyle/>
           <a:p>
             <a:r>
-              <a:rPr lang="en-US" dirty="0" smtClean="0"/>
+              <a:rPr lang="en-US" dirty="0"/>
               <a:t>Challenges</a:t>
             </a:r>
-            <a:endParaRPr lang="en-US" dirty="0"/>
           </a:p>
         </p:txBody>
       </p:sp>
@@ -4696,7 +4616,7 @@
           <a:lstStyle/>
           <a:p>
             <a:r>
-              <a:rPr lang="en-US" dirty="0" smtClean="0"/>
+              <a:rPr lang="en-US" dirty="0"/>
               <a:t>One good way to test whether you really know how to code something up is to try</a:t>
             </a:r>
           </a:p>
@@ -4705,7 +4625,7 @@
           </a:p>
           <a:p>
             <a:r>
-              <a:rPr lang="en-US" dirty="0" smtClean="0"/>
+              <a:rPr lang="en-US" dirty="0"/>
               <a:t>I'm going to describe some challenges in words – you try to write the code!</a:t>
             </a:r>
           </a:p>
@@ -4750,14 +4670,14 @@
           <a:effectLst/>
           <a:extLst>
             <a:ext uri="{909E8E84-426E-40dd-AFC4-6F175D3DCCD1}">
-              <a14:hiddenFill xmlns:a14="http://schemas.microsoft.com/office/drawing/2010/main">
+              <a14:hiddenFill xmlns:a14="http://schemas.microsoft.com/office/drawing/2010/main" xmlns="">
                 <a:solidFill>
                   <a:schemeClr val="accent1"/>
                 </a:solidFill>
               </a14:hiddenFill>
             </a:ext>
             <a:ext uri="{91240B29-F687-4f45-9708-019B960494DF}">
-              <a14:hiddenLine xmlns:a14="http://schemas.microsoft.com/office/drawing/2010/main" w="9525">
+              <a14:hiddenLine xmlns:a14="http://schemas.microsoft.com/office/drawing/2010/main" xmlns="" w="9525">
                 <a:solidFill>
                   <a:schemeClr val="tx1"/>
                 </a:solidFill>
@@ -4767,7 +4687,7 @@
               </a14:hiddenLine>
             </a:ext>
             <a:ext uri="{AF507438-7753-43e0-B8FC-AC1667EBCBE1}">
-              <a14:hiddenEffects xmlns:a14="http://schemas.microsoft.com/office/drawing/2010/main">
+              <a14:hiddenEffects xmlns:a14="http://schemas.microsoft.com/office/drawing/2010/main" xmlns="">
                 <a:effectLst>
                   <a:outerShdw dist="35921" dir="2700000" algn="ctr" rotWithShape="0">
                     <a:schemeClr val="bg2"/>
@@ -4824,12 +4744,8 @@
           <a:p>
             <a:pPr algn="ctr"/>
             <a:r>
-              <a:rPr lang="en-US" dirty="0" smtClean="0"/>
-              <a:t>Course website: https</a:t>
-            </a:r>
-            <a:r>
-              <a:rPr lang="en-US" dirty="0"/>
-              <a:t>://</a:t>
+              <a:rPr lang="en-US" dirty="0"/>
+              <a:t>Course website: https://</a:t>
             </a:r>
             <a:r>
               <a:rPr lang="en-US" dirty="0" err="1"/>
@@ -4837,7 +4753,7 @@
             </a:r>
             <a:r>
               <a:rPr lang="en-US" dirty="0"/>
-              <a:t>/smooney27/RWorkshopSER2019</a:t>
+              <a:t>/smooney27/RWorkshopSER2020</a:t>
             </a:r>
           </a:p>
         </p:txBody>
@@ -4852,13 +4768,6 @@
   <p:clrMapOvr>
     <a:masterClrMapping/>
   </p:clrMapOvr>
-  <p:timing>
-    <p:tnLst>
-      <p:par>
-        <p:cTn xmlns:p14="http://schemas.microsoft.com/office/powerpoint/2010/main" id="1" dur="indefinite" restart="never" nodeType="tmRoot"/>
-      </p:par>
-    </p:tnLst>
-  </p:timing>
 </p:sld>
 </file>
 
@@ -4895,10 +4804,9 @@
           <a:lstStyle/>
           <a:p>
             <a:r>
-              <a:rPr lang="en-US" dirty="0" smtClean="0"/>
+              <a:rPr lang="en-US" dirty="0"/>
               <a:t>Challenge #1</a:t>
             </a:r>
-            <a:endParaRPr lang="en-US" dirty="0"/>
           </a:p>
         </p:txBody>
       </p:sp>
@@ -4928,7 +4836,7 @@
               <a:buNone/>
             </a:pPr>
             <a:r>
-              <a:rPr lang="en-US" dirty="0" smtClean="0"/>
+              <a:rPr lang="en-US" dirty="0"/>
               <a:t>1. Run this code:</a:t>
             </a:r>
           </a:p>
@@ -4937,53 +4845,34 @@
               <a:buNone/>
             </a:pPr>
             <a:r>
-              <a:rPr lang="en-US" dirty="0" err="1" smtClean="0"/>
+              <a:rPr lang="en-US" dirty="0" err="1"/>
               <a:t>myvec</a:t>
             </a:r>
             <a:r>
-              <a:rPr lang="en-US" dirty="0" smtClean="0"/>
+              <a:rPr lang="en-US" dirty="0"/>
               <a:t> &lt;- </a:t>
             </a:r>
             <a:r>
-              <a:rPr lang="en-US" sz="3200" dirty="0" smtClean="0"/>
+              <a:rPr lang="en-US" sz="3200" dirty="0"/>
               <a:t>c(1,4,7)</a:t>
             </a:r>
           </a:p>
           <a:p>
-            <a:endParaRPr lang="en-US" dirty="0" smtClean="0"/>
+            <a:endParaRPr lang="en-US" dirty="0"/>
           </a:p>
           <a:p>
             <a:pPr marL="0" indent="0">
               <a:buNone/>
             </a:pPr>
             <a:r>
-              <a:rPr lang="en-US" dirty="0" smtClean="0"/>
+              <a:rPr lang="en-US" dirty="0"/>
               <a:t>2. Now write the code to select the number 4 from </a:t>
             </a:r>
             <a:r>
-              <a:rPr lang="en-US" dirty="0" err="1" smtClean="0"/>
+              <a:rPr lang="en-US" dirty="0" err="1"/>
               <a:t>myvec</a:t>
             </a:r>
-            <a:endParaRPr lang="en-US" dirty="0" smtClean="0"/>
-          </a:p>
-          <a:p>
-            <a:pPr marL="0" indent="0">
-              <a:buNone/>
-            </a:pPr>
-            <a:endParaRPr lang="en-US" dirty="0" smtClean="0"/>
-          </a:p>
-          <a:p>
-            <a:pPr marL="0" indent="0">
-              <a:buNone/>
-            </a:pPr>
-            <a:r>
-              <a:rPr lang="en-US" dirty="0" err="1" smtClean="0"/>
-              <a:t>myvec</a:t>
-            </a:r>
-            <a:r>
-              <a:rPr lang="en-US" dirty="0" smtClean="0"/>
-              <a:t>[2]</a:t>
-            </a:r>
+            <a:endParaRPr lang="en-US" dirty="0"/>
           </a:p>
           <a:p>
             <a:pPr marL="0" indent="0">
@@ -4995,7 +4884,26 @@
             <a:pPr marL="0" indent="0">
               <a:buNone/>
             </a:pPr>
-            <a:endParaRPr lang="en-US" dirty="0" smtClean="0"/>
+            <a:r>
+              <a:rPr lang="en-US" dirty="0" err="1"/>
+              <a:t>myvec</a:t>
+            </a:r>
+            <a:r>
+              <a:rPr lang="en-US" dirty="0"/>
+              <a:t>[2]</a:t>
+            </a:r>
+          </a:p>
+          <a:p>
+            <a:pPr marL="0" indent="0">
+              <a:buNone/>
+            </a:pPr>
+            <a:endParaRPr lang="en-US" dirty="0"/>
+          </a:p>
+          <a:p>
+            <a:pPr marL="0" indent="0">
+              <a:buNone/>
+            </a:pPr>
+            <a:endParaRPr lang="en-US" dirty="0"/>
           </a:p>
         </p:txBody>
       </p:sp>
@@ -5034,14 +4942,14 @@
           </a:ln>
           <a:extLst>
             <a:ext uri="{909E8E84-426E-40dd-AFC4-6F175D3DCCD1}">
-              <a14:hiddenFill xmlns:a14="http://schemas.microsoft.com/office/drawing/2010/main">
+              <a14:hiddenFill xmlns:a14="http://schemas.microsoft.com/office/drawing/2010/main" xmlns="">
                 <a:solidFill>
                   <a:schemeClr val="accent1"/>
                 </a:solidFill>
               </a14:hiddenFill>
             </a:ext>
             <a:ext uri="{91240B29-F687-4f45-9708-019B960494DF}">
-              <a14:hiddenLine xmlns:a14="http://schemas.microsoft.com/office/drawing/2010/main" w="9525">
+              <a14:hiddenLine xmlns:a14="http://schemas.microsoft.com/office/drawing/2010/main" xmlns="" w="9525">
                 <a:solidFill>
                   <a:schemeClr val="tx1"/>
                 </a:solidFill>
@@ -5076,13 +4984,8 @@
           <a:p>
             <a:r>
               <a:rPr lang="en-US" dirty="0"/>
-              <a:t>(Bonus: self-test # </a:t>
-            </a:r>
-            <a:r>
-              <a:rPr lang="en-US" dirty="0" smtClean="0"/>
-              <a:t>1 &amp; 2)</a:t>
-            </a:r>
-            <a:endParaRPr lang="en-US" dirty="0"/>
+              <a:t>(Bonus: self-test # 1 &amp; 2)</a:t>
+            </a:r>
           </a:p>
         </p:txBody>
       </p:sp>
@@ -5132,12 +5035,8 @@
           <a:p>
             <a:pPr algn="ctr"/>
             <a:r>
-              <a:rPr lang="en-US" dirty="0" smtClean="0"/>
-              <a:t>Course website: https</a:t>
-            </a:r>
-            <a:r>
-              <a:rPr lang="en-US" dirty="0"/>
-              <a:t>://</a:t>
+              <a:rPr lang="en-US" dirty="0"/>
+              <a:t>Course website: https://</a:t>
             </a:r>
             <a:r>
               <a:rPr lang="en-US" dirty="0" err="1"/>
@@ -5145,7 +5044,7 @@
             </a:r>
             <a:r>
               <a:rPr lang="en-US" dirty="0"/>
-              <a:t>/smooney27/RWorkshopSER2019</a:t>
+              <a:t>/smooney27/RWorkshopSER2020</a:t>
             </a:r>
           </a:p>
         </p:txBody>
@@ -5163,7 +5062,7 @@
   <p:timing>
     <p:tnLst>
       <p:par>
-        <p:cTn xmlns:p14="http://schemas.microsoft.com/office/powerpoint/2010/main" id="1" dur="indefinite" restart="never" nodeType="tmRoot">
+        <p:cTn id="1" dur="indefinite" restart="never" nodeType="tmRoot">
           <p:childTnLst>
             <p:seq concurrent="1" nextAc="seek">
               <p:cTn id="2" dur="indefinite" nodeType="mainSeq">
@@ -5275,10 +5174,9 @@
           <a:lstStyle/>
           <a:p>
             <a:r>
-              <a:rPr lang="en-US" dirty="0" smtClean="0"/>
+              <a:rPr lang="en-US" dirty="0"/>
               <a:t>The building blocks</a:t>
             </a:r>
-            <a:endParaRPr lang="en-US" dirty="0"/>
           </a:p>
         </p:txBody>
       </p:sp>
@@ -5305,30 +5203,21 @@
           <a:lstStyle/>
           <a:p>
             <a:r>
-              <a:rPr lang="en-US" dirty="0" smtClean="0"/>
+              <a:rPr lang="en-US" dirty="0"/>
               <a:t>Matrix: A 2-dimensional collection of like elements</a:t>
             </a:r>
           </a:p>
           <a:p>
             <a:pPr lvl="1"/>
-            <a:endParaRPr lang="en-US" dirty="0" smtClean="0"/>
-          </a:p>
-          <a:p>
-            <a:r>
-              <a:rPr lang="en-US" dirty="0" smtClean="0"/>
-              <a:t>Same </a:t>
-            </a:r>
-            <a:r>
-              <a:rPr lang="en-US" dirty="0"/>
-              <a:t>types of </a:t>
-            </a:r>
-            <a:r>
-              <a:rPr lang="en-US" dirty="0" smtClean="0"/>
-              <a:t>like elements as for vectors:</a:t>
-            </a:r>
             <a:endParaRPr lang="en-US" dirty="0"/>
           </a:p>
           <a:p>
+            <a:r>
+              <a:rPr lang="en-US" dirty="0"/>
+              <a:t>Same types of like elements as for vectors:</a:t>
+            </a:r>
+          </a:p>
+          <a:p>
             <a:pPr lvl="1"/>
             <a:r>
               <a:rPr lang="en-US" dirty="0"/>
@@ -5339,34 +5228,22 @@
             <a:pPr lvl="1"/>
             <a:r>
               <a:rPr lang="en-US" dirty="0"/>
-              <a:t>Character: </a:t>
-            </a:r>
-            <a:r>
-              <a:rPr lang="en-US" dirty="0" smtClean="0"/>
-              <a:t>"</a:t>
-            </a:r>
-            <a:r>
-              <a:rPr lang="en-US" dirty="0" err="1" smtClean="0"/>
+              <a:t>Character: "</a:t>
+            </a:r>
+            <a:r>
+              <a:rPr lang="en-US" dirty="0" err="1"/>
               <a:t>abcd</a:t>
             </a:r>
             <a:r>
-              <a:rPr lang="en-US" dirty="0" smtClean="0"/>
-              <a:t>", "P9489", </a:t>
-            </a:r>
-            <a:r>
-              <a:rPr lang="en-US" dirty="0"/>
-              <a:t>etc.</a:t>
+              <a:rPr lang="en-US" dirty="0"/>
+              <a:t>", "P9489", etc.</a:t>
             </a:r>
           </a:p>
           <a:p>
             <a:pPr lvl="1"/>
             <a:r>
               <a:rPr lang="en-US" dirty="0"/>
-              <a:t>Logical: TRUE, </a:t>
-            </a:r>
-            <a:r>
-              <a:rPr lang="en-US" dirty="0" smtClean="0"/>
-              <a:t>FALSE</a:t>
+              <a:t>Logical: TRUE, FALSE</a:t>
             </a:r>
           </a:p>
           <a:p>
@@ -5411,14 +5288,14 @@
           <a:effectLst/>
           <a:extLst>
             <a:ext uri="{909E8E84-426E-40dd-AFC4-6F175D3DCCD1}">
-              <a14:hiddenFill xmlns:a14="http://schemas.microsoft.com/office/drawing/2010/main">
+              <a14:hiddenFill xmlns:a14="http://schemas.microsoft.com/office/drawing/2010/main" xmlns="">
                 <a:solidFill>
                   <a:schemeClr val="accent1"/>
                 </a:solidFill>
               </a14:hiddenFill>
             </a:ext>
             <a:ext uri="{91240B29-F687-4f45-9708-019B960494DF}">
-              <a14:hiddenLine xmlns:a14="http://schemas.microsoft.com/office/drawing/2010/main" w="9525">
+              <a14:hiddenLine xmlns:a14="http://schemas.microsoft.com/office/drawing/2010/main" xmlns="" w="9525">
                 <a:solidFill>
                   <a:schemeClr val="tx1"/>
                 </a:solidFill>
@@ -5428,7 +5305,7 @@
               </a14:hiddenLine>
             </a:ext>
             <a:ext uri="{AF507438-7753-43e0-B8FC-AC1667EBCBE1}">
-              <a14:hiddenEffects xmlns:a14="http://schemas.microsoft.com/office/drawing/2010/main">
+              <a14:hiddenEffects xmlns:a14="http://schemas.microsoft.com/office/drawing/2010/main" xmlns="">
                 <a:effectLst>
                   <a:outerShdw dist="35921" dir="2700000" algn="ctr" rotWithShape="0">
                     <a:schemeClr val="bg2"/>
@@ -5485,12 +5362,8 @@
           <a:p>
             <a:pPr algn="ctr"/>
             <a:r>
-              <a:rPr lang="en-US" dirty="0" smtClean="0"/>
-              <a:t>Course website: https</a:t>
-            </a:r>
-            <a:r>
-              <a:rPr lang="en-US" dirty="0"/>
-              <a:t>://</a:t>
+              <a:rPr lang="en-US" dirty="0"/>
+              <a:t>Course website: https://</a:t>
             </a:r>
             <a:r>
               <a:rPr lang="en-US" dirty="0" err="1"/>
@@ -5498,7 +5371,7 @@
             </a:r>
             <a:r>
               <a:rPr lang="en-US" dirty="0"/>
-              <a:t>/smooney27/RWorkshopSER2019</a:t>
+              <a:t>/smooney27/RWorkshopSER2020</a:t>
             </a:r>
           </a:p>
         </p:txBody>
@@ -5513,13 +5386,6 @@
   <p:clrMapOvr>
     <a:masterClrMapping/>
   </p:clrMapOvr>
-  <p:timing>
-    <p:tnLst>
-      <p:par>
-        <p:cTn xmlns:p14="http://schemas.microsoft.com/office/powerpoint/2010/main" id="1" dur="indefinite" restart="never" nodeType="tmRoot"/>
-      </p:par>
-    </p:tnLst>
-  </p:timing>
 </p:sld>
 </file>
 
@@ -5556,10 +5422,9 @@
           <a:lstStyle/>
           <a:p>
             <a:r>
-              <a:rPr lang="en-US" dirty="0" smtClean="0"/>
+              <a:rPr lang="en-US" dirty="0"/>
               <a:t>Some Examples of Matrices</a:t>
             </a:r>
-            <a:endParaRPr lang="en-US" dirty="0"/>
           </a:p>
         </p:txBody>
       </p:sp>
@@ -5589,7 +5454,7 @@
               <a:buNone/>
             </a:pPr>
             <a:r>
-              <a:rPr lang="en-US" dirty="0" smtClean="0"/>
+              <a:rPr lang="en-US" dirty="0"/>
               <a:t>2x6 numeric:</a:t>
             </a:r>
           </a:p>
@@ -5598,7 +5463,7 @@
               <a:buNone/>
             </a:pPr>
             <a:r>
-              <a:rPr lang="en-US" dirty="0" smtClean="0"/>
+              <a:rPr lang="en-US" dirty="0"/>
               <a:t>11 12  13  14  15  16 </a:t>
             </a:r>
           </a:p>
@@ -5607,10 +5472,9 @@
               <a:buNone/>
             </a:pPr>
             <a:r>
-              <a:rPr lang="en-US" dirty="0" smtClean="0"/>
+              <a:rPr lang="en-US" dirty="0"/>
               <a:t>17 18  19  20  21  22 </a:t>
             </a:r>
-            <a:endParaRPr lang="en-US" dirty="0"/>
           </a:p>
         </p:txBody>
       </p:sp>
@@ -5777,7 +5641,7 @@
               <a:buNone/>
             </a:pPr>
             <a:r>
-              <a:rPr lang="en-US" dirty="0" smtClean="0"/>
+              <a:rPr lang="en-US" dirty="0"/>
               <a:t>2x2 character:</a:t>
             </a:r>
           </a:p>
@@ -5786,7 +5650,7 @@
               <a:buNone/>
             </a:pPr>
             <a:r>
-              <a:rPr lang="en-US" dirty="0" smtClean="0"/>
+              <a:rPr lang="en-US" dirty="0"/>
               <a:t>	a b</a:t>
             </a:r>
           </a:p>
@@ -5795,10 +5659,9 @@
               <a:buNone/>
             </a:pPr>
             <a:r>
-              <a:rPr lang="en-US" dirty="0" smtClean="0"/>
+              <a:rPr lang="en-US" dirty="0"/>
               <a:t>	c d</a:t>
             </a:r>
-            <a:endParaRPr lang="en-US" dirty="0"/>
           </a:p>
         </p:txBody>
       </p:sp>
@@ -6141,7 +6004,7 @@
               <a:rPr lang="en-US" smtClean="0"/>
               <a:t>16</a:t>
             </a:fld>
-            <a:endParaRPr lang="en-US"/>
+            <a:endParaRPr lang="en-US" dirty="0"/>
           </a:p>
         </p:txBody>
       </p:sp>
@@ -6168,12 +6031,8 @@
           <a:p>
             <a:pPr algn="ctr"/>
             <a:r>
-              <a:rPr lang="en-US" dirty="0" smtClean="0"/>
-              <a:t>Course website: https</a:t>
-            </a:r>
-            <a:r>
-              <a:rPr lang="en-US" dirty="0"/>
-              <a:t>://</a:t>
+              <a:rPr lang="en-US" dirty="0"/>
+              <a:t>Course website: https://</a:t>
             </a:r>
             <a:r>
               <a:rPr lang="en-US" dirty="0" err="1"/>
@@ -6181,7 +6040,7 @@
             </a:r>
             <a:r>
               <a:rPr lang="en-US" dirty="0"/>
-              <a:t>/smooney27/RWorkshopSER2019</a:t>
+              <a:t>/smooney27/RWorkshopSER2020</a:t>
             </a:r>
           </a:p>
         </p:txBody>
@@ -6196,13 +6055,6 @@
   <p:clrMapOvr>
     <a:masterClrMapping/>
   </p:clrMapOvr>
-  <p:timing>
-    <p:tnLst>
-      <p:par>
-        <p:cTn xmlns:p14="http://schemas.microsoft.com/office/powerpoint/2010/main" id="1" dur="indefinite" restart="never" nodeType="tmRoot"/>
-      </p:par>
-    </p:tnLst>
-  </p:timing>
 </p:sld>
 </file>
 
@@ -6239,10 +6091,9 @@
           <a:lstStyle/>
           <a:p>
             <a:r>
-              <a:rPr lang="en-US" dirty="0" smtClean="0"/>
+              <a:rPr lang="en-US" dirty="0"/>
               <a:t>Creating matrices</a:t>
             </a:r>
-            <a:endParaRPr lang="en-US" dirty="0"/>
           </a:p>
         </p:txBody>
       </p:sp>
@@ -6265,30 +6116,18 @@
           <a:p>
             <a:r>
               <a:rPr lang="en-US" dirty="0"/>
-              <a:t>Function for creating matrices: matrix</a:t>
-            </a:r>
-            <a:r>
-              <a:rPr lang="en-US" dirty="0" smtClean="0"/>
-              <a:t>()</a:t>
+              <a:t>Function for creating matrices: matrix()</a:t>
             </a:r>
           </a:p>
           <a:p>
             <a:pPr lvl="1"/>
             <a:r>
-              <a:rPr lang="en-US" dirty="0" err="1" smtClean="0"/>
+              <a:rPr lang="en-US" dirty="0" err="1"/>
               <a:t>mymatrix</a:t>
             </a:r>
             <a:r>
-              <a:rPr lang="en-US" dirty="0" smtClean="0"/>
-              <a:t> </a:t>
-            </a:r>
-            <a:r>
-              <a:rPr lang="en-US" dirty="0"/>
-              <a:t>&lt;- </a:t>
-            </a:r>
-            <a:r>
-              <a:rPr lang="en-US" dirty="0" smtClean="0"/>
-              <a:t>matrix(c("a", "b", "c", "d"), </a:t>
+              <a:rPr lang="en-US" dirty="0"/>
+              <a:t> &lt;- matrix(c("a", "b", "c", "d"), </a:t>
             </a:r>
             <a:r>
               <a:rPr lang="en-US" dirty="0" err="1"/>
@@ -6300,25 +6139,25 @@
             </a:r>
           </a:p>
           <a:p>
-            <a:endParaRPr lang="en-US" dirty="0" smtClean="0"/>
-          </a:p>
-          <a:p>
-            <a:r>
-              <a:rPr lang="en-US" dirty="0" smtClean="0"/>
+            <a:endParaRPr lang="en-US" dirty="0"/>
+          </a:p>
+          <a:p>
+            <a:r>
+              <a:rPr lang="en-US" dirty="0"/>
               <a:t>First parameter to matrix() is a vector!</a:t>
             </a:r>
           </a:p>
           <a:p>
             <a:pPr lvl="1"/>
             <a:r>
-              <a:rPr lang="en-US" dirty="0" smtClean="0"/>
+              <a:rPr lang="en-US" dirty="0"/>
               <a:t>x &lt;- c(1, 2, 3, 4)</a:t>
             </a:r>
           </a:p>
           <a:p>
             <a:pPr lvl="1"/>
             <a:r>
-              <a:rPr lang="en-US" dirty="0" smtClean="0"/>
+              <a:rPr lang="en-US" dirty="0"/>
               <a:t>matrix(x, </a:t>
             </a:r>
             <a:r>
@@ -6327,11 +6166,7 @@
             </a:r>
             <a:r>
               <a:rPr lang="en-US" dirty="0"/>
-              <a:t>=2</a:t>
-            </a:r>
-            <a:r>
-              <a:rPr lang="en-US" dirty="0" smtClean="0"/>
-              <a:t>)</a:t>
+              <a:t>=2)</a:t>
             </a:r>
           </a:p>
           <a:p>
@@ -6340,33 +6175,32 @@
           </a:p>
           <a:p>
             <a:r>
-              <a:rPr lang="en-US" dirty="0" smtClean="0"/>
+              <a:rPr lang="en-US" dirty="0"/>
               <a:t>In real life, often use table()</a:t>
             </a:r>
           </a:p>
           <a:p>
             <a:pPr lvl="1"/>
             <a:r>
-              <a:rPr lang="en-US" dirty="0" smtClean="0"/>
+              <a:rPr lang="en-US" dirty="0"/>
               <a:t>table(</a:t>
             </a:r>
             <a:r>
-              <a:rPr lang="en-US" dirty="0" err="1" smtClean="0"/>
+              <a:rPr lang="en-US" dirty="0" err="1"/>
               <a:t>dig$TRTMT</a:t>
             </a:r>
             <a:r>
-              <a:rPr lang="en-US" dirty="0" smtClean="0"/>
+              <a:rPr lang="en-US" dirty="0"/>
               <a:t>, </a:t>
             </a:r>
             <a:r>
-              <a:rPr lang="en-US" dirty="0" err="1" smtClean="0"/>
+              <a:rPr lang="en-US" dirty="0" err="1"/>
               <a:t>dig$DEATH</a:t>
             </a:r>
             <a:r>
-              <a:rPr lang="en-US" dirty="0" smtClean="0"/>
+              <a:rPr lang="en-US" dirty="0"/>
               <a:t>)</a:t>
             </a:r>
-            <a:endParaRPr lang="en-US" dirty="0"/>
           </a:p>
         </p:txBody>
       </p:sp>
@@ -6416,12 +6250,8 @@
           <a:p>
             <a:pPr algn="ctr"/>
             <a:r>
-              <a:rPr lang="en-US" dirty="0" smtClean="0"/>
-              <a:t>Course website: https</a:t>
-            </a:r>
-            <a:r>
-              <a:rPr lang="en-US" dirty="0"/>
-              <a:t>://</a:t>
+              <a:rPr lang="en-US" dirty="0"/>
+              <a:t>Course website: https://</a:t>
             </a:r>
             <a:r>
               <a:rPr lang="en-US" dirty="0" err="1"/>
@@ -6429,7 +6259,7 @@
             </a:r>
             <a:r>
               <a:rPr lang="en-US" dirty="0"/>
-              <a:t>/smooney27/RWorkshopSER2019</a:t>
+              <a:t>/smooney27/RWorkshopSER2020</a:t>
             </a:r>
           </a:p>
         </p:txBody>
@@ -6444,13 +6274,6 @@
   <p:clrMapOvr>
     <a:masterClrMapping/>
   </p:clrMapOvr>
-  <p:timing>
-    <p:tnLst>
-      <p:par>
-        <p:cTn xmlns:p14="http://schemas.microsoft.com/office/powerpoint/2010/main" id="1" dur="indefinite" restart="never" nodeType="tmRoot"/>
-      </p:par>
-    </p:tnLst>
-  </p:timing>
 </p:sld>
 </file>
 
@@ -6509,78 +6332,77 @@
           <a:lstStyle/>
           <a:p>
             <a:r>
-              <a:rPr lang="en-US" dirty="0" smtClean="0"/>
+              <a:rPr lang="en-US" dirty="0"/>
               <a:t>Can also use </a:t>
             </a:r>
             <a:r>
-              <a:rPr lang="en-US" dirty="0" err="1" smtClean="0"/>
+              <a:rPr lang="en-US" dirty="0" err="1"/>
               <a:t>cbind</a:t>
             </a:r>
             <a:r>
-              <a:rPr lang="en-US" dirty="0" smtClean="0"/>
+              <a:rPr lang="en-US" dirty="0"/>
               <a:t> and </a:t>
             </a:r>
             <a:r>
-              <a:rPr lang="en-US" dirty="0" err="1" smtClean="0"/>
+              <a:rPr lang="en-US" dirty="0" err="1"/>
               <a:t>rbind</a:t>
             </a:r>
             <a:r>
-              <a:rPr lang="en-US" dirty="0" smtClean="0"/>
+              <a:rPr lang="en-US" dirty="0"/>
               <a:t> to create matrices by 'binding' vectors together:</a:t>
             </a:r>
           </a:p>
           <a:p>
             <a:pPr lvl="1"/>
             <a:r>
-              <a:rPr lang="en-US" dirty="0" smtClean="0"/>
+              <a:rPr lang="en-US" dirty="0"/>
               <a:t>x &lt;- c(1,2,3)</a:t>
             </a:r>
           </a:p>
           <a:p>
             <a:pPr lvl="1"/>
             <a:r>
-              <a:rPr lang="en-US" dirty="0" smtClean="0"/>
+              <a:rPr lang="en-US" dirty="0"/>
               <a:t>y &lt;- c(4,5,6)</a:t>
             </a:r>
           </a:p>
           <a:p>
             <a:pPr lvl="1"/>
             <a:r>
-              <a:rPr lang="en-US" dirty="0" err="1" smtClean="0"/>
+              <a:rPr lang="en-US" dirty="0" err="1"/>
               <a:t>cbind</a:t>
             </a:r>
             <a:r>
-              <a:rPr lang="en-US" dirty="0" smtClean="0"/>
+              <a:rPr lang="en-US" dirty="0"/>
               <a:t>(</a:t>
             </a:r>
             <a:r>
-              <a:rPr lang="en-US" dirty="0" err="1" smtClean="0"/>
+              <a:rPr lang="en-US" dirty="0" err="1"/>
               <a:t>x,y</a:t>
             </a:r>
             <a:r>
-              <a:rPr lang="en-US" dirty="0" smtClean="0"/>
+              <a:rPr lang="en-US" dirty="0"/>
               <a:t>)</a:t>
             </a:r>
           </a:p>
           <a:p>
             <a:pPr lvl="1"/>
             <a:r>
-              <a:rPr lang="en-US" dirty="0" err="1" smtClean="0"/>
+              <a:rPr lang="en-US" dirty="0" err="1"/>
               <a:t>rbind</a:t>
             </a:r>
             <a:r>
-              <a:rPr lang="en-US" dirty="0" smtClean="0"/>
+              <a:rPr lang="en-US" dirty="0"/>
               <a:t>(</a:t>
             </a:r>
             <a:r>
-              <a:rPr lang="en-US" dirty="0" err="1" smtClean="0"/>
+              <a:rPr lang="en-US" dirty="0" err="1"/>
               <a:t>x,y</a:t>
             </a:r>
             <a:r>
-              <a:rPr lang="en-US" dirty="0" smtClean="0"/>
+              <a:rPr lang="en-US" dirty="0"/>
               <a:t>) </a:t>
             </a:r>
-            <a:endParaRPr lang="en-US" dirty="0"/>
           </a:p>
         </p:txBody>
       </p:sp>
@@ -6630,12 +6452,8 @@
           <a:p>
             <a:pPr algn="ctr"/>
             <a:r>
-              <a:rPr lang="en-US" dirty="0" smtClean="0"/>
-              <a:t>Course website: https</a:t>
-            </a:r>
-            <a:r>
-              <a:rPr lang="en-US" dirty="0"/>
-              <a:t>://</a:t>
+              <a:rPr lang="en-US" dirty="0"/>
+              <a:t>Course website: https://</a:t>
             </a:r>
             <a:r>
               <a:rPr lang="en-US" dirty="0" err="1"/>
@@ -6643,7 +6461,7 @@
             </a:r>
             <a:r>
               <a:rPr lang="en-US" dirty="0"/>
-              <a:t>/smooney27/RWorkshopSER2019</a:t>
+              <a:t>/smooney27/RWorkshopSER2020</a:t>
             </a:r>
           </a:p>
         </p:txBody>
@@ -6694,10 +6512,9 @@
           <a:lstStyle/>
           <a:p>
             <a:r>
-              <a:rPr lang="en-US" dirty="0" smtClean="0"/>
+              <a:rPr lang="en-US" dirty="0"/>
               <a:t>Indexing Matrices</a:t>
             </a:r>
-            <a:endParaRPr lang="en-US" dirty="0"/>
           </a:p>
         </p:txBody>
       </p:sp>
@@ -6719,7 +6536,7 @@
           <a:lstStyle/>
           <a:p>
             <a:r>
-              <a:rPr lang="en-US" dirty="0" smtClean="0"/>
+              <a:rPr lang="en-US" dirty="0"/>
               <a:t>Get values back out of matrices using square brackets [] and row and column separated by a comma</a:t>
             </a:r>
           </a:p>
@@ -6731,60 +6548,44 @@
               <a:buNone/>
             </a:pPr>
             <a:r>
-              <a:rPr lang="en-US" sz="2800" dirty="0" err="1" smtClean="0">
+              <a:rPr lang="en-US" sz="2800" dirty="0" err="1">
                 <a:latin typeface="Courier New" pitchFamily="49" charset="0"/>
                 <a:cs typeface="Courier New" pitchFamily="49" charset="0"/>
               </a:rPr>
               <a:t>mtx</a:t>
             </a:r>
             <a:r>
-              <a:rPr lang="en-US" sz="2800" dirty="0" smtClean="0">
-                <a:latin typeface="Courier New" pitchFamily="49" charset="0"/>
-                <a:cs typeface="Courier New" pitchFamily="49" charset="0"/>
-              </a:rPr>
-              <a:t> </a:t>
-            </a:r>
-            <a:r>
               <a:rPr lang="en-US" sz="2800" dirty="0">
                 <a:latin typeface="Courier New" pitchFamily="49" charset="0"/>
                 <a:cs typeface="Courier New" pitchFamily="49" charset="0"/>
               </a:rPr>
-              <a:t>&lt;- </a:t>
-            </a:r>
-            <a:r>
-              <a:rPr lang="en-US" sz="2800" dirty="0" smtClean="0">
+              <a:t> &lt;- matrix(c(1, 3, 5, 7), </a:t>
+            </a:r>
+            <a:r>
+              <a:rPr lang="en-US" sz="2800" dirty="0" err="1">
                 <a:latin typeface="Courier New" pitchFamily="49" charset="0"/>
                 <a:cs typeface="Courier New" pitchFamily="49" charset="0"/>
               </a:rPr>
-              <a:t>matrix(c(1</a:t>
+              <a:t>nrow</a:t>
             </a:r>
             <a:r>
               <a:rPr lang="en-US" sz="2800" dirty="0">
                 <a:latin typeface="Courier New" pitchFamily="49" charset="0"/>
                 <a:cs typeface="Courier New" pitchFamily="49" charset="0"/>
               </a:rPr>
-              <a:t>, 3, </a:t>
-            </a:r>
-            <a:r>
-              <a:rPr lang="en-US" sz="2800" dirty="0" smtClean="0">
+              <a:t>=2)</a:t>
+            </a:r>
+          </a:p>
+          <a:p>
+            <a:pPr marL="0" indent="0">
+              <a:buNone/>
+            </a:pPr>
+            <a:r>
+              <a:rPr lang="en-US" sz="2800" dirty="0" err="1">
                 <a:latin typeface="Courier New" pitchFamily="49" charset="0"/>
                 <a:cs typeface="Courier New" pitchFamily="49" charset="0"/>
               </a:rPr>
-              <a:t>5, 7), </a:t>
-            </a:r>
-            <a:r>
-              <a:rPr lang="en-US" sz="2800" dirty="0" err="1" smtClean="0">
-                <a:latin typeface="Courier New" pitchFamily="49" charset="0"/>
-                <a:cs typeface="Courier New" pitchFamily="49" charset="0"/>
-              </a:rPr>
-              <a:t>nrow</a:t>
-            </a:r>
-            <a:r>
-              <a:rPr lang="en-US" sz="2800" dirty="0" smtClean="0">
-                <a:latin typeface="Courier New" pitchFamily="49" charset="0"/>
-                <a:cs typeface="Courier New" pitchFamily="49" charset="0"/>
-              </a:rPr>
-              <a:t>=2)</a:t>
+              <a:t>mtx</a:t>
             </a:r>
             <a:endParaRPr lang="en-US" sz="2800" dirty="0">
               <a:latin typeface="Courier New" pitchFamily="49" charset="0"/>
@@ -6796,79 +6597,38 @@
               <a:buNone/>
             </a:pPr>
             <a:r>
-              <a:rPr lang="en-US" sz="2800" dirty="0" err="1" smtClean="0">
+              <a:rPr lang="en-US" sz="2800" dirty="0" err="1">
                 <a:latin typeface="Courier New" pitchFamily="49" charset="0"/>
                 <a:cs typeface="Courier New" pitchFamily="49" charset="0"/>
               </a:rPr>
               <a:t>mtx</a:t>
             </a:r>
-            <a:endParaRPr lang="en-US" sz="2800" dirty="0">
-              <a:latin typeface="Courier New" pitchFamily="49" charset="0"/>
-              <a:cs typeface="Courier New" pitchFamily="49" charset="0"/>
-            </a:endParaRPr>
+            <a:r>
+              <a:rPr lang="en-US" sz="2800" dirty="0">
+                <a:latin typeface="Courier New" pitchFamily="49" charset="0"/>
+                <a:cs typeface="Courier New" pitchFamily="49" charset="0"/>
+              </a:rPr>
+              <a:t>[1,1] # 1</a:t>
+            </a:r>
           </a:p>
           <a:p>
             <a:pPr marL="0" indent="0">
               <a:buNone/>
             </a:pPr>
             <a:r>
-              <a:rPr lang="en-US" sz="2800" dirty="0" err="1" smtClean="0">
+              <a:rPr lang="en-US" sz="2800" dirty="0" err="1">
                 <a:latin typeface="Courier New" pitchFamily="49" charset="0"/>
                 <a:cs typeface="Courier New" pitchFamily="49" charset="0"/>
               </a:rPr>
               <a:t>mtx</a:t>
             </a:r>
             <a:r>
-              <a:rPr lang="en-US" sz="2800" dirty="0" smtClean="0">
-                <a:latin typeface="Courier New" pitchFamily="49" charset="0"/>
-                <a:cs typeface="Courier New" pitchFamily="49" charset="0"/>
-              </a:rPr>
-              <a:t>[1,1] </a:t>
-            </a:r>
-            <a:r>
               <a:rPr lang="en-US" sz="2800" dirty="0">
                 <a:latin typeface="Courier New" pitchFamily="49" charset="0"/>
                 <a:cs typeface="Courier New" pitchFamily="49" charset="0"/>
               </a:rPr>
-              <a:t># 1</a:t>
-            </a:r>
-          </a:p>
-          <a:p>
-            <a:pPr marL="0" indent="0">
-              <a:buNone/>
-            </a:pPr>
-            <a:r>
-              <a:rPr lang="en-US" sz="2800" dirty="0" err="1" smtClean="0">
-                <a:latin typeface="Courier New" pitchFamily="49" charset="0"/>
-                <a:cs typeface="Courier New" pitchFamily="49" charset="0"/>
-              </a:rPr>
-              <a:t>mtx</a:t>
-            </a:r>
-            <a:r>
-              <a:rPr lang="en-US" sz="2800" dirty="0" smtClean="0">
-                <a:latin typeface="Courier New" pitchFamily="49" charset="0"/>
-                <a:cs typeface="Courier New" pitchFamily="49" charset="0"/>
-              </a:rPr>
-              <a:t>[2,2] </a:t>
-            </a:r>
-            <a:r>
-              <a:rPr lang="en-US" sz="2800" dirty="0">
-                <a:latin typeface="Courier New" pitchFamily="49" charset="0"/>
-                <a:cs typeface="Courier New" pitchFamily="49" charset="0"/>
-              </a:rPr>
-              <a:t># </a:t>
-            </a:r>
-            <a:r>
-              <a:rPr lang="en-US" sz="2800" dirty="0" smtClean="0">
-                <a:latin typeface="Courier New" pitchFamily="49" charset="0"/>
-                <a:cs typeface="Courier New" pitchFamily="49" charset="0"/>
-              </a:rPr>
-              <a:t>7</a:t>
-            </a:r>
-            <a:endParaRPr lang="en-US" sz="2800" dirty="0">
-              <a:latin typeface="Courier New" pitchFamily="49" charset="0"/>
-              <a:cs typeface="Courier New" pitchFamily="49" charset="0"/>
-            </a:endParaRPr>
+              <a:t>[2,2] # 7</a:t>
+            </a:r>
           </a:p>
           <a:p>
             <a:endParaRPr lang="en-US" sz="2400" dirty="0">
@@ -6924,12 +6684,8 @@
           <a:p>
             <a:pPr algn="ctr"/>
             <a:r>
-              <a:rPr lang="en-US" dirty="0" smtClean="0"/>
-              <a:t>Course website: https</a:t>
-            </a:r>
-            <a:r>
-              <a:rPr lang="en-US" dirty="0"/>
-              <a:t>://</a:t>
+              <a:rPr lang="en-US" dirty="0"/>
+              <a:t>Course website: https://</a:t>
             </a:r>
             <a:r>
               <a:rPr lang="en-US" dirty="0" err="1"/>
@@ -6937,7 +6693,7 @@
             </a:r>
             <a:r>
               <a:rPr lang="en-US" dirty="0"/>
-              <a:t>/smooney27/RWorkshopSER2019</a:t>
+              <a:t>/smooney27/RWorkshopSER2020</a:t>
             </a:r>
           </a:p>
         </p:txBody>
@@ -6952,13 +6708,6 @@
   <p:clrMapOvr>
     <a:masterClrMapping/>
   </p:clrMapOvr>
-  <p:timing>
-    <p:tnLst>
-      <p:par>
-        <p:cTn xmlns:p14="http://schemas.microsoft.com/office/powerpoint/2010/main" id="1" dur="indefinite" restart="never" nodeType="tmRoot"/>
-      </p:par>
-    </p:tnLst>
-  </p:timing>
 </p:sld>
 </file>
 
@@ -6995,10 +6744,9 @@
           <a:lstStyle/>
           <a:p>
             <a:r>
-              <a:rPr lang="en-US" dirty="0" smtClean="0"/>
+              <a:rPr lang="en-US" dirty="0"/>
               <a:t>Why NOT learn R</a:t>
             </a:r>
-            <a:endParaRPr lang="en-US" dirty="0"/>
           </a:p>
         </p:txBody>
       </p:sp>
@@ -7020,25 +6768,25 @@
           <a:lstStyle/>
           <a:p>
             <a:r>
-              <a:rPr lang="en-US" dirty="0" smtClean="0"/>
+              <a:rPr lang="en-US" dirty="0"/>
               <a:t>Initial learning curve is steep</a:t>
             </a:r>
           </a:p>
           <a:p>
-            <a:endParaRPr lang="en-US" dirty="0" smtClean="0"/>
-          </a:p>
-          <a:p>
-            <a:r>
-              <a:rPr lang="en-US" dirty="0" smtClean="0"/>
+            <a:endParaRPr lang="en-US" dirty="0"/>
+          </a:p>
+          <a:p>
+            <a:r>
+              <a:rPr lang="en-US" dirty="0"/>
               <a:t>R comes with no warranty (if it runs, it can be on CRAN)</a:t>
             </a:r>
           </a:p>
           <a:p>
-            <a:endParaRPr lang="en-US" dirty="0" smtClean="0"/>
-          </a:p>
-          <a:p>
-            <a:r>
-              <a:rPr lang="en-US" dirty="0" smtClean="0"/>
+            <a:endParaRPr lang="en-US" dirty="0"/>
+          </a:p>
+          <a:p>
+            <a:r>
+              <a:rPr lang="en-US" dirty="0"/>
               <a:t>Error messages can be hard to figure out (particularly before you have intuition for what it’s doing)</a:t>
             </a:r>
           </a:p>
@@ -7090,12 +6838,8 @@
           <a:p>
             <a:pPr algn="ctr"/>
             <a:r>
-              <a:rPr lang="en-US" dirty="0" smtClean="0"/>
-              <a:t>Course website: https</a:t>
-            </a:r>
-            <a:r>
-              <a:rPr lang="en-US" dirty="0"/>
-              <a:t>://</a:t>
+              <a:rPr lang="en-US" dirty="0"/>
+              <a:t>Course website: https://</a:t>
             </a:r>
             <a:r>
               <a:rPr lang="en-US" dirty="0" err="1"/>
@@ -7103,7 +6847,7 @@
             </a:r>
             <a:r>
               <a:rPr lang="en-US" dirty="0"/>
-              <a:t>/smooney27/RWorkshopSER2019</a:t>
+              <a:t>/smooney27/RWorkshopSER2020</a:t>
             </a:r>
           </a:p>
         </p:txBody>
@@ -7118,13 +6862,6 @@
   <p:clrMapOvr>
     <a:masterClrMapping/>
   </p:clrMapOvr>
-  <p:timing>
-    <p:tnLst>
-      <p:par>
-        <p:cTn xmlns:p14="http://schemas.microsoft.com/office/powerpoint/2010/main" id="1" dur="indefinite" restart="never" nodeType="tmRoot"/>
-      </p:par>
-    </p:tnLst>
-  </p:timing>
 </p:sld>
 </file>
 
@@ -7161,10 +6898,9 @@
           <a:lstStyle/>
           <a:p>
             <a:r>
-              <a:rPr lang="en-US" dirty="0" smtClean="0"/>
+              <a:rPr lang="en-US" dirty="0"/>
               <a:t>More building blocks</a:t>
             </a:r>
-            <a:endParaRPr lang="en-US" dirty="0"/>
           </a:p>
         </p:txBody>
       </p:sp>
@@ -7191,30 +6927,21 @@
           <a:lstStyle/>
           <a:p>
             <a:r>
-              <a:rPr lang="en-US" dirty="0" smtClean="0"/>
+              <a:rPr lang="en-US" dirty="0"/>
               <a:t>Array: A 3- (or more-) dimensional collection of like elements</a:t>
             </a:r>
           </a:p>
           <a:p>
             <a:pPr lvl="1"/>
-            <a:endParaRPr lang="en-US" dirty="0" smtClean="0"/>
-          </a:p>
-          <a:p>
-            <a:r>
-              <a:rPr lang="en-US" dirty="0" smtClean="0"/>
-              <a:t>Same </a:t>
-            </a:r>
-            <a:r>
-              <a:rPr lang="en-US" dirty="0"/>
-              <a:t>types of </a:t>
-            </a:r>
-            <a:r>
-              <a:rPr lang="en-US" dirty="0" smtClean="0"/>
-              <a:t>like elements as vectors and matrices:</a:t>
-            </a:r>
             <a:endParaRPr lang="en-US" dirty="0"/>
           </a:p>
           <a:p>
+            <a:r>
+              <a:rPr lang="en-US" dirty="0"/>
+              <a:t>Same types of like elements as vectors and matrices:</a:t>
+            </a:r>
+          </a:p>
+          <a:p>
             <a:pPr lvl="1"/>
             <a:r>
               <a:rPr lang="en-US" dirty="0"/>
@@ -7225,42 +6952,22 @@
             <a:pPr lvl="1"/>
             <a:r>
               <a:rPr lang="en-US" dirty="0"/>
-              <a:t>Character: </a:t>
-            </a:r>
-            <a:r>
-              <a:rPr lang="en-US" dirty="0" smtClean="0"/>
-              <a:t>"</a:t>
-            </a:r>
-            <a:r>
-              <a:rPr lang="en-US" dirty="0" err="1" smtClean="0"/>
+              <a:t>Character: "</a:t>
+            </a:r>
+            <a:r>
+              <a:rPr lang="en-US" dirty="0" err="1"/>
               <a:t>abcd</a:t>
             </a:r>
             <a:r>
-              <a:rPr lang="en-US" dirty="0" smtClean="0"/>
-              <a:t>", </a:t>
-            </a:r>
-            <a:r>
-              <a:rPr lang="en-US" dirty="0"/>
-              <a:t>"SER2018</a:t>
-            </a:r>
-            <a:r>
-              <a:rPr lang="en-US" dirty="0" smtClean="0"/>
-              <a:t>", </a:t>
-            </a:r>
-            <a:r>
-              <a:rPr lang="en-US" dirty="0"/>
-              <a:t>etc.</a:t>
+              <a:rPr lang="en-US" dirty="0"/>
+              <a:t>", "SER2018", etc.</a:t>
             </a:r>
           </a:p>
           <a:p>
             <a:pPr lvl="1"/>
             <a:r>
               <a:rPr lang="en-US" dirty="0"/>
-              <a:t>Logical: TRUE, </a:t>
-            </a:r>
-            <a:r>
-              <a:rPr lang="en-US" dirty="0" smtClean="0"/>
-              <a:t>FALSE</a:t>
+              <a:t>Logical: TRUE, FALSE</a:t>
             </a:r>
           </a:p>
           <a:p>
@@ -7305,14 +7012,14 @@
           <a:effectLst/>
           <a:extLst>
             <a:ext uri="{909E8E84-426E-40dd-AFC4-6F175D3DCCD1}">
-              <a14:hiddenFill xmlns:a14="http://schemas.microsoft.com/office/drawing/2010/main">
+              <a14:hiddenFill xmlns:a14="http://schemas.microsoft.com/office/drawing/2010/main" xmlns="">
                 <a:solidFill>
                   <a:schemeClr val="accent1"/>
                 </a:solidFill>
               </a14:hiddenFill>
             </a:ext>
             <a:ext uri="{91240B29-F687-4f45-9708-019B960494DF}">
-              <a14:hiddenLine xmlns:a14="http://schemas.microsoft.com/office/drawing/2010/main" w="9525">
+              <a14:hiddenLine xmlns:a14="http://schemas.microsoft.com/office/drawing/2010/main" xmlns="" w="9525">
                 <a:solidFill>
                   <a:schemeClr val="tx1"/>
                 </a:solidFill>
@@ -7322,7 +7029,7 @@
               </a14:hiddenLine>
             </a:ext>
             <a:ext uri="{AF507438-7753-43e0-B8FC-AC1667EBCBE1}">
-              <a14:hiddenEffects xmlns:a14="http://schemas.microsoft.com/office/drawing/2010/main">
+              <a14:hiddenEffects xmlns:a14="http://schemas.microsoft.com/office/drawing/2010/main" xmlns="">
                 <a:effectLst>
                   <a:outerShdw dist="35921" dir="2700000" algn="ctr" rotWithShape="0">
                     <a:schemeClr val="bg2"/>
@@ -7379,12 +7086,8 @@
           <a:p>
             <a:pPr algn="ctr"/>
             <a:r>
-              <a:rPr lang="en-US" dirty="0" smtClean="0"/>
-              <a:t>Course website: https</a:t>
-            </a:r>
-            <a:r>
-              <a:rPr lang="en-US" dirty="0"/>
-              <a:t>://</a:t>
+              <a:rPr lang="en-US" dirty="0"/>
+              <a:t>Course website: https://</a:t>
             </a:r>
             <a:r>
               <a:rPr lang="en-US" dirty="0" err="1"/>
@@ -7392,7 +7095,7 @@
             </a:r>
             <a:r>
               <a:rPr lang="en-US" dirty="0"/>
-              <a:t>/smooney27/RWorkshopSER2019</a:t>
+              <a:t>/smooney27/RWorkshopSER2020</a:t>
             </a:r>
           </a:p>
         </p:txBody>
@@ -7407,13 +7110,6 @@
   <p:clrMapOvr>
     <a:masterClrMapping/>
   </p:clrMapOvr>
-  <p:timing>
-    <p:tnLst>
-      <p:par>
-        <p:cTn xmlns:p14="http://schemas.microsoft.com/office/powerpoint/2010/main" id="1" dur="indefinite" restart="never" nodeType="tmRoot"/>
-      </p:par>
-    </p:tnLst>
-  </p:timing>
 </p:sld>
 </file>
 
@@ -7450,10 +7146,9 @@
           <a:lstStyle/>
           <a:p>
             <a:r>
-              <a:rPr lang="en-US" dirty="0" smtClean="0"/>
+              <a:rPr lang="en-US" dirty="0"/>
               <a:t>One Example of an Array</a:t>
             </a:r>
-            <a:endParaRPr lang="en-US" dirty="0"/>
           </a:p>
         </p:txBody>
       </p:sp>
@@ -7488,7 +7183,7 @@
               <a:buNone/>
             </a:pPr>
             <a:r>
-              <a:rPr lang="en-US" dirty="0" smtClean="0"/>
+              <a:rPr lang="en-US" dirty="0"/>
               <a:t>1   2   3 </a:t>
             </a:r>
           </a:p>
@@ -7497,7 +7192,7 @@
               <a:buNone/>
             </a:pPr>
             <a:r>
-              <a:rPr lang="en-US" dirty="0" smtClean="0"/>
+              <a:rPr lang="en-US" dirty="0"/>
               <a:t>4   5   6 </a:t>
             </a:r>
           </a:p>
@@ -7512,7 +7207,7 @@
               <a:buNone/>
             </a:pPr>
             <a:r>
-              <a:rPr lang="en-US" dirty="0" smtClean="0"/>
+              <a:rPr lang="en-US" dirty="0"/>
               <a:t>7   8    9 </a:t>
             </a:r>
           </a:p>
@@ -7521,10 +7216,9 @@
               <a:buNone/>
             </a:pPr>
             <a:r>
-              <a:rPr lang="en-US" dirty="0" smtClean="0"/>
+              <a:rPr lang="en-US" dirty="0"/>
               <a:t>10 11 12 </a:t>
             </a:r>
-            <a:endParaRPr lang="en-US" dirty="0"/>
           </a:p>
         </p:txBody>
       </p:sp>
@@ -7551,23 +7245,22 @@
           <a:lstStyle/>
           <a:p>
             <a:r>
-              <a:rPr lang="en-US" dirty="0" smtClean="0"/>
+              <a:rPr lang="en-US" dirty="0"/>
               <a:t>Function for creating arrays: array()</a:t>
             </a:r>
           </a:p>
           <a:p>
-            <a:endParaRPr lang="en-US" dirty="0" smtClean="0"/>
-          </a:p>
-          <a:p>
-            <a:r>
-              <a:rPr lang="en-US" dirty="0" err="1" smtClean="0"/>
+            <a:endParaRPr lang="en-US" dirty="0"/>
+          </a:p>
+          <a:p>
+            <a:r>
+              <a:rPr lang="en-US" dirty="0" err="1"/>
               <a:t>myarray</a:t>
             </a:r>
             <a:r>
-              <a:rPr lang="en-US" dirty="0" smtClean="0"/>
+              <a:rPr lang="en-US" dirty="0"/>
               <a:t> &lt;- array(1:12 dim=c(2, 3, 2))</a:t>
             </a:r>
-            <a:endParaRPr lang="en-US" dirty="0"/>
           </a:p>
         </p:txBody>
       </p:sp>
@@ -7735,10 +7428,9 @@
               <a:buNone/>
             </a:pPr>
             <a:r>
-              <a:rPr lang="en-US" sz="2000" dirty="0" smtClean="0"/>
+              <a:rPr lang="en-US" sz="2000" dirty="0"/>
               <a:t>Think stratified analysis</a:t>
             </a:r>
-            <a:endParaRPr lang="en-US" sz="2000" dirty="0"/>
           </a:p>
         </p:txBody>
       </p:sp>
@@ -7831,10 +7523,9 @@
           <a:lstStyle/>
           <a:p>
             <a:r>
-              <a:rPr lang="en-US" dirty="0" smtClean="0"/>
+              <a:rPr lang="en-US" dirty="0"/>
               <a:t>Stratum 1</a:t>
             </a:r>
-            <a:endParaRPr lang="en-US" dirty="0"/>
           </a:p>
         </p:txBody>
       </p:sp>
@@ -7861,10 +7552,9 @@
           <a:lstStyle/>
           <a:p>
             <a:r>
-              <a:rPr lang="en-US" dirty="0" smtClean="0"/>
+              <a:rPr lang="en-US" dirty="0"/>
               <a:t>Stratum 2</a:t>
             </a:r>
-            <a:endParaRPr lang="en-US" dirty="0"/>
           </a:p>
         </p:txBody>
       </p:sp>
@@ -7891,10 +7581,9 @@
           <a:lstStyle/>
           <a:p>
             <a:r>
-              <a:rPr lang="en-US" dirty="0" smtClean="0"/>
+              <a:rPr lang="en-US" dirty="0"/>
               <a:t>Array</a:t>
             </a:r>
-            <a:endParaRPr lang="en-US" dirty="0"/>
           </a:p>
         </p:txBody>
       </p:sp>
@@ -8384,12 +8073,8 @@
           <a:p>
             <a:pPr algn="ctr"/>
             <a:r>
-              <a:rPr lang="en-US" dirty="0" smtClean="0"/>
-              <a:t>Course website: https</a:t>
-            </a:r>
-            <a:r>
-              <a:rPr lang="en-US" dirty="0"/>
-              <a:t>://</a:t>
+              <a:rPr lang="en-US" dirty="0"/>
+              <a:t>Course website: https://</a:t>
             </a:r>
             <a:r>
               <a:rPr lang="en-US" dirty="0" err="1"/>
@@ -8397,7 +8082,7 @@
             </a:r>
             <a:r>
               <a:rPr lang="en-US" dirty="0"/>
-              <a:t>/smooney27/RWorkshopSER2019</a:t>
+              <a:t>/smooney27/RWorkshopSER2020</a:t>
             </a:r>
           </a:p>
         </p:txBody>
@@ -8412,13 +8097,6 @@
   <p:clrMapOvr>
     <a:masterClrMapping/>
   </p:clrMapOvr>
-  <p:timing>
-    <p:tnLst>
-      <p:par>
-        <p:cTn xmlns:p14="http://schemas.microsoft.com/office/powerpoint/2010/main" id="1" dur="indefinite" restart="never" nodeType="tmRoot"/>
-      </p:par>
-    </p:tnLst>
-  </p:timing>
 </p:sld>
 </file>
 
@@ -8455,10 +8133,9 @@
           <a:lstStyle/>
           <a:p>
             <a:r>
-              <a:rPr lang="en-US" dirty="0" smtClean="0"/>
+              <a:rPr lang="en-US" dirty="0"/>
               <a:t>Creating arrays</a:t>
             </a:r>
-            <a:endParaRPr lang="en-US" dirty="0"/>
           </a:p>
         </p:txBody>
       </p:sp>
@@ -8485,14 +8162,14 @@
           <a:lstStyle/>
           <a:p>
             <a:r>
-              <a:rPr lang="en-US" dirty="0" smtClean="0"/>
+              <a:rPr lang="en-US" dirty="0"/>
               <a:t>Dim specifies dimensions</a:t>
             </a:r>
           </a:p>
           <a:p>
             <a:pPr lvl="1"/>
             <a:r>
-              <a:rPr lang="en-US" dirty="0" smtClean="0"/>
+              <a:rPr lang="en-US" dirty="0"/>
               <a:t>array(1:12, dim=c(3,2,2))</a:t>
             </a:r>
           </a:p>
@@ -8500,11 +8177,7 @@
             <a:pPr lvl="1"/>
             <a:r>
               <a:rPr lang="en-US" dirty="0"/>
-              <a:t>array(1:12, </a:t>
-            </a:r>
-            <a:r>
-              <a:rPr lang="en-US" dirty="0" smtClean="0"/>
-              <a:t>dim=c(2,2,3))</a:t>
+              <a:t>array(1:12, dim=c(2,2,3))</a:t>
             </a:r>
           </a:p>
           <a:p>
@@ -8513,32 +8186,31 @@
           </a:p>
           <a:p>
             <a:r>
-              <a:rPr lang="en-US" dirty="0" smtClean="0"/>
+              <a:rPr lang="en-US" dirty="0"/>
               <a:t>Again, first parameter is a vector:</a:t>
             </a:r>
           </a:p>
           <a:p>
             <a:pPr lvl="1"/>
             <a:r>
-              <a:rPr lang="en-US" dirty="0" smtClean="0"/>
+              <a:rPr lang="en-US" dirty="0"/>
               <a:t>y &lt;- c("</a:t>
             </a:r>
             <a:r>
-              <a:rPr lang="en-US" dirty="0" err="1" smtClean="0"/>
+              <a:rPr lang="en-US" dirty="0" err="1"/>
               <a:t>a","b","c","d","e","f","g","h","i","j","k","l</a:t>
             </a:r>
             <a:r>
-              <a:rPr lang="en-US" dirty="0" smtClean="0"/>
+              <a:rPr lang="en-US" dirty="0"/>
               <a:t>")</a:t>
             </a:r>
           </a:p>
           <a:p>
             <a:pPr lvl="1"/>
             <a:r>
-              <a:rPr lang="en-US" dirty="0" smtClean="0"/>
+              <a:rPr lang="en-US" dirty="0"/>
               <a:t>array(y, dim=c(2,2,3))</a:t>
             </a:r>
-            <a:endParaRPr lang="en-US" dirty="0"/>
           </a:p>
         </p:txBody>
       </p:sp>
@@ -8588,12 +8260,8 @@
           <a:p>
             <a:pPr algn="ctr"/>
             <a:r>
-              <a:rPr lang="en-US" dirty="0" smtClean="0"/>
-              <a:t>Course website: https</a:t>
-            </a:r>
-            <a:r>
-              <a:rPr lang="en-US" dirty="0"/>
-              <a:t>://</a:t>
+              <a:rPr lang="en-US" dirty="0"/>
+              <a:t>Course website: https://</a:t>
             </a:r>
             <a:r>
               <a:rPr lang="en-US" dirty="0" err="1"/>
@@ -8601,7 +8269,7 @@
             </a:r>
             <a:r>
               <a:rPr lang="en-US" dirty="0"/>
-              <a:t>/smooney27/RWorkshopSER2019</a:t>
+              <a:t>/smooney27/RWorkshopSER2020</a:t>
             </a:r>
           </a:p>
         </p:txBody>
@@ -8616,13 +8284,6 @@
   <p:clrMapOvr>
     <a:masterClrMapping/>
   </p:clrMapOvr>
-  <p:timing>
-    <p:tnLst>
-      <p:par>
-        <p:cTn xmlns:p14="http://schemas.microsoft.com/office/powerpoint/2010/main" id="1" dur="indefinite" restart="never" nodeType="tmRoot"/>
-      </p:par>
-    </p:tnLst>
-  </p:timing>
 </p:sld>
 </file>
 
@@ -8659,10 +8320,9 @@
           <a:lstStyle/>
           <a:p>
             <a:r>
-              <a:rPr lang="en-US" dirty="0" smtClean="0"/>
+              <a:rPr lang="en-US" dirty="0"/>
               <a:t>Challenge #2</a:t>
             </a:r>
-            <a:endParaRPr lang="en-US" dirty="0"/>
           </a:p>
         </p:txBody>
       </p:sp>
@@ -8687,7 +8347,7 @@
           <a:lstStyle/>
           <a:p>
             <a:r>
-              <a:rPr lang="en-US" dirty="0" smtClean="0"/>
+              <a:rPr lang="en-US" dirty="0"/>
               <a:t>Construct a classic 2x2 table, wherein the a cell has 50 people, b (exposed/not diseased) has 100, c has 75 and d has 150</a:t>
             </a:r>
           </a:p>
@@ -8724,8 +8384,20 @@
                 <a:tableStyleId>{5940675A-B579-460E-94D1-54222C63F5DA}</a:tableStyleId>
               </a:tblPr>
               <a:tblGrid>
-                <a:gridCol w="1066800"/>
-                <a:gridCol w="1066800"/>
+                <a:gridCol w="1066800">
+                  <a:extLst>
+                    <a:ext uri="{9D8B030D-6E8A-4147-A177-3AD203B41FA5}">
+                      <a16:colId xmlns:a16="http://schemas.microsoft.com/office/drawing/2014/main" val="20000"/>
+                    </a:ext>
+                  </a:extLst>
+                </a:gridCol>
+                <a:gridCol w="1066800">
+                  <a:extLst>
+                    <a:ext uri="{9D8B030D-6E8A-4147-A177-3AD203B41FA5}">
+                      <a16:colId xmlns:a16="http://schemas.microsoft.com/office/drawing/2014/main" val="20001"/>
+                    </a:ext>
+                  </a:extLst>
+                </a:gridCol>
               </a:tblGrid>
               <a:tr h="952500">
                 <a:tc>
@@ -8734,10 +8406,9 @@
                     <a:lstStyle/>
                     <a:p>
                       <a:r>
-                        <a:rPr lang="en-US" sz="3200" dirty="0" smtClean="0"/>
+                        <a:rPr lang="en-US" sz="3200" dirty="0"/>
                         <a:t>50</a:t>
                       </a:r>
-                      <a:endParaRPr lang="en-US" sz="3200" dirty="0"/>
                     </a:p>
                   </a:txBody>
                   <a:tcPr/>
@@ -8748,14 +8419,18 @@
                     <a:lstStyle/>
                     <a:p>
                       <a:r>
-                        <a:rPr lang="en-US" sz="3200" dirty="0" smtClean="0"/>
+                        <a:rPr lang="en-US" sz="3200" dirty="0"/>
                         <a:t>100</a:t>
                       </a:r>
-                      <a:endParaRPr lang="en-US" sz="3200" dirty="0"/>
                     </a:p>
                   </a:txBody>
                   <a:tcPr/>
                 </a:tc>
+                <a:extLst>
+                  <a:ext uri="{0D108BD9-81ED-4DB2-BD59-A6C34878D82A}">
+                    <a16:rowId xmlns:a16="http://schemas.microsoft.com/office/drawing/2014/main" val="10000"/>
+                  </a:ext>
+                </a:extLst>
               </a:tr>
               <a:tr h="952500">
                 <a:tc>
@@ -8764,10 +8439,9 @@
                     <a:lstStyle/>
                     <a:p>
                       <a:r>
-                        <a:rPr lang="en-US" sz="3200" dirty="0" smtClean="0"/>
+                        <a:rPr lang="en-US" sz="3200" dirty="0"/>
                         <a:t>75</a:t>
                       </a:r>
-                      <a:endParaRPr lang="en-US" sz="3200" dirty="0"/>
                     </a:p>
                   </a:txBody>
                   <a:tcPr/>
@@ -8778,14 +8452,18 @@
                     <a:lstStyle/>
                     <a:p>
                       <a:r>
-                        <a:rPr lang="en-US" sz="3200" dirty="0" smtClean="0"/>
+                        <a:rPr lang="en-US" sz="3200" dirty="0"/>
                         <a:t>150</a:t>
                       </a:r>
-                      <a:endParaRPr lang="en-US" sz="3200" dirty="0"/>
                     </a:p>
                   </a:txBody>
                   <a:tcPr/>
                 </a:tc>
+                <a:extLst>
+                  <a:ext uri="{0D108BD9-81ED-4DB2-BD59-A6C34878D82A}">
+                    <a16:rowId xmlns:a16="http://schemas.microsoft.com/office/drawing/2014/main" val="10001"/>
+                  </a:ext>
+                </a:extLst>
               </a:tr>
             </a:tbl>
           </a:graphicData>
@@ -8814,24 +8492,24 @@
           <a:lstStyle/>
           <a:p>
             <a:r>
-              <a:rPr lang="en-US" sz="2400" dirty="0" smtClean="0"/>
+              <a:rPr lang="en-US" sz="2400" dirty="0"/>
               <a:t>My answer: </a:t>
             </a:r>
           </a:p>
           <a:p>
-            <a:endParaRPr lang="en-US" sz="2400" dirty="0" smtClean="0"/>
-          </a:p>
-          <a:p>
-            <a:r>
-              <a:rPr lang="en-US" sz="2400" dirty="0" smtClean="0"/>
+            <a:endParaRPr lang="en-US" sz="2400" dirty="0"/>
+          </a:p>
+          <a:p>
+            <a:r>
+              <a:rPr lang="en-US" sz="2400" dirty="0"/>
               <a:t>matrix(c(50, 75, 100, 150), </a:t>
             </a:r>
             <a:r>
-              <a:rPr lang="en-US" sz="2400" dirty="0" err="1" smtClean="0"/>
+              <a:rPr lang="en-US" sz="2400" dirty="0" err="1"/>
               <a:t>nrow</a:t>
             </a:r>
             <a:r>
-              <a:rPr lang="en-US" sz="2400" dirty="0" smtClean="0"/>
+              <a:rPr lang="en-US" sz="2400" dirty="0"/>
               <a:t>=2)</a:t>
             </a:r>
           </a:p>
@@ -8863,13 +8541,8 @@
           <a:p>
             <a:r>
               <a:rPr lang="en-US" dirty="0"/>
-              <a:t>(Bonus: self-test # 3</a:t>
-            </a:r>
-            <a:r>
-              <a:rPr lang="en-US" dirty="0" smtClean="0"/>
-              <a:t>)</a:t>
-            </a:r>
-            <a:endParaRPr lang="en-US" dirty="0"/>
+              <a:t>(Bonus: self-test # 3)</a:t>
+            </a:r>
           </a:p>
         </p:txBody>
       </p:sp>
@@ -8919,12 +8592,8 @@
           <a:p>
             <a:pPr algn="ctr"/>
             <a:r>
-              <a:rPr lang="en-US" dirty="0" smtClean="0"/>
-              <a:t>Course website: https</a:t>
-            </a:r>
-            <a:r>
-              <a:rPr lang="en-US" dirty="0"/>
-              <a:t>://</a:t>
+              <a:rPr lang="en-US" dirty="0"/>
+              <a:t>Course website: https://</a:t>
             </a:r>
             <a:r>
               <a:rPr lang="en-US" dirty="0" err="1"/>
@@ -8932,7 +8601,7 @@
             </a:r>
             <a:r>
               <a:rPr lang="en-US" dirty="0"/>
-              <a:t>/smooney27/RWorkshopSER2019</a:t>
+              <a:t>/smooney27/RWorkshopSER2020</a:t>
             </a:r>
           </a:p>
         </p:txBody>
@@ -8950,7 +8619,7 @@
   <p:timing>
     <p:tnLst>
       <p:par>
-        <p:cTn xmlns:p14="http://schemas.microsoft.com/office/powerpoint/2010/main" id="1" dur="indefinite" restart="never" nodeType="tmRoot">
+        <p:cTn id="1" dur="indefinite" restart="never" nodeType="tmRoot">
           <p:childTnLst>
             <p:seq concurrent="1" nextAc="seek">
               <p:cTn id="2" dur="indefinite" nodeType="mainSeq">
@@ -9061,71 +8730,70 @@
           <a:lstStyle/>
           <a:p>
             <a:r>
-              <a:rPr lang="en-US" dirty="0" smtClean="0"/>
+              <a:rPr lang="en-US" dirty="0"/>
               <a:t>Challenge #2 (alternate solution)</a:t>
             </a:r>
+          </a:p>
+        </p:txBody>
+      </p:sp>
+      <p:sp>
+        <p:nvSpPr>
+          <p:cNvPr id="3" name="Content Placeholder 2"/>
+          <p:cNvSpPr>
+            <a:spLocks noGrp="1"/>
+          </p:cNvSpPr>
+          <p:nvPr>
+            <p:ph idx="1"/>
+          </p:nvPr>
+        </p:nvSpPr>
+        <p:spPr/>
+        <p:txBody>
+          <a:bodyPr/>
+          <a:lstStyle/>
+          <a:p>
+            <a:r>
+              <a:rPr lang="en-US" dirty="0"/>
+              <a:t>By default, matrix fills in cells in a column-wise order.  An alternative is to use </a:t>
+            </a:r>
+            <a:r>
+              <a:rPr lang="en-US" dirty="0" err="1"/>
+              <a:t>byrow</a:t>
+            </a:r>
+            <a:r>
+              <a:rPr lang="en-US" dirty="0"/>
+              <a:t>=T:</a:t>
+            </a:r>
+          </a:p>
+          <a:p>
             <a:endParaRPr lang="en-US" dirty="0"/>
-          </a:p>
-        </p:txBody>
-      </p:sp>
-      <p:sp>
-        <p:nvSpPr>
-          <p:cNvPr id="3" name="Content Placeholder 2"/>
-          <p:cNvSpPr>
-            <a:spLocks noGrp="1"/>
-          </p:cNvSpPr>
-          <p:nvPr>
-            <p:ph idx="1"/>
-          </p:nvPr>
-        </p:nvSpPr>
-        <p:spPr/>
-        <p:txBody>
-          <a:bodyPr/>
-          <a:lstStyle/>
-          <a:p>
-            <a:r>
-              <a:rPr lang="en-US" dirty="0" smtClean="0"/>
-              <a:t>By default, matrix fills in cells in a column-wise order.  An alternative is to use </a:t>
-            </a:r>
-            <a:r>
-              <a:rPr lang="en-US" dirty="0" err="1" smtClean="0"/>
-              <a:t>byrow</a:t>
-            </a:r>
-            <a:r>
-              <a:rPr lang="en-US" dirty="0" smtClean="0"/>
-              <a:t>=T:</a:t>
-            </a:r>
-          </a:p>
-          <a:p>
-            <a:endParaRPr lang="en-US" dirty="0" smtClean="0"/>
           </a:p>
           <a:p>
             <a:pPr marL="0" indent="0">
               <a:buNone/>
             </a:pPr>
             <a:r>
-              <a:rPr lang="en-US" dirty="0" smtClean="0"/>
+              <a:rPr lang="en-US" dirty="0"/>
               <a:t>matrix(c(50, 100, 75, 150), </a:t>
             </a:r>
             <a:r>
-              <a:rPr lang="en-US" dirty="0" err="1" smtClean="0"/>
+              <a:rPr lang="en-US" dirty="0" err="1"/>
               <a:t>nrow</a:t>
             </a:r>
             <a:r>
-              <a:rPr lang="en-US" dirty="0" smtClean="0"/>
+              <a:rPr lang="en-US" dirty="0"/>
               <a:t>=2, </a:t>
             </a:r>
             <a:r>
-              <a:rPr lang="en-US" dirty="0" err="1" smtClean="0"/>
+              <a:rPr lang="en-US" dirty="0" err="1"/>
               <a:t>byrow</a:t>
             </a:r>
             <a:r>
-              <a:rPr lang="en-US" dirty="0" smtClean="0"/>
+              <a:rPr lang="en-US" dirty="0"/>
               <a:t>=T)</a:t>
             </a:r>
           </a:p>
           <a:p>
-            <a:endParaRPr lang="en-US" dirty="0" smtClean="0"/>
+            <a:endParaRPr lang="en-US" dirty="0"/>
           </a:p>
           <a:p>
             <a:endParaRPr lang="en-US" dirty="0"/>
@@ -9178,12 +8846,8 @@
           <a:p>
             <a:pPr algn="ctr"/>
             <a:r>
-              <a:rPr lang="en-US" dirty="0" smtClean="0"/>
-              <a:t>Course website: https</a:t>
-            </a:r>
-            <a:r>
-              <a:rPr lang="en-US" dirty="0"/>
-              <a:t>://</a:t>
+              <a:rPr lang="en-US" dirty="0"/>
+              <a:t>Course website: https://</a:t>
             </a:r>
             <a:r>
               <a:rPr lang="en-US" dirty="0" err="1"/>
@@ -9191,7 +8855,7 @@
             </a:r>
             <a:r>
               <a:rPr lang="en-US" dirty="0"/>
-              <a:t>/smooney27/RWorkshopSER2019</a:t>
+              <a:t>/smooney27/RWorkshopSER2020</a:t>
             </a:r>
           </a:p>
         </p:txBody>
@@ -9206,13 +8870,6 @@
   <p:clrMapOvr>
     <a:masterClrMapping/>
   </p:clrMapOvr>
-  <p:timing>
-    <p:tnLst>
-      <p:par>
-        <p:cTn xmlns:p14="http://schemas.microsoft.com/office/powerpoint/2010/main" id="1" dur="indefinite" restart="never" nodeType="tmRoot"/>
-      </p:par>
-    </p:tnLst>
-  </p:timing>
 </p:sld>
 </file>
 
@@ -9249,10 +8906,9 @@
           <a:lstStyle/>
           <a:p>
             <a:r>
-              <a:rPr lang="en-US" dirty="0" smtClean="0"/>
+              <a:rPr lang="en-US" dirty="0"/>
               <a:t>Quick break</a:t>
             </a:r>
-            <a:endParaRPr lang="en-US" dirty="0"/>
           </a:p>
         </p:txBody>
       </p:sp>
@@ -9302,19 +8958,15 @@
           <a:p>
             <a:pPr algn="ctr"/>
             <a:r>
-              <a:rPr lang="en-US" sz="2400" dirty="0" smtClean="0"/>
+              <a:rPr lang="en-US" sz="2400" dirty="0"/>
               <a:t>Course website: </a:t>
             </a:r>
           </a:p>
           <a:p>
             <a:pPr algn="ctr"/>
             <a:r>
-              <a:rPr lang="en-US" sz="2400" dirty="0" smtClean="0"/>
-              <a:t>https</a:t>
-            </a:r>
-            <a:r>
               <a:rPr lang="en-US" sz="2400" dirty="0"/>
-              <a:t>://</a:t>
+              <a:t>https://</a:t>
             </a:r>
             <a:r>
               <a:rPr lang="en-US" sz="2400" dirty="0" err="1"/>
@@ -9322,7 +8974,7 @@
             </a:r>
             <a:r>
               <a:rPr lang="en-US" sz="2400" dirty="0"/>
-              <a:t>/smooney27/RWorkshopSER2019</a:t>
+              <a:t>/smooney27/RWorkshopSER2020</a:t>
             </a:r>
           </a:p>
         </p:txBody>
@@ -9373,10 +9025,9 @@
           <a:lstStyle/>
           <a:p>
             <a:r>
-              <a:rPr lang="en-US" dirty="0" smtClean="0"/>
+              <a:rPr lang="en-US" dirty="0"/>
               <a:t>Warmup Challenge</a:t>
             </a:r>
-            <a:endParaRPr lang="en-US" dirty="0"/>
           </a:p>
         </p:txBody>
       </p:sp>
@@ -9401,7 +9052,7 @@
           <a:lstStyle/>
           <a:p>
             <a:r>
-              <a:rPr lang="en-US" dirty="0" smtClean="0"/>
+              <a:rPr lang="en-US" dirty="0"/>
               <a:t>Construct a 4 unit vector wherein the first value is 20, the second is 40, the third is 60 and the fourth is 80</a:t>
             </a:r>
           </a:p>
@@ -9436,13 +9087,13 @@
           <a:lstStyle/>
           <a:p>
             <a:r>
-              <a:rPr lang="en-US" sz="2400" dirty="0" smtClean="0"/>
+              <a:rPr lang="en-US" sz="2400" dirty="0"/>
               <a:t>My answer: </a:t>
             </a:r>
           </a:p>
           <a:p>
             <a:r>
-              <a:rPr lang="en-US" sz="2400" dirty="0" smtClean="0"/>
+              <a:rPr lang="en-US" sz="2400" dirty="0"/>
               <a:t>c(20, 40, 60, 80)</a:t>
             </a:r>
           </a:p>
@@ -9487,7 +9138,7 @@
   <p:timing>
     <p:tnLst>
       <p:par>
-        <p:cTn xmlns:p14="http://schemas.microsoft.com/office/powerpoint/2010/main" id="1" dur="indefinite" restart="never" nodeType="tmRoot">
+        <p:cTn id="1" dur="indefinite" restart="never" nodeType="tmRoot">
           <p:childTnLst>
             <p:seq concurrent="1" nextAc="seek">
               <p:cTn id="2" dur="indefinite" nodeType="mainSeq">
@@ -9598,10 +9249,9 @@
           <a:lstStyle/>
           <a:p>
             <a:r>
-              <a:rPr lang="en-US" dirty="0" smtClean="0"/>
+              <a:rPr lang="en-US" dirty="0"/>
               <a:t>Reminder: basic types</a:t>
             </a:r>
-            <a:endParaRPr lang="en-US" dirty="0"/>
           </a:p>
         </p:txBody>
       </p:sp>
@@ -9621,45 +9271,44 @@
           <a:lstStyle/>
           <a:p>
             <a:r>
-              <a:rPr lang="en-US" dirty="0" smtClean="0"/>
+              <a:rPr lang="en-US" dirty="0"/>
               <a:t>Basic R object types</a:t>
             </a:r>
           </a:p>
           <a:p>
             <a:pPr lvl="1"/>
             <a:r>
-              <a:rPr lang="en-US" dirty="0" smtClean="0"/>
+              <a:rPr lang="en-US" dirty="0"/>
               <a:t>Vector</a:t>
             </a:r>
           </a:p>
           <a:p>
             <a:pPr lvl="1"/>
             <a:r>
-              <a:rPr lang="en-US" dirty="0" smtClean="0"/>
+              <a:rPr lang="en-US" dirty="0"/>
               <a:t>Matrix</a:t>
             </a:r>
           </a:p>
           <a:p>
             <a:pPr lvl="1"/>
             <a:r>
-              <a:rPr lang="en-US" dirty="0" smtClean="0"/>
+              <a:rPr lang="en-US" dirty="0"/>
               <a:t>Array</a:t>
             </a:r>
           </a:p>
           <a:p>
             <a:pPr lvl="1"/>
             <a:r>
-              <a:rPr lang="en-US" dirty="0" smtClean="0"/>
+              <a:rPr lang="en-US" dirty="0"/>
               <a:t>List</a:t>
             </a:r>
           </a:p>
           <a:p>
             <a:pPr lvl="1"/>
             <a:r>
-              <a:rPr lang="en-US" dirty="0" smtClean="0"/>
+              <a:rPr lang="en-US" dirty="0"/>
               <a:t>Data Frame</a:t>
             </a:r>
-            <a:endParaRPr lang="en-US" dirty="0"/>
           </a:p>
         </p:txBody>
       </p:sp>
@@ -9772,10 +9421,9 @@
           <a:lstStyle/>
           <a:p>
             <a:r>
-              <a:rPr lang="en-US" dirty="0" smtClean="0"/>
+              <a:rPr lang="en-US" dirty="0"/>
               <a:t>Atomic types, before the break</a:t>
             </a:r>
-            <a:endParaRPr lang="en-US" dirty="0"/>
           </a:p>
         </p:txBody>
       </p:sp>
@@ -9802,10 +9450,9 @@
           <a:lstStyle/>
           <a:p>
             <a:r>
-              <a:rPr lang="en-US" dirty="0" smtClean="0"/>
+              <a:rPr lang="en-US" dirty="0"/>
               <a:t>Coming soon, but first let’s look at atomic types a little more…</a:t>
             </a:r>
-            <a:endParaRPr lang="en-US" dirty="0"/>
           </a:p>
         </p:txBody>
       </p:sp>
@@ -9842,13 +9489,6 @@
   <p:clrMapOvr>
     <a:masterClrMapping/>
   </p:clrMapOvr>
-  <p:timing>
-    <p:tnLst>
-      <p:par>
-        <p:cTn xmlns:p14="http://schemas.microsoft.com/office/powerpoint/2010/main" id="1" dur="indefinite" restart="never" nodeType="tmRoot"/>
-      </p:par>
-    </p:tnLst>
-  </p:timing>
 </p:sld>
 </file>
 
@@ -9885,10 +9525,9 @@
           <a:lstStyle/>
           <a:p>
             <a:r>
-              <a:rPr lang="en-US" dirty="0" smtClean="0"/>
+              <a:rPr lang="en-US" dirty="0"/>
               <a:t>Why does same type matter?</a:t>
             </a:r>
-            <a:endParaRPr lang="en-US" dirty="0"/>
           </a:p>
         </p:txBody>
       </p:sp>
@@ -9910,23 +9549,23 @@
           <a:lstStyle/>
           <a:p>
             <a:r>
-              <a:rPr lang="en-US" dirty="0" err="1" smtClean="0"/>
+              <a:rPr lang="en-US" dirty="0" err="1"/>
               <a:t>Vectorized</a:t>
             </a:r>
             <a:r>
-              <a:rPr lang="en-US" dirty="0" smtClean="0"/>
+              <a:rPr lang="en-US" dirty="0"/>
               <a:t> math can be powerful:</a:t>
             </a:r>
           </a:p>
           <a:p>
-            <a:endParaRPr lang="en-US" dirty="0" smtClean="0"/>
+            <a:endParaRPr lang="en-US" dirty="0"/>
           </a:p>
           <a:p>
             <a:pPr marL="0" indent="0">
               <a:buNone/>
             </a:pPr>
             <a:r>
-              <a:rPr lang="en-US" sz="2400" dirty="0" smtClean="0">
+              <a:rPr lang="en-US" sz="2400" dirty="0">
                 <a:latin typeface="Courier New" pitchFamily="49" charset="0"/>
                 <a:cs typeface="Courier New" pitchFamily="49" charset="0"/>
               </a:rPr>
@@ -9938,7 +9577,7 @@
               <a:buNone/>
             </a:pPr>
             <a:r>
-              <a:rPr lang="en-US" sz="2400" dirty="0" smtClean="0">
+              <a:rPr lang="en-US" sz="2400" dirty="0">
                 <a:latin typeface="Courier New" pitchFamily="49" charset="0"/>
                 <a:cs typeface="Courier New" pitchFamily="49" charset="0"/>
               </a:rPr>
@@ -9950,7 +9589,7 @@
               <a:buNone/>
             </a:pPr>
             <a:r>
-              <a:rPr lang="en-US" sz="2400" dirty="0" smtClean="0">
+              <a:rPr lang="en-US" sz="2400" dirty="0">
                 <a:latin typeface="Courier New" pitchFamily="49" charset="0"/>
                 <a:cs typeface="Courier New" pitchFamily="49" charset="0"/>
               </a:rPr>
@@ -9962,7 +9601,7 @@
               <a:buNone/>
             </a:pPr>
             <a:r>
-              <a:rPr lang="en-US" sz="2400" dirty="0" smtClean="0">
+              <a:rPr lang="en-US" sz="2400" dirty="0">
                 <a:latin typeface="Courier New" pitchFamily="49" charset="0"/>
                 <a:cs typeface="Courier New" pitchFamily="49" charset="0"/>
               </a:rPr>
@@ -9974,7 +9613,7 @@
               <a:buNone/>
             </a:pPr>
             <a:r>
-              <a:rPr lang="en-US" sz="2400" dirty="0" smtClean="0">
+              <a:rPr lang="en-US" sz="2400" dirty="0">
                 <a:latin typeface="Courier New" pitchFamily="49" charset="0"/>
                 <a:cs typeface="Courier New" pitchFamily="49" charset="0"/>
               </a:rPr>
@@ -9986,7 +9625,7 @@
               <a:buNone/>
             </a:pPr>
             <a:r>
-              <a:rPr lang="en-US" sz="2400" dirty="0" smtClean="0">
+              <a:rPr lang="en-US" sz="2400" dirty="0">
                 <a:latin typeface="Courier New" pitchFamily="49" charset="0"/>
                 <a:cs typeface="Courier New" pitchFamily="49" charset="0"/>
               </a:rPr>
@@ -9998,7 +9637,7 @@
               <a:buNone/>
             </a:pPr>
             <a:r>
-              <a:rPr lang="en-US" sz="2400" dirty="0" smtClean="0">
+              <a:rPr lang="en-US" sz="2400" dirty="0">
                 <a:latin typeface="Courier New" pitchFamily="49" charset="0"/>
                 <a:cs typeface="Courier New" pitchFamily="49" charset="0"/>
               </a:rPr>
@@ -10009,7 +9648,7 @@
             <a:pPr marL="0" indent="0">
               <a:buNone/>
             </a:pPr>
-            <a:endParaRPr lang="en-US" sz="2400" dirty="0" smtClean="0">
+            <a:endParaRPr lang="en-US" sz="2400" dirty="0">
               <a:latin typeface="Courier New" pitchFamily="49" charset="0"/>
               <a:cs typeface="Courier New" pitchFamily="49" charset="0"/>
             </a:endParaRPr>
@@ -10049,13 +9688,6 @@
   <p:clrMapOvr>
     <a:masterClrMapping/>
   </p:clrMapOvr>
-  <p:timing>
-    <p:tnLst>
-      <p:par>
-        <p:cTn xmlns:p14="http://schemas.microsoft.com/office/powerpoint/2010/main" id="1" dur="indefinite" restart="never" nodeType="tmRoot"/>
-      </p:par>
-    </p:tnLst>
-  </p:timing>
 </p:sld>
 </file>
 
@@ -10092,10 +9724,9 @@
           <a:lstStyle/>
           <a:p>
             <a:r>
-              <a:rPr lang="en-US" dirty="0" smtClean="0"/>
+              <a:rPr lang="en-US" dirty="0"/>
               <a:t>Functions operating on vectors</a:t>
             </a:r>
-            <a:endParaRPr lang="en-US" dirty="0"/>
           </a:p>
         </p:txBody>
       </p:sp>
@@ -10114,33 +9745,18 @@
           <a:bodyPr/>
           <a:lstStyle/>
           <a:p>
-            <a:r>
-              <a:rPr lang="en-US" dirty="0" smtClean="0">
-                <a:cs typeface="Courier New" pitchFamily="49" charset="0"/>
-              </a:rPr>
-              <a:t>Some functions make </a:t>
-            </a:r>
             <a:r>
               <a:rPr lang="en-US" dirty="0">
                 <a:cs typeface="Courier New" pitchFamily="49" charset="0"/>
               </a:rPr>
-              <a:t>use of whole </a:t>
-            </a:r>
-            <a:r>
-              <a:rPr lang="en-US" dirty="0" smtClean="0">
-                <a:cs typeface="Courier New" pitchFamily="49" charset="0"/>
-              </a:rPr>
-              <a:t>vector:</a:t>
-            </a:r>
-            <a:endParaRPr lang="en-US" dirty="0">
-              <a:cs typeface="Courier New" pitchFamily="49" charset="0"/>
-            </a:endParaRPr>
+              <a:t>Some functions make use of whole vector:</a:t>
+            </a:r>
           </a:p>
           <a:p>
             <a:pPr marL="0" indent="0">
               <a:buNone/>
             </a:pPr>
-            <a:endParaRPr lang="en-US" sz="2400" dirty="0" smtClean="0">
+            <a:endParaRPr lang="en-US" sz="2400" dirty="0">
               <a:latin typeface="Courier New" pitchFamily="49" charset="0"/>
               <a:cs typeface="Courier New" pitchFamily="49" charset="0"/>
             </a:endParaRPr>
@@ -10149,19 +9765,12 @@
             <a:pPr marL="0" indent="0">
               <a:buNone/>
             </a:pPr>
-            <a:r>
-              <a:rPr lang="en-US" sz="2400" dirty="0" smtClean="0">
-                <a:latin typeface="Courier New" pitchFamily="49" charset="0"/>
-                <a:cs typeface="Courier New" pitchFamily="49" charset="0"/>
-              </a:rPr>
-              <a:t>sum(x</a:t>
-            </a:r>
             <a:r>
               <a:rPr lang="en-US" sz="2400" dirty="0">
                 <a:latin typeface="Courier New" pitchFamily="49" charset="0"/>
                 <a:cs typeface="Courier New" pitchFamily="49" charset="0"/>
               </a:rPr>
-              <a:t>)</a:t>
+              <a:t>sum(x)</a:t>
             </a:r>
           </a:p>
           <a:p>
@@ -10188,7 +9797,7 @@
               <a:buNone/>
             </a:pPr>
             <a:r>
-              <a:rPr lang="en-US" sz="2400" dirty="0" smtClean="0">
+              <a:rPr lang="en-US" sz="2400" dirty="0">
                 <a:latin typeface="Courier New" pitchFamily="49" charset="0"/>
                 <a:cs typeface="Courier New" pitchFamily="49" charset="0"/>
               </a:rPr>
@@ -10200,14 +9809,14 @@
               <a:buNone/>
             </a:pPr>
             <a:r>
-              <a:rPr lang="en-US" sz="2400" dirty="0" err="1" smtClean="0">
+              <a:rPr lang="en-US" sz="2400" dirty="0" err="1">
                 <a:latin typeface="Courier New" pitchFamily="49" charset="0"/>
                 <a:cs typeface="Courier New" pitchFamily="49" charset="0"/>
               </a:rPr>
               <a:t>var</a:t>
             </a:r>
             <a:r>
-              <a:rPr lang="en-US" sz="2400" dirty="0" smtClean="0">
+              <a:rPr lang="en-US" sz="2400" dirty="0">
                 <a:latin typeface="Courier New" pitchFamily="49" charset="0"/>
                 <a:cs typeface="Courier New" pitchFamily="49" charset="0"/>
               </a:rPr>
@@ -10219,14 +9828,14 @@
               <a:buNone/>
             </a:pPr>
             <a:r>
-              <a:rPr lang="en-US" sz="2400" dirty="0" err="1" smtClean="0">
+              <a:rPr lang="en-US" sz="2400" dirty="0" err="1">
                 <a:latin typeface="Courier New" pitchFamily="49" charset="0"/>
                 <a:cs typeface="Courier New" pitchFamily="49" charset="0"/>
               </a:rPr>
               <a:t>sd</a:t>
             </a:r>
             <a:r>
-              <a:rPr lang="en-US" sz="2400" dirty="0" smtClean="0">
+              <a:rPr lang="en-US" sz="2400" dirty="0">
                 <a:latin typeface="Courier New" pitchFamily="49" charset="0"/>
                 <a:cs typeface="Courier New" pitchFamily="49" charset="0"/>
               </a:rPr>
@@ -10238,16 +9847,12 @@
               <a:buNone/>
             </a:pPr>
             <a:r>
-              <a:rPr lang="en-US" sz="2400" dirty="0" smtClean="0">
+              <a:rPr lang="en-US" sz="2400" dirty="0">
                 <a:latin typeface="Courier New" pitchFamily="49" charset="0"/>
                 <a:cs typeface="Courier New" pitchFamily="49" charset="0"/>
               </a:rPr>
               <a:t>length(x)</a:t>
             </a:r>
-            <a:endParaRPr lang="en-US" sz="2400" dirty="0">
-              <a:latin typeface="Courier New" pitchFamily="49" charset="0"/>
-              <a:cs typeface="Courier New" pitchFamily="49" charset="0"/>
-            </a:endParaRPr>
           </a:p>
           <a:p>
             <a:endParaRPr lang="en-US" dirty="0"/>
@@ -10287,13 +9892,6 @@
   <p:clrMapOvr>
     <a:masterClrMapping/>
   </p:clrMapOvr>
-  <p:timing>
-    <p:tnLst>
-      <p:par>
-        <p:cTn xmlns:p14="http://schemas.microsoft.com/office/powerpoint/2010/main" id="1" dur="indefinite" restart="never" nodeType="tmRoot"/>
-      </p:par>
-    </p:tnLst>
-  </p:timing>
 </p:sld>
 </file>
 
@@ -10330,10 +9928,9 @@
           <a:lstStyle/>
           <a:p>
             <a:r>
-              <a:rPr lang="en-US" dirty="0" smtClean="0"/>
+              <a:rPr lang="en-US" dirty="0"/>
               <a:t>Process</a:t>
             </a:r>
-            <a:endParaRPr lang="en-US" dirty="0"/>
           </a:p>
         </p:txBody>
       </p:sp>
@@ -10360,29 +9957,29 @@
           <a:lstStyle/>
           <a:p>
             <a:r>
-              <a:rPr lang="en-US" dirty="0" smtClean="0"/>
+              <a:rPr lang="en-US" dirty="0"/>
               <a:t>People learn best by doing … but the goal here is to impart my knowledge to you and listening to lectures is not doing</a:t>
             </a:r>
           </a:p>
           <a:p>
-            <a:endParaRPr lang="en-US" dirty="0" smtClean="0"/>
-          </a:p>
-          <a:p>
-            <a:r>
-              <a:rPr lang="en-US" dirty="0" smtClean="0"/>
+            <a:endParaRPr lang="en-US" dirty="0"/>
+          </a:p>
+          <a:p>
+            <a:r>
+              <a:rPr lang="en-US" dirty="0"/>
               <a:t>My goal: to give you the tools to overcome hurdles on your own, which will be a mix of guided doing, printed materials, and pointing to </a:t>
             </a:r>
             <a:r>
-              <a:rPr lang="en-US" smtClean="0"/>
+              <a:rPr lang="en-US"/>
               <a:t>Stack Overflow</a:t>
             </a:r>
-            <a:endParaRPr lang="en-US" dirty="0" smtClean="0"/>
-          </a:p>
-          <a:p>
             <a:endParaRPr lang="en-US" dirty="0"/>
           </a:p>
           <a:p>
-            <a:endParaRPr lang="en-US" dirty="0" smtClean="0"/>
+            <a:endParaRPr lang="en-US" dirty="0"/>
+          </a:p>
+          <a:p>
+            <a:endParaRPr lang="en-US" dirty="0"/>
           </a:p>
         </p:txBody>
       </p:sp>
@@ -10432,12 +10029,8 @@
           <a:p>
             <a:pPr algn="ctr"/>
             <a:r>
-              <a:rPr lang="en-US" dirty="0" smtClean="0"/>
-              <a:t>Course website: https</a:t>
-            </a:r>
-            <a:r>
-              <a:rPr lang="en-US" dirty="0"/>
-              <a:t>://</a:t>
+              <a:rPr lang="en-US" dirty="0"/>
+              <a:t>Course website: https://</a:t>
             </a:r>
             <a:r>
               <a:rPr lang="en-US" dirty="0" err="1"/>
@@ -10445,7 +10038,7 @@
             </a:r>
             <a:r>
               <a:rPr lang="en-US" dirty="0"/>
-              <a:t>/smooney27/RWorkshopSER2019</a:t>
+              <a:t>/smooney27/RWorkshopSER2020</a:t>
             </a:r>
           </a:p>
         </p:txBody>
@@ -10460,13 +10053,6 @@
   <p:clrMapOvr>
     <a:masterClrMapping/>
   </p:clrMapOvr>
-  <p:timing>
-    <p:tnLst>
-      <p:par>
-        <p:cTn xmlns:p14="http://schemas.microsoft.com/office/powerpoint/2010/main" id="1" dur="indefinite" restart="never" nodeType="tmRoot"/>
-      </p:par>
-    </p:tnLst>
-  </p:timing>
 </p:sld>
 </file>
 
@@ -10503,10 +10089,9 @@
           <a:lstStyle/>
           <a:p>
             <a:r>
-              <a:rPr lang="en-US" dirty="0" smtClean="0"/>
+              <a:rPr lang="en-US" dirty="0"/>
               <a:t>Functions operating on matrices</a:t>
             </a:r>
-            <a:endParaRPr lang="en-US" dirty="0"/>
           </a:p>
         </p:txBody>
       </p:sp>
@@ -10526,7 +10111,7 @@
           <a:lstStyle/>
           <a:p>
             <a:r>
-              <a:rPr lang="en-US" dirty="0" smtClean="0"/>
+              <a:rPr lang="en-US" dirty="0"/>
               <a:t>Similarly, there are useful functions that operate on matrices</a:t>
             </a:r>
           </a:p>
@@ -10636,19 +10221,12 @@
                 <a:latin typeface="Courier New"/>
                 <a:cs typeface="Courier New"/>
               </a:rPr>
-              <a:t>=T</a:t>
-            </a:r>
-            <a:r>
-              <a:rPr lang="pl-PL" dirty="0" smtClean="0">
-                <a:latin typeface="Courier New"/>
-                <a:cs typeface="Courier New"/>
-              </a:rPr>
-              <a:t>)</a:t>
-            </a:r>
-          </a:p>
-          <a:p>
-            <a:r>
-              <a:rPr lang="pl-PL" dirty="0" err="1" smtClean="0">
+              <a:t>=T)</a:t>
+            </a:r>
+          </a:p>
+          <a:p>
+            <a:r>
+              <a:rPr lang="pl-PL" dirty="0" err="1">
                 <a:latin typeface="Courier New"/>
                 <a:cs typeface="Courier New"/>
               </a:rPr>
@@ -10660,14 +10238,14 @@
             </a:endParaRPr>
           </a:p>
           <a:p>
-            <a:endParaRPr lang="pl-PL" dirty="0" smtClean="0">
+            <a:endParaRPr lang="pl-PL" dirty="0">
               <a:latin typeface="Courier New"/>
               <a:cs typeface="Courier New"/>
             </a:endParaRPr>
           </a:p>
           <a:p>
             <a:r>
-              <a:rPr lang="pl-PL" dirty="0" err="1" smtClean="0">
+              <a:rPr lang="pl-PL" dirty="0" err="1">
                 <a:latin typeface="Courier New"/>
                 <a:cs typeface="Courier New"/>
               </a:rPr>
@@ -10696,14 +10274,14 @@
             </a:r>
           </a:p>
           <a:p>
-            <a:endParaRPr lang="pl-PL" dirty="0" smtClean="0">
+            <a:endParaRPr lang="pl-PL" dirty="0">
               <a:latin typeface="Courier New"/>
               <a:cs typeface="Courier New"/>
             </a:endParaRPr>
           </a:p>
           <a:p>
             <a:r>
-              <a:rPr lang="pl-PL" dirty="0" err="1" smtClean="0">
+              <a:rPr lang="pl-PL" dirty="0" err="1">
                 <a:latin typeface="Courier New"/>
                 <a:cs typeface="Courier New"/>
               </a:rPr>
@@ -10733,7 +10311,7 @@
           </a:p>
           <a:p>
             <a:r>
-              <a:rPr lang="pl-PL" dirty="0" err="1" smtClean="0">
+              <a:rPr lang="pl-PL" dirty="0" err="1">
                 <a:latin typeface="Courier New"/>
                 <a:cs typeface="Courier New"/>
               </a:rPr>
@@ -10777,7 +10355,7 @@
           </a:p>
           <a:p>
             <a:r>
-              <a:rPr lang="pl-PL" dirty="0" err="1" smtClean="0">
+              <a:rPr lang="pl-PL" dirty="0" err="1">
                 <a:latin typeface="Courier New"/>
                 <a:cs typeface="Courier New"/>
               </a:rPr>
@@ -10867,10 +10445,9 @@
           <a:lstStyle/>
           <a:p>
             <a:r>
-              <a:rPr lang="en-US" dirty="0" smtClean="0"/>
+              <a:rPr lang="en-US" dirty="0"/>
               <a:t>Data in vectors &amp; arrays</a:t>
             </a:r>
-            <a:endParaRPr lang="en-US" dirty="0"/>
           </a:p>
         </p:txBody>
       </p:sp>
@@ -10890,10 +10467,9 @@
           <a:lstStyle/>
           <a:p>
             <a:r>
-              <a:rPr lang="en-US" dirty="0" smtClean="0"/>
+              <a:rPr lang="en-US" dirty="0"/>
               <a:t>We’ve talked about 3 kinds of like elements:</a:t>
             </a:r>
-            <a:endParaRPr lang="en-US" dirty="0"/>
           </a:p>
           <a:p>
             <a:pPr lvl="1"/>
@@ -10914,15 +10490,7 @@
             </a:r>
             <a:r>
               <a:rPr lang="en-US" dirty="0"/>
-              <a:t>", "</a:t>
-            </a:r>
-            <a:r>
-              <a:rPr lang="en-US" dirty="0" smtClean="0"/>
-              <a:t>SER2018"</a:t>
-            </a:r>
-            <a:r>
-              <a:rPr lang="en-US" dirty="0"/>
-              <a:t>, etc.</a:t>
+              <a:t>", "SER2018", etc.</a:t>
             </a:r>
           </a:p>
           <a:p>
@@ -10941,10 +10509,9 @@
           <a:p>
             <a:pPr lvl="1"/>
             <a:r>
-              <a:rPr lang="en-US" dirty="0" smtClean="0"/>
+              <a:rPr lang="en-US" dirty="0"/>
               <a:t>Factors: categorical variables</a:t>
             </a:r>
-            <a:endParaRPr lang="en-US" dirty="0"/>
           </a:p>
         </p:txBody>
       </p:sp>
@@ -11017,10 +10584,9 @@
           <a:lstStyle/>
           <a:p>
             <a:r>
-              <a:rPr lang="en-US" dirty="0" smtClean="0"/>
+              <a:rPr lang="en-US" dirty="0"/>
               <a:t>Factors</a:t>
             </a:r>
-            <a:endParaRPr lang="en-US" dirty="0"/>
           </a:p>
         </p:txBody>
       </p:sp>
@@ -11045,16 +10611,15 @@
           <a:lstStyle/>
           <a:p>
             <a:r>
-              <a:rPr lang="en-US" dirty="0" smtClean="0"/>
+              <a:rPr lang="en-US" dirty="0"/>
               <a:t>Factors are a compound type, containing a defined set of integer levels and a mapping from levels to names</a:t>
             </a:r>
           </a:p>
           <a:p>
             <a:r>
-              <a:rPr lang="en-US" dirty="0" smtClean="0"/>
+              <a:rPr lang="en-US" dirty="0"/>
               <a:t>But essentially… a way to encode categorical variables</a:t>
             </a:r>
-            <a:endParaRPr lang="en-US" dirty="0"/>
           </a:p>
         </p:txBody>
       </p:sp>
@@ -11094,14 +10659,14 @@
           <a:effectLst/>
           <a:extLst>
             <a:ext uri="{909E8E84-426E-40dd-AFC4-6F175D3DCCD1}">
-              <a14:hiddenFill xmlns:a14="http://schemas.microsoft.com/office/drawing/2010/main">
+              <a14:hiddenFill xmlns:a14="http://schemas.microsoft.com/office/drawing/2010/main" xmlns="">
                 <a:solidFill>
                   <a:schemeClr val="accent1"/>
                 </a:solidFill>
               </a14:hiddenFill>
             </a:ext>
             <a:ext uri="{91240B29-F687-4f45-9708-019B960494DF}">
-              <a14:hiddenLine xmlns:a14="http://schemas.microsoft.com/office/drawing/2010/main" w="9525">
+              <a14:hiddenLine xmlns:a14="http://schemas.microsoft.com/office/drawing/2010/main" xmlns="" w="9525">
                 <a:solidFill>
                   <a:schemeClr val="tx1"/>
                 </a:solidFill>
@@ -11111,7 +10676,7 @@
               </a14:hiddenLine>
             </a:ext>
             <a:ext uri="{AF507438-7753-43e0-B8FC-AC1667EBCBE1}">
-              <a14:hiddenEffects xmlns:a14="http://schemas.microsoft.com/office/drawing/2010/main">
+              <a14:hiddenEffects xmlns:a14="http://schemas.microsoft.com/office/drawing/2010/main" xmlns="">
                 <a:effectLst>
                   <a:outerShdw dist="35921" dir="2700000" algn="ctr" rotWithShape="0">
                     <a:schemeClr val="bg2"/>
@@ -11155,13 +10720,6 @@
   <p:clrMapOvr>
     <a:masterClrMapping/>
   </p:clrMapOvr>
-  <p:timing>
-    <p:tnLst>
-      <p:par>
-        <p:cTn xmlns:p14="http://schemas.microsoft.com/office/powerpoint/2010/main" id="1" dur="indefinite" restart="never" nodeType="tmRoot"/>
-      </p:par>
-    </p:tnLst>
-  </p:timing>
 </p:sld>
 </file>
 
@@ -11198,10 +10756,9 @@
           <a:lstStyle/>
           <a:p>
             <a:r>
-              <a:rPr lang="en-US" dirty="0" smtClean="0"/>
+              <a:rPr lang="en-US" dirty="0"/>
               <a:t>Creating factors</a:t>
             </a:r>
-            <a:endParaRPr lang="en-US" dirty="0"/>
           </a:p>
         </p:txBody>
       </p:sp>
@@ -11221,7 +10778,7 @@
           <a:lstStyle/>
           <a:p>
             <a:r>
-              <a:rPr lang="en-US" dirty="0" smtClean="0"/>
+              <a:rPr lang="en-US" dirty="0"/>
               <a:t>Function for creating factors: factor()</a:t>
             </a:r>
           </a:p>
@@ -11229,7 +10786,7 @@
             <a:pPr marL="457200" lvl="1" indent="-457200">
               <a:buNone/>
             </a:pPr>
-            <a:endParaRPr lang="en-US" sz="2000" dirty="0" smtClean="0">
+            <a:endParaRPr lang="en-US" sz="2000" dirty="0">
               <a:latin typeface="Courier New" panose="02070309020205020404" pitchFamily="49" charset="0"/>
               <a:cs typeface="Courier New" panose="02070309020205020404" pitchFamily="49" charset="0"/>
             </a:endParaRPr>
@@ -11239,7 +10796,7 @@
               <a:buNone/>
             </a:pPr>
             <a:r>
-              <a:rPr lang="en-US" sz="2000" dirty="0" smtClean="0">
+              <a:rPr lang="en-US" sz="2000" dirty="0">
                 <a:latin typeface="Courier New" panose="02070309020205020404" pitchFamily="49" charset="0"/>
                 <a:cs typeface="Courier New" panose="02070309020205020404" pitchFamily="49" charset="0"/>
               </a:rPr>
@@ -11251,7 +10808,7 @@
               <a:buNone/>
             </a:pPr>
             <a:r>
-              <a:rPr lang="en-US" sz="2000" dirty="0" smtClean="0">
+              <a:rPr lang="en-US" sz="2000" dirty="0">
                 <a:latin typeface="Courier New" panose="02070309020205020404" pitchFamily="49" charset="0"/>
                 <a:cs typeface="Courier New" panose="02070309020205020404" pitchFamily="49" charset="0"/>
               </a:rPr>
@@ -11259,21 +10816,20 @@
             </a:r>
           </a:p>
           <a:p>
-            <a:endParaRPr lang="en-US" dirty="0" smtClean="0"/>
-          </a:p>
-          <a:p>
-            <a:r>
-              <a:rPr lang="en-US" dirty="0" smtClean="0"/>
+            <a:endParaRPr lang="en-US" dirty="0"/>
+          </a:p>
+          <a:p>
+            <a:r>
+              <a:rPr lang="en-US" dirty="0"/>
               <a:t>Can make factors ordered, define levels explicitly, etc.</a:t>
             </a:r>
           </a:p>
           <a:p>
             <a:pPr lvl="1"/>
             <a:r>
-              <a:rPr lang="en-US" dirty="0" smtClean="0"/>
+              <a:rPr lang="en-US" dirty="0"/>
               <a:t>?factor to see help page</a:t>
             </a:r>
-            <a:endParaRPr lang="en-US" dirty="0"/>
           </a:p>
         </p:txBody>
       </p:sp>
@@ -11310,13 +10866,6 @@
   <p:clrMapOvr>
     <a:masterClrMapping/>
   </p:clrMapOvr>
-  <p:timing>
-    <p:tnLst>
-      <p:par>
-        <p:cTn xmlns:p14="http://schemas.microsoft.com/office/powerpoint/2010/main" id="1" dur="indefinite" restart="never" nodeType="tmRoot"/>
-      </p:par>
-    </p:tnLst>
-  </p:timing>
 </p:sld>
 </file>
 
@@ -11355,10 +10904,9 @@
           <a:lstStyle/>
           <a:p>
             <a:r>
-              <a:rPr lang="en-US" dirty="0" smtClean="0"/>
+              <a:rPr lang="en-US" dirty="0"/>
               <a:t>Review: Basic like element (‘atomic’) types in R</a:t>
             </a:r>
-            <a:endParaRPr lang="en-US" dirty="0"/>
           </a:p>
         </p:txBody>
       </p:sp>
@@ -11380,66 +10928,66 @@
           <a:lstStyle/>
           <a:p>
             <a:r>
-              <a:rPr lang="en-US" sz="2800" dirty="0" smtClean="0"/>
+              <a:rPr lang="en-US" sz="2800" dirty="0"/>
               <a:t>Vector: 1 dimensional collection of like elements</a:t>
             </a:r>
           </a:p>
           <a:p>
             <a:r>
-              <a:rPr lang="en-US" sz="2800" dirty="0" smtClean="0"/>
+              <a:rPr lang="en-US" sz="2800" dirty="0"/>
               <a:t>Matrix: 2 dimensional collection of like elements</a:t>
             </a:r>
           </a:p>
           <a:p>
             <a:r>
-              <a:rPr lang="en-US" sz="2800" dirty="0" smtClean="0"/>
+              <a:rPr lang="en-US" sz="2800" dirty="0"/>
               <a:t>Array: 3+ dimensional collection of like elements</a:t>
             </a:r>
           </a:p>
           <a:p>
-            <a:endParaRPr lang="en-US" dirty="0" smtClean="0"/>
-          </a:p>
-          <a:p>
-            <a:r>
-              <a:rPr lang="en-US" dirty="0" smtClean="0"/>
+            <a:endParaRPr lang="en-US" dirty="0"/>
+          </a:p>
+          <a:p>
+            <a:r>
+              <a:rPr lang="en-US" dirty="0"/>
               <a:t>Important kinds of like elements</a:t>
             </a:r>
           </a:p>
           <a:p>
             <a:pPr lvl="1"/>
             <a:r>
-              <a:rPr lang="en-US" dirty="0" err="1" smtClean="0"/>
+              <a:rPr lang="en-US" dirty="0" err="1"/>
               <a:t>Numerics</a:t>
             </a:r>
-            <a:endParaRPr lang="en-US" dirty="0" smtClean="0"/>
+            <a:endParaRPr lang="en-US" dirty="0"/>
           </a:p>
           <a:p>
             <a:pPr lvl="1"/>
             <a:r>
-              <a:rPr lang="en-US" dirty="0" err="1" smtClean="0"/>
+              <a:rPr lang="en-US" dirty="0" err="1"/>
               <a:t>Logicals</a:t>
             </a:r>
-            <a:endParaRPr lang="en-US" dirty="0" smtClean="0"/>
+            <a:endParaRPr lang="en-US" dirty="0"/>
           </a:p>
           <a:p>
             <a:pPr lvl="1"/>
             <a:r>
-              <a:rPr lang="en-US" dirty="0" smtClean="0"/>
+              <a:rPr lang="en-US" dirty="0"/>
               <a:t>Characters</a:t>
             </a:r>
           </a:p>
           <a:p>
             <a:pPr lvl="1"/>
             <a:r>
-              <a:rPr lang="en-US" dirty="0" smtClean="0"/>
+              <a:rPr lang="en-US" dirty="0"/>
               <a:t>Factors (are really a special case of </a:t>
             </a:r>
             <a:r>
-              <a:rPr lang="en-US" dirty="0" err="1" smtClean="0"/>
+              <a:rPr lang="en-US" dirty="0" err="1"/>
               <a:t>numerics</a:t>
             </a:r>
             <a:r>
-              <a:rPr lang="en-US" dirty="0" smtClean="0"/>
+              <a:rPr lang="en-US" dirty="0"/>
               <a:t>)</a:t>
             </a:r>
           </a:p>
@@ -11481,7 +11029,7 @@
   <p:timing>
     <p:tnLst>
       <p:par>
-        <p:cTn xmlns:p14="http://schemas.microsoft.com/office/powerpoint/2010/main" id="1" dur="indefinite" restart="never" nodeType="tmRoot">
+        <p:cTn id="1" dur="indefinite" restart="never" nodeType="tmRoot">
           <p:childTnLst>
             <p:seq concurrent="1" nextAc="seek">
               <p:cTn id="2" dur="indefinite" nodeType="mainSeq">
@@ -11593,10 +11141,9 @@
           <a:lstStyle/>
           <a:p>
             <a:r>
-              <a:rPr lang="en-US" dirty="0" smtClean="0"/>
+              <a:rPr lang="en-US" dirty="0"/>
               <a:t>Names</a:t>
             </a:r>
-            <a:endParaRPr lang="en-US" dirty="0"/>
           </a:p>
         </p:txBody>
       </p:sp>
@@ -11616,7 +11163,7 @@
           <a:lstStyle/>
           <a:p>
             <a:r>
-              <a:rPr lang="en-US" dirty="0" smtClean="0"/>
+              <a:rPr lang="en-US" dirty="0"/>
               <a:t>Can give names to rows and columns in vectors, matrices, and arrays:</a:t>
             </a:r>
           </a:p>
@@ -11628,14 +11175,14 @@
               <a:buNone/>
             </a:pPr>
             <a:r>
-              <a:rPr lang="en-US" sz="2400" dirty="0" err="1" smtClean="0">
+              <a:rPr lang="en-US" sz="2400" dirty="0" err="1">
                 <a:latin typeface="Courier New" pitchFamily="49" charset="0"/>
                 <a:cs typeface="Courier New" pitchFamily="49" charset="0"/>
               </a:rPr>
               <a:t>namedvec</a:t>
             </a:r>
             <a:r>
-              <a:rPr lang="en-US" sz="2400" dirty="0" smtClean="0">
+              <a:rPr lang="en-US" sz="2400" dirty="0">
                 <a:latin typeface="Courier New" pitchFamily="49" charset="0"/>
                 <a:cs typeface="Courier New" pitchFamily="49" charset="0"/>
               </a:rPr>
@@ -11647,7 +11194,7 @@
               <a:buNone/>
             </a:pPr>
             <a:r>
-              <a:rPr lang="en-US" sz="2400" dirty="0" err="1" smtClean="0">
+              <a:rPr lang="en-US" sz="2400" dirty="0" err="1">
                 <a:latin typeface="Courier New" pitchFamily="49" charset="0"/>
                 <a:cs typeface="Courier New" pitchFamily="49" charset="0"/>
               </a:rPr>
@@ -11696,14 +11243,14 @@
           <a:effectLst/>
           <a:extLst>
             <a:ext uri="{909E8E84-426E-40dd-AFC4-6F175D3DCCD1}">
-              <a14:hiddenFill xmlns:a14="http://schemas.microsoft.com/office/drawing/2010/main">
+              <a14:hiddenFill xmlns:a14="http://schemas.microsoft.com/office/drawing/2010/main" xmlns="">
                 <a:solidFill>
                   <a:schemeClr val="accent1"/>
                 </a:solidFill>
               </a14:hiddenFill>
             </a:ext>
             <a:ext uri="{91240B29-F687-4f45-9708-019B960494DF}">
-              <a14:hiddenLine xmlns:a14="http://schemas.microsoft.com/office/drawing/2010/main" w="9525">
+              <a14:hiddenLine xmlns:a14="http://schemas.microsoft.com/office/drawing/2010/main" xmlns="" w="9525">
                 <a:solidFill>
                   <a:schemeClr val="tx1"/>
                 </a:solidFill>
@@ -11713,7 +11260,7 @@
               </a14:hiddenLine>
             </a:ext>
             <a:ext uri="{AF507438-7753-43e0-B8FC-AC1667EBCBE1}">
-              <a14:hiddenEffects xmlns:a14="http://schemas.microsoft.com/office/drawing/2010/main">
+              <a14:hiddenEffects xmlns:a14="http://schemas.microsoft.com/office/drawing/2010/main" xmlns="">
                 <a:effectLst>
                   <a:outerShdw dist="35921" dir="2700000" algn="ctr" rotWithShape="0">
                     <a:schemeClr val="bg2"/>
@@ -11747,10 +11294,9 @@
           <a:lstStyle/>
           <a:p>
             <a:r>
-              <a:rPr lang="en-US" dirty="0" smtClean="0"/>
+              <a:rPr lang="en-US" dirty="0"/>
               <a:t>Vector</a:t>
             </a:r>
-            <a:endParaRPr lang="en-US" dirty="0"/>
           </a:p>
         </p:txBody>
       </p:sp>
@@ -11787,13 +11333,6 @@
   <p:clrMapOvr>
     <a:masterClrMapping/>
   </p:clrMapOvr>
-  <p:timing>
-    <p:tnLst>
-      <p:par>
-        <p:cTn xmlns:p14="http://schemas.microsoft.com/office/powerpoint/2010/main" id="1" dur="indefinite" restart="never" nodeType="tmRoot"/>
-      </p:par>
-    </p:tnLst>
-  </p:timing>
 </p:sld>
 </file>
 
@@ -11830,10 +11369,9 @@
           <a:lstStyle/>
           <a:p>
             <a:r>
-              <a:rPr lang="en-US" dirty="0" smtClean="0"/>
+              <a:rPr lang="en-US" dirty="0"/>
               <a:t>The 3 kinds of indexing</a:t>
             </a:r>
-            <a:endParaRPr lang="en-US" dirty="0"/>
           </a:p>
         </p:txBody>
       </p:sp>
@@ -11855,7 +11393,7 @@
           <a:lstStyle/>
           <a:p>
             <a:r>
-              <a:rPr lang="en-US" dirty="0" smtClean="0"/>
+              <a:rPr lang="en-US" dirty="0"/>
               <a:t>Can index using logical, numeric, or characters</a:t>
             </a:r>
           </a:p>
@@ -11867,14 +11405,14 @@
               <a:buNone/>
             </a:pPr>
             <a:r>
-              <a:rPr lang="en-US" dirty="0" err="1" smtClean="0">
+              <a:rPr lang="en-US" dirty="0" err="1">
                 <a:latin typeface="Courier New" pitchFamily="49" charset="0"/>
                 <a:cs typeface="Courier New" pitchFamily="49" charset="0"/>
               </a:rPr>
               <a:t>namedvec</a:t>
             </a:r>
             <a:r>
-              <a:rPr lang="en-US" dirty="0" smtClean="0">
+              <a:rPr lang="en-US" dirty="0">
                 <a:latin typeface="Courier New" pitchFamily="49" charset="0"/>
                 <a:cs typeface="Courier New" pitchFamily="49" charset="0"/>
               </a:rPr>
@@ -11886,14 +11424,14 @@
               <a:buNone/>
             </a:pPr>
             <a:r>
-              <a:rPr lang="en-US" dirty="0" err="1" smtClean="0">
+              <a:rPr lang="en-US" dirty="0" err="1">
                 <a:latin typeface="Courier New" pitchFamily="49" charset="0"/>
                 <a:cs typeface="Courier New" pitchFamily="49" charset="0"/>
               </a:rPr>
               <a:t>namedvec</a:t>
             </a:r>
             <a:r>
-              <a:rPr lang="en-US" dirty="0" smtClean="0">
+              <a:rPr lang="en-US" dirty="0">
                 <a:latin typeface="Courier New" pitchFamily="49" charset="0"/>
                 <a:cs typeface="Courier New" pitchFamily="49" charset="0"/>
               </a:rPr>
@@ -11905,14 +11443,14 @@
               <a:buNone/>
             </a:pPr>
             <a:r>
-              <a:rPr lang="en-US" dirty="0" err="1" smtClean="0">
+              <a:rPr lang="en-US" dirty="0" err="1">
                 <a:latin typeface="Courier New" pitchFamily="49" charset="0"/>
                 <a:cs typeface="Courier New" pitchFamily="49" charset="0"/>
               </a:rPr>
               <a:t>namedvec</a:t>
             </a:r>
             <a:r>
-              <a:rPr lang="en-US" dirty="0" smtClean="0">
+              <a:rPr lang="en-US" dirty="0">
                 <a:latin typeface="Courier New" pitchFamily="49" charset="0"/>
                 <a:cs typeface="Courier New" pitchFamily="49" charset="0"/>
               </a:rPr>
@@ -11928,17 +11466,10 @@
                 <a:latin typeface="Courier New" pitchFamily="49" charset="0"/>
                 <a:cs typeface="Courier New" pitchFamily="49" charset="0"/>
               </a:rPr>
-              <a:t>n</a:t>
-            </a:r>
-            <a:r>
-              <a:rPr lang="en-US" dirty="0" err="1" smtClean="0">
-                <a:latin typeface="Courier New" pitchFamily="49" charset="0"/>
-                <a:cs typeface="Courier New" pitchFamily="49" charset="0"/>
-              </a:rPr>
-              <a:t>amedvec</a:t>
-            </a:r>
-            <a:r>
-              <a:rPr lang="en-US" dirty="0" smtClean="0">
+              <a:t>namedvec</a:t>
+            </a:r>
+            <a:r>
+              <a:rPr lang="en-US" dirty="0">
                 <a:latin typeface="Courier New" pitchFamily="49" charset="0"/>
                 <a:cs typeface="Courier New" pitchFamily="49" charset="0"/>
               </a:rPr>
@@ -11946,14 +11477,13 @@
             </a:r>
           </a:p>
           <a:p>
-            <a:endParaRPr lang="en-US" dirty="0" smtClean="0"/>
-          </a:p>
-          <a:p>
-            <a:r>
-              <a:rPr lang="en-US" dirty="0" smtClean="0"/>
+            <a:endParaRPr lang="en-US" dirty="0"/>
+          </a:p>
+          <a:p>
+            <a:r>
+              <a:rPr lang="en-US" dirty="0"/>
               <a:t>We'll talk more about this</a:t>
             </a:r>
-            <a:endParaRPr lang="en-US" dirty="0"/>
           </a:p>
         </p:txBody>
       </p:sp>
@@ -11990,13 +11520,6 @@
   <p:clrMapOvr>
     <a:masterClrMapping/>
   </p:clrMapOvr>
-  <p:timing>
-    <p:tnLst>
-      <p:par>
-        <p:cTn xmlns:p14="http://schemas.microsoft.com/office/powerpoint/2010/main" id="1" dur="indefinite" restart="never" nodeType="tmRoot"/>
-      </p:par>
-    </p:tnLst>
-  </p:timing>
 </p:sld>
 </file>
 
@@ -12033,7 +11556,7 @@
           <a:lstStyle/>
           <a:p>
             <a:r>
-              <a:rPr lang="en-US" dirty="0" smtClean="0">
+              <a:rPr lang="en-US" dirty="0">
                 <a:solidFill>
                   <a:srgbClr val="FF0000"/>
                 </a:solidFill>
@@ -12041,10 +11564,9 @@
               <a:t>Pay attention: </a:t>
             </a:r>
             <a:r>
-              <a:rPr lang="en-US" dirty="0" smtClean="0"/>
+              <a:rPr lang="en-US" dirty="0"/>
               <a:t>Coercion</a:t>
             </a:r>
-            <a:endParaRPr lang="en-US" dirty="0"/>
           </a:p>
         </p:txBody>
       </p:sp>
@@ -12071,7 +11593,7 @@
           <a:lstStyle/>
           <a:p>
             <a:r>
-              <a:rPr lang="en-US" dirty="0" smtClean="0"/>
+              <a:rPr lang="en-US" dirty="0"/>
               <a:t>Try this:</a:t>
             </a:r>
           </a:p>
@@ -12080,20 +11602,16 @@
               <a:buNone/>
             </a:pPr>
             <a:r>
-              <a:rPr lang="en-US" dirty="0" smtClean="0">
+              <a:rPr lang="en-US" dirty="0">
                 <a:latin typeface="Courier New" pitchFamily="49" charset="0"/>
                 <a:cs typeface="Courier New" pitchFamily="49" charset="0"/>
               </a:rPr>
               <a:t>c("word", 3)</a:t>
             </a:r>
-            <a:endParaRPr lang="en-US" dirty="0">
-              <a:latin typeface="Courier New" pitchFamily="49" charset="0"/>
-              <a:cs typeface="Courier New" pitchFamily="49" charset="0"/>
-            </a:endParaRPr>
-          </a:p>
-          <a:p>
-            <a:r>
-              <a:rPr lang="en-US" dirty="0" smtClean="0">
+          </a:p>
+          <a:p>
+            <a:r>
+              <a:rPr lang="en-US" dirty="0">
                 <a:cs typeface="Courier New" pitchFamily="49" charset="0"/>
               </a:rPr>
               <a:t>Is the resulting vector numeric or character? </a:t>
@@ -12137,14 +11655,14 @@
           <a:effectLst/>
           <a:extLst>
             <a:ext uri="{909E8E84-426E-40dd-AFC4-6F175D3DCCD1}">
-              <a14:hiddenFill xmlns:a14="http://schemas.microsoft.com/office/drawing/2010/main">
+              <a14:hiddenFill xmlns:a14="http://schemas.microsoft.com/office/drawing/2010/main" xmlns="">
                 <a:solidFill>
                   <a:schemeClr val="accent1"/>
                 </a:solidFill>
               </a14:hiddenFill>
             </a:ext>
             <a:ext uri="{91240B29-F687-4f45-9708-019B960494DF}">
-              <a14:hiddenLine xmlns:a14="http://schemas.microsoft.com/office/drawing/2010/main" w="9525">
+              <a14:hiddenLine xmlns:a14="http://schemas.microsoft.com/office/drawing/2010/main" xmlns="" w="9525">
                 <a:solidFill>
                   <a:schemeClr val="tx1"/>
                 </a:solidFill>
@@ -12154,7 +11672,7 @@
               </a14:hiddenLine>
             </a:ext>
             <a:ext uri="{AF507438-7753-43e0-B8FC-AC1667EBCBE1}">
-              <a14:hiddenEffects xmlns:a14="http://schemas.microsoft.com/office/drawing/2010/main">
+              <a14:hiddenEffects xmlns:a14="http://schemas.microsoft.com/office/drawing/2010/main" xmlns="">
                 <a:effectLst>
                   <a:outerShdw dist="35921" dir="2700000" algn="ctr" rotWithShape="0">
                     <a:schemeClr val="bg2"/>
@@ -12189,7 +11707,7 @@
           <a:p>
             <a:pPr marL="0" lvl="1"/>
             <a:r>
-              <a:rPr lang="en-US" dirty="0" smtClean="0">
+              <a:rPr lang="en-US" dirty="0">
                 <a:cs typeface="Courier New" pitchFamily="49" charset="0"/>
               </a:rPr>
               <a:t>How could you find out?</a:t>
@@ -12197,7 +11715,7 @@
           </a:p>
           <a:p>
             <a:r>
-              <a:rPr lang="en-US" dirty="0" smtClean="0">
+              <a:rPr lang="en-US" dirty="0">
                 <a:latin typeface="Courier New" pitchFamily="49" charset="0"/>
                 <a:cs typeface="Courier New" pitchFamily="49" charset="0"/>
               </a:rPr>
@@ -12245,7 +11763,7 @@
   <p:timing>
     <p:tnLst>
       <p:par>
-        <p:cTn xmlns:p14="http://schemas.microsoft.com/office/powerpoint/2010/main" id="1" dur="indefinite" restart="never" nodeType="tmRoot">
+        <p:cTn id="1" dur="indefinite" restart="never" nodeType="tmRoot">
           <p:childTnLst>
             <p:seq concurrent="1" nextAc="seek">
               <p:cTn id="2" dur="indefinite" nodeType="mainSeq">
@@ -12356,10 +11874,9 @@
           <a:lstStyle/>
           <a:p>
             <a:r>
-              <a:rPr lang="en-US" dirty="0" smtClean="0"/>
+              <a:rPr lang="en-US" dirty="0"/>
               <a:t>Coercion</a:t>
             </a:r>
-            <a:endParaRPr lang="en-US" dirty="0"/>
           </a:p>
         </p:txBody>
       </p:sp>
@@ -12379,38 +11896,37 @@
           <a:lstStyle/>
           <a:p>
             <a:r>
-              <a:rPr lang="en-US" dirty="0" smtClean="0"/>
+              <a:rPr lang="en-US" dirty="0"/>
               <a:t>R automatically coerces all elements in an atomic object (vector, matrix or array) to a single mode:</a:t>
             </a:r>
-            <a:endParaRPr lang="en-US" dirty="0"/>
           </a:p>
           <a:p>
             <a:pPr lvl="1"/>
             <a:r>
-              <a:rPr lang="en-US" dirty="0" smtClean="0"/>
+              <a:rPr lang="en-US" dirty="0"/>
               <a:t>Character if any characters present</a:t>
             </a:r>
           </a:p>
           <a:p>
             <a:pPr lvl="1"/>
             <a:r>
-              <a:rPr lang="en-US" dirty="0" smtClean="0"/>
+              <a:rPr lang="en-US" dirty="0"/>
               <a:t>Numeric if only </a:t>
             </a:r>
             <a:r>
-              <a:rPr lang="en-US" dirty="0" err="1" smtClean="0"/>
+              <a:rPr lang="en-US" dirty="0" err="1"/>
               <a:t>numerics</a:t>
             </a:r>
             <a:r>
-              <a:rPr lang="en-US" dirty="0" smtClean="0"/>
+              <a:rPr lang="en-US" dirty="0"/>
               <a:t> and </a:t>
             </a:r>
             <a:r>
-              <a:rPr lang="en-US" dirty="0" err="1" smtClean="0"/>
+              <a:rPr lang="en-US" dirty="0" err="1"/>
               <a:t>logicals</a:t>
             </a:r>
             <a:r>
-              <a:rPr lang="en-US" dirty="0" smtClean="0"/>
+              <a:rPr lang="en-US" dirty="0"/>
               <a:t> present</a:t>
             </a:r>
           </a:p>
@@ -12422,16 +11938,12 @@
               <a:buNone/>
             </a:pPr>
             <a:r>
-              <a:rPr lang="en-US" sz="2400" dirty="0" smtClean="0">
+              <a:rPr lang="en-US" sz="2400" dirty="0">
                 <a:latin typeface="Courier New" pitchFamily="49" charset="0"/>
                 <a:cs typeface="Courier New" pitchFamily="49" charset="0"/>
               </a:rPr>
               <a:t>c(2.3, FALSE)</a:t>
             </a:r>
-            <a:endParaRPr lang="en-US" sz="2400" dirty="0">
-              <a:latin typeface="Courier New" pitchFamily="49" charset="0"/>
-              <a:cs typeface="Courier New" pitchFamily="49" charset="0"/>
-            </a:endParaRPr>
           </a:p>
         </p:txBody>
       </p:sp>
@@ -12468,13 +11980,6 @@
   <p:clrMapOvr>
     <a:masterClrMapping/>
   </p:clrMapOvr>
-  <p:timing>
-    <p:tnLst>
-      <p:par>
-        <p:cTn xmlns:p14="http://schemas.microsoft.com/office/powerpoint/2010/main" id="1" dur="indefinite" restart="never" nodeType="tmRoot"/>
-      </p:par>
-    </p:tnLst>
-  </p:timing>
 </p:sld>
 </file>
 
@@ -12513,10 +12018,9 @@
           <a:lstStyle/>
           <a:p>
             <a:r>
-              <a:rPr lang="en-US" dirty="0" smtClean="0"/>
+              <a:rPr lang="en-US" dirty="0"/>
               <a:t>Some important Non-Atomic types </a:t>
             </a:r>
-            <a:endParaRPr lang="en-US" dirty="0"/>
           </a:p>
         </p:txBody>
       </p:sp>
@@ -12542,12 +12046,8 @@
           </a:p>
           <a:p>
             <a:r>
-              <a:rPr lang="en-US" dirty="0" smtClean="0"/>
-              <a:t>Data Frame</a:t>
-            </a:r>
-            <a:r>
-              <a:rPr lang="en-US" dirty="0"/>
-              <a:t>: tabular data set (each row a record, each column a like element or variable</a:t>
+              <a:rPr lang="en-US" dirty="0"/>
+              <a:t>Data Frame: tabular data set (each row a record, each column a like element or variable</a:t>
             </a:r>
           </a:p>
           <a:p>
@@ -12591,14 +12091,14 @@
           <a:effectLst/>
           <a:extLst>
             <a:ext uri="{909E8E84-426E-40dd-AFC4-6F175D3DCCD1}">
-              <a14:hiddenFill xmlns:a14="http://schemas.microsoft.com/office/drawing/2010/main">
+              <a14:hiddenFill xmlns:a14="http://schemas.microsoft.com/office/drawing/2010/main" xmlns="">
                 <a:solidFill>
                   <a:schemeClr val="accent1"/>
                 </a:solidFill>
               </a14:hiddenFill>
             </a:ext>
             <a:ext uri="{91240B29-F687-4f45-9708-019B960494DF}">
-              <a14:hiddenLine xmlns:a14="http://schemas.microsoft.com/office/drawing/2010/main" w="9525">
+              <a14:hiddenLine xmlns:a14="http://schemas.microsoft.com/office/drawing/2010/main" xmlns="" w="9525">
                 <a:solidFill>
                   <a:schemeClr val="tx1"/>
                 </a:solidFill>
@@ -12608,7 +12108,7 @@
               </a14:hiddenLine>
             </a:ext>
             <a:ext uri="{AF507438-7753-43e0-B8FC-AC1667EBCBE1}">
-              <a14:hiddenEffects xmlns:a14="http://schemas.microsoft.com/office/drawing/2010/main">
+              <a14:hiddenEffects xmlns:a14="http://schemas.microsoft.com/office/drawing/2010/main" xmlns="">
                 <a:effectLst>
                   <a:outerShdw dist="35921" dir="2700000" algn="ctr" rotWithShape="0">
                     <a:schemeClr val="bg2"/>
@@ -12642,10 +12142,9 @@
           <a:lstStyle/>
           <a:p>
             <a:r>
-              <a:rPr lang="en-US" dirty="0" smtClean="0"/>
+              <a:rPr lang="en-US" dirty="0"/>
               <a:t>Not this kind of non-atomic</a:t>
             </a:r>
-            <a:endParaRPr lang="en-US" dirty="0"/>
           </a:p>
         </p:txBody>
       </p:sp>
@@ -12682,13 +12181,6 @@
   <p:clrMapOvr>
     <a:masterClrMapping/>
   </p:clrMapOvr>
-  <p:timing>
-    <p:tnLst>
-      <p:par>
-        <p:cTn xmlns:p14="http://schemas.microsoft.com/office/powerpoint/2010/main" id="1" dur="indefinite" restart="never" nodeType="tmRoot"/>
-      </p:par>
-    </p:tnLst>
-  </p:timing>
 </p:sld>
 </file>
 
@@ -12725,10 +12217,9 @@
           <a:lstStyle/>
           <a:p>
             <a:r>
-              <a:rPr lang="en-US" dirty="0" smtClean="0"/>
+              <a:rPr lang="en-US" dirty="0"/>
               <a:t>Process</a:t>
             </a:r>
-            <a:endParaRPr lang="en-US" dirty="0"/>
           </a:p>
         </p:txBody>
       </p:sp>
@@ -12760,21 +12251,16 @@
           <a:p>
             <a:r>
               <a:rPr lang="en-US" dirty="0"/>
-              <a:t>Because some people will finish challenges earlier than others, I will often suggest self-test problems to test another aspect of the lecture in case you find yourself waiting.  Self-test questions and answers are </a:t>
-            </a:r>
-            <a:r>
-              <a:rPr lang="en-US" dirty="0" smtClean="0"/>
-              <a:t>on </a:t>
-            </a:r>
-            <a:r>
-              <a:rPr lang="en-US" dirty="0" err="1" smtClean="0"/>
+              <a:t>Because some people will finish challenges earlier than others, I will often suggest self-test problems to test another aspect of the lecture in case you find yourself waiting.  Self-test questions and answers are on </a:t>
+            </a:r>
+            <a:r>
+              <a:rPr lang="en-US" dirty="0" err="1"/>
               <a:t>GitHub</a:t>
             </a:r>
             <a:r>
-              <a:rPr lang="en-US" dirty="0" smtClean="0"/>
+              <a:rPr lang="en-US" dirty="0"/>
               <a:t>.</a:t>
             </a:r>
-            <a:endParaRPr lang="en-US" dirty="0"/>
           </a:p>
           <a:p>
             <a:endParaRPr lang="en-US" dirty="0"/>
@@ -12827,12 +12313,8 @@
           <a:p>
             <a:pPr algn="ctr"/>
             <a:r>
-              <a:rPr lang="en-US" dirty="0" smtClean="0"/>
-              <a:t>Course website: https</a:t>
-            </a:r>
-            <a:r>
-              <a:rPr lang="en-US" dirty="0"/>
-              <a:t>://</a:t>
+              <a:rPr lang="en-US" dirty="0"/>
+              <a:t>Course website: https://</a:t>
             </a:r>
             <a:r>
               <a:rPr lang="en-US" dirty="0" err="1"/>
@@ -12840,7 +12322,7 @@
             </a:r>
             <a:r>
               <a:rPr lang="en-US" dirty="0"/>
-              <a:t>/smooney27/RWorkshopSER2019</a:t>
+              <a:t>/smooney27/RWorkshopSER2020</a:t>
             </a:r>
           </a:p>
         </p:txBody>
@@ -12891,42 +12373,40 @@
           <a:lstStyle/>
           <a:p>
             <a:r>
-              <a:rPr lang="en-US" dirty="0" smtClean="0"/>
+              <a:rPr lang="en-US" dirty="0"/>
               <a:t>Lists</a:t>
             </a:r>
+          </a:p>
+        </p:txBody>
+      </p:sp>
+      <p:sp>
+        <p:nvSpPr>
+          <p:cNvPr id="3" name="Content Placeholder 2"/>
+          <p:cNvSpPr>
+            <a:spLocks noGrp="1"/>
+          </p:cNvSpPr>
+          <p:nvPr>
+            <p:ph idx="1"/>
+          </p:nvPr>
+        </p:nvSpPr>
+        <p:spPr/>
+        <p:txBody>
+          <a:bodyPr/>
+          <a:lstStyle/>
+          <a:p>
+            <a:r>
+              <a:rPr lang="en-US" dirty="0"/>
+              <a:t>One-dimensional, like vectors, but elements need not be the same mode:</a:t>
+            </a:r>
+          </a:p>
+          <a:p>
             <a:endParaRPr lang="en-US" dirty="0"/>
           </a:p>
-        </p:txBody>
-      </p:sp>
-      <p:sp>
-        <p:nvSpPr>
-          <p:cNvPr id="3" name="Content Placeholder 2"/>
-          <p:cNvSpPr>
-            <a:spLocks noGrp="1"/>
-          </p:cNvSpPr>
-          <p:nvPr>
-            <p:ph idx="1"/>
-          </p:nvPr>
-        </p:nvSpPr>
-        <p:spPr/>
-        <p:txBody>
-          <a:bodyPr/>
-          <a:lstStyle/>
-          <a:p>
-            <a:r>
-              <a:rPr lang="en-US" dirty="0" smtClean="0"/>
-              <a:t>One-dimensional, like vectors, but elements need not be the same mode:</a:t>
-            </a:r>
-          </a:p>
-          <a:p>
-            <a:endParaRPr lang="en-US" dirty="0" smtClean="0"/>
-          </a:p>
-          <a:p>
-            <a:r>
-              <a:rPr lang="en-US" dirty="0" smtClean="0"/>
+          <a:p>
+            <a:r>
+              <a:rPr lang="en-US" dirty="0"/>
               <a:t>1 "word" TRUE</a:t>
             </a:r>
-            <a:endParaRPr lang="en-US" dirty="0"/>
           </a:p>
           <a:p>
             <a:endParaRPr lang="en-US" dirty="0"/>
@@ -12936,14 +12416,14 @@
               <a:buNone/>
             </a:pPr>
             <a:r>
-              <a:rPr lang="en-US" sz="2400" dirty="0" err="1" smtClean="0">
+              <a:rPr lang="en-US" sz="2400" dirty="0" err="1">
                 <a:latin typeface="Courier New" pitchFamily="49" charset="0"/>
                 <a:cs typeface="Courier New" pitchFamily="49" charset="0"/>
               </a:rPr>
               <a:t>mylist</a:t>
             </a:r>
             <a:r>
-              <a:rPr lang="en-US" sz="2400" dirty="0" smtClean="0">
+              <a:rPr lang="en-US" sz="2400" dirty="0">
                 <a:latin typeface="Courier New" pitchFamily="49" charset="0"/>
                 <a:cs typeface="Courier New" pitchFamily="49" charset="0"/>
               </a:rPr>
@@ -12955,7 +12435,7 @@
               <a:buNone/>
             </a:pPr>
             <a:r>
-              <a:rPr lang="en-US" sz="2400" dirty="0" err="1" smtClean="0">
+              <a:rPr lang="en-US" sz="2400" dirty="0" err="1">
                 <a:latin typeface="Courier New" pitchFamily="49" charset="0"/>
                 <a:cs typeface="Courier New" pitchFamily="49" charset="0"/>
               </a:rPr>
@@ -13001,13 +12481,6 @@
   <p:clrMapOvr>
     <a:masterClrMapping/>
   </p:clrMapOvr>
-  <p:timing>
-    <p:tnLst>
-      <p:par>
-        <p:cTn xmlns:p14="http://schemas.microsoft.com/office/powerpoint/2010/main" id="1" dur="indefinite" restart="never" nodeType="tmRoot"/>
-      </p:par>
-    </p:tnLst>
-  </p:timing>
 </p:sld>
 </file>
 
@@ -13044,49 +12517,48 @@
           <a:lstStyle/>
           <a:p>
             <a:r>
-              <a:rPr lang="en-US" dirty="0" smtClean="0"/>
+              <a:rPr lang="en-US" dirty="0"/>
               <a:t>Lists as Recursive Types</a:t>
             </a:r>
+          </a:p>
+        </p:txBody>
+      </p:sp>
+      <p:sp>
+        <p:nvSpPr>
+          <p:cNvPr id="3" name="Content Placeholder 2"/>
+          <p:cNvSpPr>
+            <a:spLocks noGrp="1"/>
+          </p:cNvSpPr>
+          <p:nvPr>
+            <p:ph idx="1"/>
+          </p:nvPr>
+        </p:nvSpPr>
+        <p:spPr/>
+        <p:txBody>
+          <a:bodyPr/>
+          <a:lstStyle/>
+          <a:p>
+            <a:r>
+              <a:rPr lang="en-US" dirty="0"/>
+              <a:t>Because elements need not be the same mode, they need not be atomic:</a:t>
+            </a:r>
+          </a:p>
+          <a:p>
             <a:endParaRPr lang="en-US" dirty="0"/>
-          </a:p>
-        </p:txBody>
-      </p:sp>
-      <p:sp>
-        <p:nvSpPr>
-          <p:cNvPr id="3" name="Content Placeholder 2"/>
-          <p:cNvSpPr>
-            <a:spLocks noGrp="1"/>
-          </p:cNvSpPr>
-          <p:nvPr>
-            <p:ph idx="1"/>
-          </p:nvPr>
-        </p:nvSpPr>
-        <p:spPr/>
-        <p:txBody>
-          <a:bodyPr/>
-          <a:lstStyle/>
-          <a:p>
-            <a:r>
-              <a:rPr lang="en-US" dirty="0" smtClean="0"/>
-              <a:t>Because elements need not be the same mode, they need not be atomic:</a:t>
-            </a:r>
-          </a:p>
-          <a:p>
-            <a:endParaRPr lang="en-US" dirty="0" smtClean="0"/>
           </a:p>
           <a:p>
             <a:pPr marL="0" indent="0">
               <a:buNone/>
             </a:pPr>
             <a:r>
-              <a:rPr lang="en-US" sz="2400" dirty="0" err="1" smtClean="0">
+              <a:rPr lang="en-US" sz="2400" dirty="0" err="1">
                 <a:latin typeface="Courier New" pitchFamily="49" charset="0"/>
                 <a:cs typeface="Courier New" pitchFamily="49" charset="0"/>
               </a:rPr>
               <a:t>mylist</a:t>
             </a:r>
             <a:r>
-              <a:rPr lang="en-US" sz="2400" dirty="0" smtClean="0">
+              <a:rPr lang="en-US" sz="2400" dirty="0">
                 <a:latin typeface="Courier New" pitchFamily="49" charset="0"/>
                 <a:cs typeface="Courier New" pitchFamily="49" charset="0"/>
               </a:rPr>
@@ -13102,14 +12574,7 @@
                 <a:latin typeface="Courier New" pitchFamily="49" charset="0"/>
                 <a:cs typeface="Courier New" pitchFamily="49" charset="0"/>
               </a:rPr>
-              <a:t>	</a:t>
-            </a:r>
-            <a:r>
-              <a:rPr lang="en-US" sz="2400" dirty="0" smtClean="0">
-                <a:latin typeface="Courier New" pitchFamily="49" charset="0"/>
-                <a:cs typeface="Courier New" pitchFamily="49" charset="0"/>
-              </a:rPr>
-              <a:t>		c("word 1", "word 2"), </a:t>
+              <a:t>			c("word 1", "word 2"), </a:t>
             </a:r>
           </a:p>
           <a:p>
@@ -13121,14 +12586,7 @@
                 <a:latin typeface="Courier New" pitchFamily="49" charset="0"/>
                 <a:cs typeface="Courier New" pitchFamily="49" charset="0"/>
               </a:rPr>
-              <a:t>	</a:t>
-            </a:r>
-            <a:r>
-              <a:rPr lang="en-US" sz="2400" dirty="0" smtClean="0">
-                <a:latin typeface="Courier New" pitchFamily="49" charset="0"/>
-                <a:cs typeface="Courier New" pitchFamily="49" charset="0"/>
-              </a:rPr>
-              <a:t>		TRUE)</a:t>
+              <a:t>			TRUE)</a:t>
             </a:r>
           </a:p>
           <a:p>
@@ -13169,13 +12627,6 @@
   <p:clrMapOvr>
     <a:masterClrMapping/>
   </p:clrMapOvr>
-  <p:timing>
-    <p:tnLst>
-      <p:par>
-        <p:cTn xmlns:p14="http://schemas.microsoft.com/office/powerpoint/2010/main" id="1" dur="indefinite" restart="never" nodeType="tmRoot"/>
-      </p:par>
-    </p:tnLst>
-  </p:timing>
 </p:sld>
 </file>
 
@@ -13212,10 +12663,9 @@
           <a:lstStyle/>
           <a:p>
             <a:r>
-              <a:rPr lang="en-US" dirty="0" smtClean="0"/>
+              <a:rPr lang="en-US" dirty="0"/>
               <a:t>List vs. Vector</a:t>
             </a:r>
-            <a:endParaRPr lang="en-US" dirty="0"/>
           </a:p>
         </p:txBody>
       </p:sp>
@@ -13242,52 +12692,52 @@
           <a:lstStyle/>
           <a:p>
             <a:r>
-              <a:rPr lang="en-US" dirty="0" smtClean="0"/>
+              <a:rPr lang="en-US" dirty="0"/>
               <a:t>Lists are for keeping a bunch of stuff together in the same object.  </a:t>
             </a:r>
           </a:p>
           <a:p>
             <a:pPr lvl="1"/>
             <a:r>
-              <a:rPr lang="en-US" dirty="0" smtClean="0"/>
+              <a:rPr lang="en-US" dirty="0"/>
               <a:t>For example, results of a chi-square test, where you want data and meta-data:</a:t>
             </a:r>
           </a:p>
           <a:p>
             <a:pPr lvl="2"/>
             <a:r>
-              <a:rPr lang="en-US" dirty="0" smtClean="0"/>
+              <a:rPr lang="en-US" dirty="0"/>
               <a:t>Chi-square score</a:t>
             </a:r>
           </a:p>
           <a:p>
             <a:pPr lvl="2"/>
             <a:r>
-              <a:rPr lang="en-US" dirty="0" smtClean="0"/>
+              <a:rPr lang="en-US" dirty="0"/>
               <a:t>P-value</a:t>
             </a:r>
           </a:p>
           <a:p>
             <a:pPr lvl="2"/>
             <a:r>
-              <a:rPr lang="en-US" dirty="0" smtClean="0"/>
+              <a:rPr lang="en-US" dirty="0"/>
               <a:t>Degrees of freedom</a:t>
             </a:r>
           </a:p>
           <a:p>
             <a:pPr lvl="2"/>
             <a:r>
-              <a:rPr lang="en-US" dirty="0" smtClean="0"/>
+              <a:rPr lang="en-US" dirty="0"/>
               <a:t>Etc.</a:t>
             </a:r>
           </a:p>
           <a:p>
             <a:pPr lvl="1"/>
-            <a:endParaRPr lang="en-US" dirty="0" smtClean="0"/>
-          </a:p>
-          <a:p>
-            <a:r>
-              <a:rPr lang="en-US" dirty="0" smtClean="0"/>
+            <a:endParaRPr lang="en-US" dirty="0"/>
+          </a:p>
+          <a:p>
+            <a:r>
+              <a:rPr lang="en-US" dirty="0"/>
               <a:t>Vectors are for raw data, where you may want some operation across the whole thing</a:t>
             </a:r>
           </a:p>
@@ -13333,14 +12783,14 @@
           <a:effectLst/>
           <a:extLst>
             <a:ext uri="{909E8E84-426E-40dd-AFC4-6F175D3DCCD1}">
-              <a14:hiddenFill xmlns:a14="http://schemas.microsoft.com/office/drawing/2010/main">
+              <a14:hiddenFill xmlns:a14="http://schemas.microsoft.com/office/drawing/2010/main" xmlns="">
                 <a:solidFill>
                   <a:schemeClr val="accent1"/>
                 </a:solidFill>
               </a14:hiddenFill>
             </a:ext>
             <a:ext uri="{91240B29-F687-4f45-9708-019B960494DF}">
-              <a14:hiddenLine xmlns:a14="http://schemas.microsoft.com/office/drawing/2010/main" w="9525">
+              <a14:hiddenLine xmlns:a14="http://schemas.microsoft.com/office/drawing/2010/main" xmlns="" w="9525">
                 <a:solidFill>
                   <a:schemeClr val="tx1"/>
                 </a:solidFill>
@@ -13350,7 +12800,7 @@
               </a14:hiddenLine>
             </a:ext>
             <a:ext uri="{AF507438-7753-43e0-B8FC-AC1667EBCBE1}">
-              <a14:hiddenEffects xmlns:a14="http://schemas.microsoft.com/office/drawing/2010/main">
+              <a14:hiddenEffects xmlns:a14="http://schemas.microsoft.com/office/drawing/2010/main" xmlns="">
                 <a:effectLst>
                   <a:outerShdw dist="35921" dir="2700000" algn="ctr" rotWithShape="0">
                     <a:schemeClr val="bg2"/>
@@ -13384,10 +12834,9 @@
           <a:lstStyle/>
           <a:p>
             <a:r>
-              <a:rPr lang="en-US" dirty="0" smtClean="0"/>
+              <a:rPr lang="en-US" dirty="0"/>
               <a:t>List</a:t>
             </a:r>
-            <a:endParaRPr lang="en-US" dirty="0"/>
           </a:p>
         </p:txBody>
       </p:sp>
@@ -13414,10 +12863,9 @@
           <a:lstStyle/>
           <a:p>
             <a:r>
-              <a:rPr lang="en-US" dirty="0" smtClean="0"/>
+              <a:rPr lang="en-US" dirty="0"/>
               <a:t>Vector</a:t>
             </a:r>
-            <a:endParaRPr lang="en-US" dirty="0"/>
           </a:p>
         </p:txBody>
       </p:sp>
@@ -13454,13 +12902,6 @@
   <p:clrMapOvr>
     <a:masterClrMapping/>
   </p:clrMapOvr>
-  <p:timing>
-    <p:tnLst>
-      <p:par>
-        <p:cTn xmlns:p14="http://schemas.microsoft.com/office/powerpoint/2010/main" id="1" dur="indefinite" restart="never" nodeType="tmRoot"/>
-      </p:par>
-    </p:tnLst>
-  </p:timing>
 </p:sld>
 </file>
 
@@ -13497,10 +12938,9 @@
           <a:lstStyle/>
           <a:p>
             <a:r>
-              <a:rPr lang="en-US" dirty="0" smtClean="0"/>
+              <a:rPr lang="en-US" dirty="0"/>
               <a:t>List vs. Vector in action</a:t>
             </a:r>
-            <a:endParaRPr lang="en-US" dirty="0"/>
           </a:p>
         </p:txBody>
       </p:sp>
@@ -13525,14 +12965,14 @@
               <a:buNone/>
             </a:pPr>
             <a:r>
-              <a:rPr lang="en-US" sz="2800" dirty="0" err="1" smtClean="0">
+              <a:rPr lang="en-US" sz="2800" dirty="0" err="1">
                 <a:latin typeface="Courier New" pitchFamily="49" charset="0"/>
                 <a:cs typeface="Courier New" pitchFamily="49" charset="0"/>
               </a:rPr>
               <a:t>myvec</a:t>
             </a:r>
             <a:r>
-              <a:rPr lang="en-US" sz="2800" dirty="0" smtClean="0">
+              <a:rPr lang="en-US" sz="2800" dirty="0">
                 <a:latin typeface="Courier New" pitchFamily="49" charset="0"/>
                 <a:cs typeface="Courier New" pitchFamily="49" charset="0"/>
               </a:rPr>
@@ -13544,21 +12984,21 @@
               <a:buNone/>
             </a:pPr>
             <a:r>
-              <a:rPr lang="en-US" sz="2800" dirty="0" smtClean="0">
+              <a:rPr lang="en-US" sz="2800" dirty="0">
                 <a:latin typeface="Courier New" pitchFamily="49" charset="0"/>
                 <a:cs typeface="Courier New" pitchFamily="49" charset="0"/>
               </a:rPr>
               <a:t>mean(</a:t>
             </a:r>
             <a:r>
-              <a:rPr lang="en-US" sz="2800" dirty="0" err="1" smtClean="0">
+              <a:rPr lang="en-US" sz="2800" dirty="0" err="1">
                 <a:latin typeface="Courier New" pitchFamily="49" charset="0"/>
                 <a:cs typeface="Courier New" pitchFamily="49" charset="0"/>
               </a:rPr>
               <a:t>myvec</a:t>
             </a:r>
             <a:r>
-              <a:rPr lang="en-US" sz="2800" dirty="0" smtClean="0">
+              <a:rPr lang="en-US" sz="2800" dirty="0">
                 <a:latin typeface="Courier New" pitchFamily="49" charset="0"/>
                 <a:cs typeface="Courier New" pitchFamily="49" charset="0"/>
               </a:rPr>
@@ -13579,14 +13019,14 @@
               <a:buNone/>
             </a:pPr>
             <a:r>
-              <a:rPr lang="en-US" sz="2800" dirty="0" err="1" smtClean="0">
+              <a:rPr lang="en-US" sz="2800" dirty="0" err="1">
                 <a:latin typeface="Courier New" pitchFamily="49" charset="0"/>
                 <a:cs typeface="Courier New" pitchFamily="49" charset="0"/>
               </a:rPr>
               <a:t>mylist</a:t>
             </a:r>
             <a:r>
-              <a:rPr lang="en-US" sz="2800" dirty="0" smtClean="0">
+              <a:rPr lang="en-US" sz="2800" dirty="0">
                 <a:latin typeface="Courier New" pitchFamily="49" charset="0"/>
                 <a:cs typeface="Courier New" pitchFamily="49" charset="0"/>
               </a:rPr>
@@ -13598,21 +13038,21 @@
               <a:buNone/>
             </a:pPr>
             <a:r>
-              <a:rPr lang="en-US" sz="2800" dirty="0" smtClean="0">
+              <a:rPr lang="en-US" sz="2800" dirty="0">
                 <a:latin typeface="Courier New" pitchFamily="49" charset="0"/>
                 <a:cs typeface="Courier New" pitchFamily="49" charset="0"/>
               </a:rPr>
               <a:t>mean(</a:t>
             </a:r>
             <a:r>
-              <a:rPr lang="en-US" sz="2800" dirty="0" err="1" smtClean="0">
+              <a:rPr lang="en-US" sz="2800" dirty="0" err="1">
                 <a:latin typeface="Courier New" pitchFamily="49" charset="0"/>
                 <a:cs typeface="Courier New" pitchFamily="49" charset="0"/>
               </a:rPr>
               <a:t>mylist</a:t>
             </a:r>
             <a:r>
-              <a:rPr lang="en-US" sz="2800" dirty="0" smtClean="0">
+              <a:rPr lang="en-US" sz="2800" dirty="0">
                 <a:latin typeface="Courier New" pitchFamily="49" charset="0"/>
                 <a:cs typeface="Courier New" pitchFamily="49" charset="0"/>
               </a:rPr>
@@ -13633,7 +13073,7 @@
               <a:buNone/>
             </a:pPr>
             <a:r>
-              <a:rPr lang="en-US" sz="2800" dirty="0" smtClean="0">
+              <a:rPr lang="en-US" sz="2800" dirty="0">
                 <a:latin typeface="Courier New" pitchFamily="49" charset="0"/>
                 <a:cs typeface="Courier New" pitchFamily="49" charset="0"/>
               </a:rPr>
@@ -13645,7 +13085,7 @@
               <a:buNone/>
             </a:pPr>
             <a:r>
-              <a:rPr lang="en-US" sz="2800" dirty="0" smtClean="0">
+              <a:rPr lang="en-US" sz="2800" dirty="0">
                 <a:latin typeface="Courier New" pitchFamily="49" charset="0"/>
                 <a:cs typeface="Courier New" pitchFamily="49" charset="0"/>
               </a:rPr>
@@ -13656,7 +13096,7 @@
             <a:pPr marL="0" indent="0">
               <a:buNone/>
             </a:pPr>
-            <a:endParaRPr lang="en-US" dirty="0" smtClean="0"/>
+            <a:endParaRPr lang="en-US" dirty="0"/>
           </a:p>
           <a:p>
             <a:pPr marL="0" indent="0">
@@ -13699,13 +13139,6 @@
   <p:clrMapOvr>
     <a:masterClrMapping/>
   </p:clrMapOvr>
-  <p:timing>
-    <p:tnLst>
-      <p:par>
-        <p:cTn xmlns:p14="http://schemas.microsoft.com/office/powerpoint/2010/main" id="1" dur="indefinite" restart="never" nodeType="tmRoot"/>
-      </p:par>
-    </p:tnLst>
-  </p:timing>
 </p:sld>
 </file>
 
@@ -13742,10 +13175,9 @@
           <a:lstStyle/>
           <a:p>
             <a:r>
-              <a:rPr lang="en-US" dirty="0" smtClean="0"/>
+              <a:rPr lang="en-US" dirty="0"/>
               <a:t>Indexing a list</a:t>
             </a:r>
-            <a:endParaRPr lang="en-US" dirty="0"/>
           </a:p>
         </p:txBody>
       </p:sp>
@@ -13767,16 +13199,15 @@
           <a:lstStyle/>
           <a:p>
             <a:r>
-              <a:rPr lang="en-US" sz="3300" dirty="0" smtClean="0"/>
+              <a:rPr lang="en-US" sz="3300" dirty="0"/>
               <a:t>Index a list using double square brackets: [[</a:t>
             </a:r>
-            <a:endParaRPr lang="en-US" sz="3300" dirty="0"/>
           </a:p>
           <a:p>
             <a:pPr marL="0" indent="0">
               <a:buNone/>
             </a:pPr>
-            <a:endParaRPr lang="en-US" sz="2800" dirty="0" smtClean="0">
+            <a:endParaRPr lang="en-US" sz="2800" dirty="0">
               <a:latin typeface="Courier New" pitchFamily="49" charset="0"/>
               <a:cs typeface="Courier New" pitchFamily="49" charset="0"/>
             </a:endParaRPr>
@@ -13786,37 +13217,19 @@
               <a:buNone/>
             </a:pPr>
             <a:r>
-              <a:rPr lang="en-US" sz="2800" dirty="0" err="1" smtClean="0">
+              <a:rPr lang="en-US" sz="2800" dirty="0" err="1">
                 <a:latin typeface="Courier New" pitchFamily="49" charset="0"/>
                 <a:cs typeface="Courier New" pitchFamily="49" charset="0"/>
               </a:rPr>
               <a:t>mylist</a:t>
             </a:r>
             <a:r>
-              <a:rPr lang="en-US" sz="2800" dirty="0" smtClean="0">
-                <a:latin typeface="Courier New" pitchFamily="49" charset="0"/>
-                <a:cs typeface="Courier New" pitchFamily="49" charset="0"/>
-              </a:rPr>
-              <a:t> </a:t>
-            </a:r>
-            <a:r>
               <a:rPr lang="en-US" sz="2800" dirty="0">
                 <a:latin typeface="Courier New" pitchFamily="49" charset="0"/>
                 <a:cs typeface="Courier New" pitchFamily="49" charset="0"/>
               </a:rPr>
-              <a:t>&lt;- list(2, 3, </a:t>
-            </a:r>
-            <a:r>
-              <a:rPr lang="en-US" sz="2800" dirty="0" smtClean="0">
-                <a:latin typeface="Courier New" pitchFamily="49" charset="0"/>
-                <a:cs typeface="Courier New" pitchFamily="49" charset="0"/>
-              </a:rPr>
-              <a:t>c(2, 4))</a:t>
-            </a:r>
-            <a:endParaRPr lang="en-US" sz="2800" dirty="0">
-              <a:latin typeface="Courier New" pitchFamily="49" charset="0"/>
-              <a:cs typeface="Courier New" pitchFamily="49" charset="0"/>
-            </a:endParaRPr>
+              <a:t> &lt;- list(2, 3, c(2, 4))</a:t>
+            </a:r>
           </a:p>
           <a:p>
             <a:pPr marL="0" indent="0">
@@ -13827,17 +13240,10 @@
                 <a:latin typeface="Courier New" pitchFamily="49" charset="0"/>
                 <a:cs typeface="Courier New" pitchFamily="49" charset="0"/>
               </a:rPr>
-              <a:t>m</a:t>
-            </a:r>
-            <a:r>
-              <a:rPr lang="en-US" sz="2800" dirty="0" err="1" smtClean="0">
-                <a:latin typeface="Courier New" pitchFamily="49" charset="0"/>
-                <a:cs typeface="Courier New" pitchFamily="49" charset="0"/>
-              </a:rPr>
-              <a:t>ylist</a:t>
-            </a:r>
-            <a:r>
-              <a:rPr lang="en-US" sz="2800" dirty="0" smtClean="0">
+              <a:t>mylist</a:t>
+            </a:r>
+            <a:r>
+              <a:rPr lang="en-US" sz="2800" dirty="0">
                 <a:latin typeface="Courier New" pitchFamily="49" charset="0"/>
                 <a:cs typeface="Courier New" pitchFamily="49" charset="0"/>
               </a:rPr>
@@ -13849,20 +13255,20 @@
               <a:buNone/>
             </a:pPr>
             <a:r>
-              <a:rPr lang="en-US" sz="2800" dirty="0" err="1" smtClean="0">
+              <a:rPr lang="en-US" sz="2800" dirty="0" err="1">
                 <a:latin typeface="Courier New" pitchFamily="49" charset="0"/>
                 <a:cs typeface="Courier New" pitchFamily="49" charset="0"/>
               </a:rPr>
               <a:t>mylist</a:t>
             </a:r>
             <a:r>
-              <a:rPr lang="en-US" sz="2800" smtClean="0">
+              <a:rPr lang="en-US" sz="2800">
                 <a:latin typeface="Courier New" pitchFamily="49" charset="0"/>
                 <a:cs typeface="Courier New" pitchFamily="49" charset="0"/>
               </a:rPr>
               <a:t>[[3]]</a:t>
             </a:r>
-            <a:endParaRPr lang="en-US" sz="2800" dirty="0" smtClean="0">
+            <a:endParaRPr lang="en-US" sz="2800" dirty="0">
               <a:latin typeface="Courier New" pitchFamily="49" charset="0"/>
               <a:cs typeface="Courier New" pitchFamily="49" charset="0"/>
             </a:endParaRPr>
@@ -13878,7 +13284,7 @@
           </a:p>
           <a:p>
             <a:r>
-              <a:rPr lang="en-US" sz="3300" dirty="0" smtClean="0"/>
+              <a:rPr lang="en-US" sz="3300" dirty="0"/>
               <a:t>May want to index result of indexing:</a:t>
             </a:r>
           </a:p>
@@ -13886,7 +13292,7 @@
             <a:pPr marL="0" indent="0">
               <a:buNone/>
             </a:pPr>
-            <a:endParaRPr lang="en-US" dirty="0" smtClean="0">
+            <a:endParaRPr lang="en-US" dirty="0">
               <a:latin typeface="Courier New" pitchFamily="49" charset="0"/>
               <a:cs typeface="Courier New" pitchFamily="49" charset="0"/>
             </a:endParaRPr>
@@ -13896,14 +13302,14 @@
               <a:buNone/>
             </a:pPr>
             <a:r>
-              <a:rPr lang="en-US" sz="2800" dirty="0" err="1" smtClean="0">
+              <a:rPr lang="en-US" sz="2800" dirty="0" err="1">
                 <a:latin typeface="Courier New" pitchFamily="49" charset="0"/>
                 <a:cs typeface="Courier New" pitchFamily="49" charset="0"/>
               </a:rPr>
               <a:t>mylist</a:t>
             </a:r>
             <a:r>
-              <a:rPr lang="en-US" sz="2800" dirty="0" smtClean="0">
+              <a:rPr lang="en-US" sz="2800" dirty="0">
                 <a:latin typeface="Courier New" pitchFamily="49" charset="0"/>
                 <a:cs typeface="Courier New" pitchFamily="49" charset="0"/>
               </a:rPr>
@@ -13914,7 +13320,7 @@
             <a:pPr marL="0" indent="0">
               <a:buNone/>
             </a:pPr>
-            <a:endParaRPr lang="en-US" dirty="0" smtClean="0">
+            <a:endParaRPr lang="en-US" dirty="0">
               <a:latin typeface="Courier New" pitchFamily="49" charset="0"/>
               <a:cs typeface="Courier New" pitchFamily="49" charset="0"/>
             </a:endParaRPr>
@@ -13954,13 +13360,6 @@
   <p:clrMapOvr>
     <a:masterClrMapping/>
   </p:clrMapOvr>
-  <p:timing>
-    <p:tnLst>
-      <p:par>
-        <p:cTn xmlns:p14="http://schemas.microsoft.com/office/powerpoint/2010/main" id="1" dur="indefinite" restart="never" nodeType="tmRoot"/>
-      </p:par>
-    </p:tnLst>
-  </p:timing>
 </p:sld>
 </file>
 
@@ -13999,10 +13398,9 @@
           <a:lstStyle/>
           <a:p>
             <a:r>
-              <a:rPr lang="en-US" dirty="0" smtClean="0"/>
+              <a:rPr lang="en-US" dirty="0"/>
               <a:t>Named lists</a:t>
             </a:r>
-            <a:endParaRPr lang="en-US" dirty="0"/>
           </a:p>
         </p:txBody>
       </p:sp>
@@ -14024,33 +13422,33 @@
           <a:lstStyle/>
           <a:p>
             <a:r>
-              <a:rPr lang="en-US" dirty="0" smtClean="0"/>
+              <a:rPr lang="en-US" dirty="0"/>
               <a:t>It's often easier to track what’s in a list by name than by number:</a:t>
             </a:r>
           </a:p>
           <a:p>
-            <a:endParaRPr lang="en-US" dirty="0" smtClean="0"/>
+            <a:endParaRPr lang="en-US" dirty="0"/>
           </a:p>
           <a:p>
             <a:pPr marL="0" indent="0">
               <a:buNone/>
             </a:pPr>
             <a:r>
-              <a:rPr lang="en-US" sz="2400" dirty="0" smtClean="0">
+              <a:rPr lang="en-US" sz="2400" dirty="0">
                 <a:latin typeface="Courier New" pitchFamily="49" charset="0"/>
                 <a:cs typeface="Courier New" pitchFamily="49" charset="0"/>
               </a:rPr>
               <a:t>results &lt;- list(</a:t>
             </a:r>
             <a:r>
-              <a:rPr lang="en-US" sz="2400" dirty="0" err="1" smtClean="0">
+              <a:rPr lang="en-US" sz="2400" dirty="0" err="1">
                 <a:latin typeface="Courier New" pitchFamily="49" charset="0"/>
                 <a:cs typeface="Courier New" pitchFamily="49" charset="0"/>
               </a:rPr>
               <a:t>pval</a:t>
             </a:r>
             <a:r>
-              <a:rPr lang="en-US" sz="2400" dirty="0" smtClean="0">
+              <a:rPr lang="en-US" sz="2400" dirty="0">
                 <a:latin typeface="Courier New" pitchFamily="49" charset="0"/>
                 <a:cs typeface="Courier New" pitchFamily="49" charset="0"/>
               </a:rPr>
@@ -14066,14 +13464,7 @@
                 <a:latin typeface="Courier New" pitchFamily="49" charset="0"/>
                 <a:cs typeface="Courier New" pitchFamily="49" charset="0"/>
               </a:rPr>
-              <a:t>	</a:t>
-            </a:r>
-            <a:r>
-              <a:rPr lang="en-US" sz="2400" dirty="0" smtClean="0">
-                <a:latin typeface="Courier New" pitchFamily="49" charset="0"/>
-                <a:cs typeface="Courier New" pitchFamily="49" charset="0"/>
-              </a:rPr>
-              <a:t>		test="fisher exact test", </a:t>
+              <a:t>			test="fisher exact test", </a:t>
             </a:r>
           </a:p>
           <a:p>
@@ -14085,24 +13476,17 @@
                 <a:latin typeface="Courier New" pitchFamily="49" charset="0"/>
                 <a:cs typeface="Courier New" pitchFamily="49" charset="0"/>
               </a:rPr>
-              <a:t>	</a:t>
-            </a:r>
-            <a:r>
-              <a:rPr lang="en-US" sz="2400" dirty="0" smtClean="0">
-                <a:latin typeface="Courier New" pitchFamily="49" charset="0"/>
-                <a:cs typeface="Courier New" pitchFamily="49" charset="0"/>
-              </a:rPr>
-              <a:t>		</a:t>
-            </a:r>
-            <a:r>
-              <a:rPr lang="en-US" sz="2400" dirty="0" err="1" smtClean="0">
+              <a:t>			</a:t>
+            </a:r>
+            <a:r>
+              <a:rPr lang="en-US" sz="2400" dirty="0" err="1">
                 <a:latin typeface="Courier New" pitchFamily="49" charset="0"/>
                 <a:cs typeface="Courier New" pitchFamily="49" charset="0"/>
               </a:rPr>
               <a:t>df</a:t>
             </a:r>
             <a:r>
-              <a:rPr lang="en-US" sz="2400" dirty="0" smtClean="0">
+              <a:rPr lang="en-US" sz="2400" dirty="0">
                 <a:latin typeface="Courier New" pitchFamily="49" charset="0"/>
                 <a:cs typeface="Courier New" pitchFamily="49" charset="0"/>
               </a:rPr>
@@ -14114,7 +13498,7 @@
               <a:buNone/>
             </a:pPr>
             <a:r>
-              <a:rPr lang="en-US" sz="2400" dirty="0" smtClean="0">
+              <a:rPr lang="en-US" sz="2400" dirty="0">
                 <a:latin typeface="Courier New" pitchFamily="49" charset="0"/>
                 <a:cs typeface="Courier New" pitchFamily="49" charset="0"/>
               </a:rPr>
@@ -14126,21 +13510,21 @@
               <a:buNone/>
             </a:pPr>
             <a:r>
-              <a:rPr lang="en-US" sz="2400" dirty="0" smtClean="0">
+              <a:rPr lang="en-US" sz="2400" dirty="0">
                 <a:latin typeface="Courier New" pitchFamily="49" charset="0"/>
                 <a:cs typeface="Courier New" pitchFamily="49" charset="0"/>
               </a:rPr>
               <a:t>results[['</a:t>
             </a:r>
             <a:r>
-              <a:rPr lang="en-US" sz="2400" dirty="0" err="1" smtClean="0">
+              <a:rPr lang="en-US" sz="2400" dirty="0" err="1">
                 <a:latin typeface="Courier New" pitchFamily="49" charset="0"/>
                 <a:cs typeface="Courier New" pitchFamily="49" charset="0"/>
               </a:rPr>
               <a:t>pval</a:t>
             </a:r>
             <a:r>
-              <a:rPr lang="en-US" sz="2400" dirty="0" smtClean="0">
+              <a:rPr lang="en-US" sz="2400" dirty="0">
                 <a:latin typeface="Courier New" pitchFamily="49" charset="0"/>
                 <a:cs typeface="Courier New" pitchFamily="49" charset="0"/>
               </a:rPr>
@@ -14151,27 +13535,24 @@
             <a:pPr marL="0" indent="0">
               <a:buNone/>
             </a:pPr>
-            <a:endParaRPr lang="en-US" sz="2400" dirty="0" smtClean="0">
+            <a:endParaRPr lang="en-US" sz="2400" dirty="0">
               <a:latin typeface="Courier New" pitchFamily="49" charset="0"/>
               <a:cs typeface="Courier New" pitchFamily="49" charset="0"/>
             </a:endParaRPr>
           </a:p>
           <a:p>
             <a:r>
-              <a:rPr lang="en-US" sz="3000" dirty="0" smtClean="0">
+              <a:rPr lang="en-US" sz="3000" dirty="0">
                 <a:cs typeface="Courier New" pitchFamily="49" charset="0"/>
               </a:rPr>
               <a:t>As a result, there's a special way of indexing a list entry by name: $</a:t>
             </a:r>
-            <a:endParaRPr lang="en-US" sz="3000" dirty="0">
-              <a:cs typeface="Courier New" pitchFamily="49" charset="0"/>
-            </a:endParaRPr>
           </a:p>
           <a:p>
             <a:pPr marL="0" indent="0">
               <a:buNone/>
             </a:pPr>
-            <a:endParaRPr lang="en-US" sz="2400" dirty="0" smtClean="0">
+            <a:endParaRPr lang="en-US" sz="2400" dirty="0">
               <a:latin typeface="Courier New" pitchFamily="49" charset="0"/>
               <a:cs typeface="Courier New" pitchFamily="49" charset="0"/>
             </a:endParaRPr>
@@ -14181,13 +13562,13 @@
               <a:buNone/>
             </a:pPr>
             <a:r>
-              <a:rPr lang="en-US" sz="2400" dirty="0" err="1" smtClean="0">
+              <a:rPr lang="en-US" sz="2400" dirty="0" err="1">
                 <a:latin typeface="Courier New" pitchFamily="49" charset="0"/>
                 <a:cs typeface="Courier New" pitchFamily="49" charset="0"/>
               </a:rPr>
               <a:t>results$pval</a:t>
             </a:r>
-            <a:endParaRPr lang="en-US" sz="2400" dirty="0" smtClean="0">
+            <a:endParaRPr lang="en-US" sz="2400" dirty="0">
               <a:latin typeface="Courier New" pitchFamily="49" charset="0"/>
               <a:cs typeface="Courier New" pitchFamily="49" charset="0"/>
             </a:endParaRPr>
@@ -14233,13 +13614,6 @@
   <p:clrMapOvr>
     <a:masterClrMapping/>
   </p:clrMapOvr>
-  <p:timing>
-    <p:tnLst>
-      <p:par>
-        <p:cTn xmlns:p14="http://schemas.microsoft.com/office/powerpoint/2010/main" id="1" dur="indefinite" restart="never" nodeType="tmRoot"/>
-      </p:par>
-    </p:tnLst>
-  </p:timing>
 </p:sld>
 </file>
 
@@ -14276,10 +13650,9 @@
           <a:lstStyle/>
           <a:p>
             <a:r>
-              <a:rPr lang="en-US" dirty="0" smtClean="0"/>
+              <a:rPr lang="en-US" dirty="0"/>
               <a:t>Challenge</a:t>
             </a:r>
-            <a:endParaRPr lang="en-US" dirty="0"/>
           </a:p>
         </p:txBody>
       </p:sp>
@@ -14304,7 +13677,7 @@
           <a:lstStyle/>
           <a:p>
             <a:r>
-              <a:rPr lang="en-US" dirty="0" smtClean="0"/>
+              <a:rPr lang="en-US" dirty="0"/>
               <a:t>Compute the mean of 1,3, 5, 7, and 9.</a:t>
             </a:r>
           </a:p>
@@ -14312,14 +13685,13 @@
             <a:endParaRPr lang="en-US" dirty="0"/>
           </a:p>
           <a:p>
-            <a:endParaRPr lang="en-US" dirty="0" smtClean="0"/>
-          </a:p>
-          <a:p>
-            <a:r>
-              <a:rPr lang="en-US" dirty="0" smtClean="0"/>
+            <a:endParaRPr lang="en-US" dirty="0"/>
+          </a:p>
+          <a:p>
+            <a:r>
+              <a:rPr lang="en-US" dirty="0"/>
               <a:t>Hint: Do you want a list or a vector?</a:t>
             </a:r>
-            <a:endParaRPr lang="en-US" dirty="0"/>
           </a:p>
         </p:txBody>
       </p:sp>
@@ -14369,20 +13741,20 @@
           <a:lstStyle/>
           <a:p>
             <a:r>
-              <a:rPr lang="en-US" dirty="0" smtClean="0"/>
+              <a:rPr lang="en-US" dirty="0"/>
               <a:t>My Answer:</a:t>
             </a:r>
           </a:p>
           <a:p>
             <a:r>
-              <a:rPr lang="en-US" dirty="0" err="1" smtClean="0">
+              <a:rPr lang="en-US" dirty="0" err="1">
                 <a:latin typeface="Courier New" panose="02070309020205020404" pitchFamily="49" charset="0"/>
                 <a:cs typeface="Courier New" panose="02070309020205020404" pitchFamily="49" charset="0"/>
               </a:rPr>
               <a:t>myvec</a:t>
             </a:r>
             <a:r>
-              <a:rPr lang="en-US" dirty="0" smtClean="0">
+              <a:rPr lang="en-US" dirty="0">
                 <a:latin typeface="Courier New" panose="02070309020205020404" pitchFamily="49" charset="0"/>
                 <a:cs typeface="Courier New" panose="02070309020205020404" pitchFamily="49" charset="0"/>
               </a:rPr>
@@ -14391,30 +13763,26 @@
           </a:p>
           <a:p>
             <a:r>
-              <a:rPr lang="en-US" dirty="0" smtClean="0">
+              <a:rPr lang="en-US" dirty="0">
                 <a:latin typeface="Courier New" panose="02070309020205020404" pitchFamily="49" charset="0"/>
                 <a:cs typeface="Courier New" panose="02070309020205020404" pitchFamily="49" charset="0"/>
               </a:rPr>
               <a:t>mean(</a:t>
             </a:r>
             <a:r>
-              <a:rPr lang="en-US" dirty="0" err="1" smtClean="0">
+              <a:rPr lang="en-US" dirty="0" err="1">
                 <a:latin typeface="Courier New" panose="02070309020205020404" pitchFamily="49" charset="0"/>
                 <a:cs typeface="Courier New" panose="02070309020205020404" pitchFamily="49" charset="0"/>
               </a:rPr>
               <a:t>myvec</a:t>
             </a:r>
             <a:r>
-              <a:rPr lang="en-US" dirty="0" smtClean="0">
+              <a:rPr lang="en-US" dirty="0">
                 <a:latin typeface="Courier New" panose="02070309020205020404" pitchFamily="49" charset="0"/>
                 <a:cs typeface="Courier New" panose="02070309020205020404" pitchFamily="49" charset="0"/>
               </a:rPr>
               <a:t>)</a:t>
             </a:r>
-            <a:endParaRPr lang="en-US" dirty="0">
-              <a:latin typeface="Courier New" panose="02070309020205020404" pitchFamily="49" charset="0"/>
-              <a:cs typeface="Courier New" panose="02070309020205020404" pitchFamily="49" charset="0"/>
-            </a:endParaRPr>
           </a:p>
         </p:txBody>
       </p:sp>
@@ -14441,13 +13809,8 @@
           <a:p>
             <a:r>
               <a:rPr lang="en-US" dirty="0"/>
-              <a:t>(Bonus: self-test # </a:t>
-            </a:r>
-            <a:r>
-              <a:rPr lang="en-US" dirty="0" smtClean="0"/>
-              <a:t>4-7)</a:t>
-            </a:r>
-            <a:endParaRPr lang="en-US" dirty="0"/>
+              <a:t>(Bonus: self-test # 4-7)</a:t>
+            </a:r>
           </a:p>
         </p:txBody>
       </p:sp>
@@ -14464,7 +13827,7 @@
   <p:timing>
     <p:tnLst>
       <p:par>
-        <p:cTn xmlns:p14="http://schemas.microsoft.com/office/powerpoint/2010/main" id="1" dur="indefinite" restart="never" nodeType="tmRoot">
+        <p:cTn id="1" dur="indefinite" restart="never" nodeType="tmRoot">
           <p:childTnLst>
             <p:seq concurrent="1" nextAc="seek">
               <p:cTn id="2" dur="indefinite" nodeType="mainSeq">
@@ -14575,10 +13938,9 @@
           <a:lstStyle/>
           <a:p>
             <a:r>
-              <a:rPr lang="en-US" dirty="0" smtClean="0"/>
+              <a:rPr lang="en-US" dirty="0"/>
               <a:t>Challenge</a:t>
             </a:r>
-            <a:endParaRPr lang="en-US" dirty="0"/>
           </a:p>
         </p:txBody>
       </p:sp>
@@ -14605,7 +13967,7 @@
           <a:lstStyle/>
           <a:p>
             <a:r>
-              <a:rPr lang="en-US" dirty="0" smtClean="0"/>
+              <a:rPr lang="en-US" dirty="0"/>
               <a:t>Create a list with three items, where:</a:t>
             </a:r>
           </a:p>
@@ -14613,35 +13975,30 @@
             <a:pPr lvl="1"/>
             <a:r>
               <a:rPr lang="en-US" dirty="0"/>
-              <a:t>T</a:t>
-            </a:r>
-            <a:r>
-              <a:rPr lang="en-US" dirty="0" smtClean="0"/>
-              <a:t>he first item is named values and is a vector containing 1, 5, and 9</a:t>
+              <a:t>The first item is named values and is a vector containing 1, 5, and 9</a:t>
             </a:r>
           </a:p>
           <a:p>
             <a:pPr lvl="1"/>
             <a:r>
-              <a:rPr lang="en-US" dirty="0" smtClean="0"/>
+              <a:rPr lang="en-US" dirty="0"/>
               <a:t>The second item is named mean and is the mean of 1, 5, and 9</a:t>
             </a:r>
           </a:p>
           <a:p>
             <a:pPr lvl="1"/>
             <a:r>
-              <a:rPr lang="en-US" dirty="0" smtClean="0"/>
+              <a:rPr lang="en-US" dirty="0"/>
               <a:t>The third item is named </a:t>
             </a:r>
             <a:r>
-              <a:rPr lang="en-US" dirty="0" err="1" smtClean="0"/>
+              <a:rPr lang="en-US" dirty="0" err="1"/>
               <a:t>pval</a:t>
             </a:r>
             <a:r>
-              <a:rPr lang="en-US" dirty="0" smtClean="0"/>
+              <a:rPr lang="en-US" dirty="0"/>
               <a:t> and has the value 0.163</a:t>
             </a:r>
-            <a:endParaRPr lang="en-US" dirty="0"/>
           </a:p>
         </p:txBody>
       </p:sp>
@@ -14691,27 +14048,27 @@
           <a:lstStyle/>
           <a:p>
             <a:r>
-              <a:rPr lang="en-US" dirty="0" smtClean="0"/>
+              <a:rPr lang="en-US" dirty="0"/>
               <a:t>My answer:</a:t>
             </a:r>
           </a:p>
           <a:p>
             <a:r>
-              <a:rPr lang="en-US" dirty="0" smtClean="0">
+              <a:rPr lang="en-US" dirty="0">
                 <a:latin typeface="Courier New" panose="02070309020205020404" pitchFamily="49" charset="0"/>
                 <a:cs typeface="Courier New" panose="02070309020205020404" pitchFamily="49" charset="0"/>
               </a:rPr>
               <a:t>list(values=c(1,5,9), mean=mean(c(1,5,9)), </a:t>
             </a:r>
             <a:r>
-              <a:rPr lang="en-US" dirty="0" err="1" smtClean="0">
+              <a:rPr lang="en-US" dirty="0" err="1">
                 <a:latin typeface="Courier New" panose="02070309020205020404" pitchFamily="49" charset="0"/>
                 <a:cs typeface="Courier New" panose="02070309020205020404" pitchFamily="49" charset="0"/>
               </a:rPr>
               <a:t>pval</a:t>
             </a:r>
             <a:r>
-              <a:rPr lang="en-US" dirty="0" smtClean="0">
+              <a:rPr lang="en-US" dirty="0">
                 <a:latin typeface="Courier New" panose="02070309020205020404" pitchFamily="49" charset="0"/>
                 <a:cs typeface="Courier New" panose="02070309020205020404" pitchFamily="49" charset="0"/>
               </a:rPr>
@@ -14746,13 +14103,8 @@
           <a:p>
             <a:r>
               <a:rPr lang="en-US" dirty="0"/>
-              <a:t>(Bonus: self-test # </a:t>
-            </a:r>
-            <a:r>
-              <a:rPr lang="en-US" dirty="0" smtClean="0"/>
-              <a:t>4-7)</a:t>
-            </a:r>
-            <a:endParaRPr lang="en-US" dirty="0"/>
+              <a:t>(Bonus: self-test # 4-7)</a:t>
+            </a:r>
           </a:p>
         </p:txBody>
       </p:sp>
@@ -14769,7 +14121,7 @@
   <p:timing>
     <p:tnLst>
       <p:par>
-        <p:cTn xmlns:p14="http://schemas.microsoft.com/office/powerpoint/2010/main" id="1" dur="indefinite" restart="never" nodeType="tmRoot">
+        <p:cTn id="1" dur="indefinite" restart="never" nodeType="tmRoot">
           <p:childTnLst>
             <p:seq concurrent="1" nextAc="seek">
               <p:cTn id="2" dur="indefinite" nodeType="mainSeq">
@@ -14880,10 +14232,9 @@
           <a:lstStyle/>
           <a:p>
             <a:r>
-              <a:rPr lang="en-US" dirty="0" smtClean="0"/>
+              <a:rPr lang="en-US" dirty="0"/>
               <a:t>Data Frames</a:t>
             </a:r>
-            <a:endParaRPr lang="en-US" dirty="0"/>
           </a:p>
         </p:txBody>
       </p:sp>
@@ -14910,7 +14261,7 @@
           <a:lstStyle/>
           <a:p>
             <a:r>
-              <a:rPr lang="en-US" dirty="0" smtClean="0"/>
+              <a:rPr lang="en-US" dirty="0"/>
               <a:t>The usual way of looking at data in R</a:t>
             </a:r>
           </a:p>
@@ -14925,26 +14276,17 @@
             <a:pPr lvl="1"/>
             <a:r>
               <a:rPr lang="en-US" dirty="0"/>
-              <a:t>each column is a </a:t>
-            </a:r>
-            <a:r>
-              <a:rPr lang="en-US" dirty="0" smtClean="0"/>
-              <a:t>field </a:t>
-            </a:r>
-            <a:r>
-              <a:rPr lang="en-US" dirty="0"/>
-              <a:t>or variable (usually numeric vector or factors)</a:t>
-            </a:r>
-          </a:p>
-          <a:p>
-            <a:endParaRPr lang="en-US" dirty="0" smtClean="0"/>
-          </a:p>
-          <a:p>
-            <a:r>
-              <a:rPr lang="en-US" dirty="0" smtClean="0"/>
+              <a:t>each column is a field or variable (usually numeric vector or factors)</a:t>
+            </a:r>
+          </a:p>
+          <a:p>
+            <a:endParaRPr lang="en-US" dirty="0"/>
+          </a:p>
+          <a:p>
+            <a:r>
+              <a:rPr lang="en-US" dirty="0"/>
               <a:t>"A list that behaves like a matrix"</a:t>
             </a:r>
-            <a:endParaRPr lang="en-US" dirty="0"/>
           </a:p>
         </p:txBody>
       </p:sp>
@@ -14984,14 +14326,14 @@
           <a:effectLst/>
           <a:extLst>
             <a:ext uri="{909E8E84-426E-40dd-AFC4-6F175D3DCCD1}">
-              <a14:hiddenFill xmlns:a14="http://schemas.microsoft.com/office/drawing/2010/main">
+              <a14:hiddenFill xmlns:a14="http://schemas.microsoft.com/office/drawing/2010/main" xmlns="">
                 <a:solidFill>
                   <a:schemeClr val="accent1"/>
                 </a:solidFill>
               </a14:hiddenFill>
             </a:ext>
             <a:ext uri="{91240B29-F687-4f45-9708-019B960494DF}">
-              <a14:hiddenLine xmlns:a14="http://schemas.microsoft.com/office/drawing/2010/main" w="9525">
+              <a14:hiddenLine xmlns:a14="http://schemas.microsoft.com/office/drawing/2010/main" xmlns="" w="9525">
                 <a:solidFill>
                   <a:schemeClr val="tx1"/>
                 </a:solidFill>
@@ -15001,7 +14343,7 @@
               </a14:hiddenLine>
             </a:ext>
             <a:ext uri="{AF507438-7753-43e0-B8FC-AC1667EBCBE1}">
-              <a14:hiddenEffects xmlns:a14="http://schemas.microsoft.com/office/drawing/2010/main">
+              <a14:hiddenEffects xmlns:a14="http://schemas.microsoft.com/office/drawing/2010/main" xmlns="">
                 <a:effectLst>
                   <a:outerShdw dist="35921" dir="2700000" algn="ctr" rotWithShape="0">
                     <a:schemeClr val="bg2"/>
@@ -15035,11 +14377,11 @@
           <a:lstStyle/>
           <a:p>
             <a:r>
-              <a:rPr lang="en-US" dirty="0" smtClean="0"/>
+              <a:rPr lang="en-US" dirty="0"/>
               <a:t>Data, </a:t>
             </a:r>
             <a:r>
-              <a:rPr lang="en-US" dirty="0" err="1" smtClean="0"/>
+              <a:rPr lang="en-US" dirty="0" err="1"/>
               <a:t>yo</a:t>
             </a:r>
             <a:endParaRPr lang="en-US" dirty="0"/>
@@ -15079,13 +14421,6 @@
   <p:clrMapOvr>
     <a:masterClrMapping/>
   </p:clrMapOvr>
-  <p:timing>
-    <p:tnLst>
-      <p:par>
-        <p:cTn xmlns:p14="http://schemas.microsoft.com/office/powerpoint/2010/main" id="1" dur="indefinite" restart="never" nodeType="tmRoot"/>
-      </p:par>
-    </p:tnLst>
-  </p:timing>
 </p:sld>
 </file>
 
@@ -15122,54 +14457,53 @@
           <a:lstStyle/>
           <a:p>
             <a:r>
-              <a:rPr lang="en-US" dirty="0" smtClean="0"/>
+              <a:rPr lang="en-US" dirty="0"/>
               <a:t>Creating a data frame</a:t>
             </a:r>
+          </a:p>
+        </p:txBody>
+      </p:sp>
+      <p:sp>
+        <p:nvSpPr>
+          <p:cNvPr id="3" name="Content Placeholder 2"/>
+          <p:cNvSpPr>
+            <a:spLocks noGrp="1"/>
+          </p:cNvSpPr>
+          <p:nvPr>
+            <p:ph idx="1"/>
+          </p:nvPr>
+        </p:nvSpPr>
+        <p:spPr/>
+        <p:txBody>
+          <a:bodyPr/>
+          <a:lstStyle/>
+          <a:p>
+            <a:r>
+              <a:rPr lang="en-US" dirty="0"/>
+              <a:t>Usually, load from a file (e.g. a CSV) or subset from data frame loaded from a file</a:t>
+            </a:r>
+          </a:p>
+          <a:p>
+            <a:pPr lvl="1"/>
+            <a:r>
+              <a:rPr lang="en-US" dirty="0"/>
+              <a:t>(How to load data? coming up next…)</a:t>
+            </a:r>
+          </a:p>
+          <a:p>
             <a:endParaRPr lang="en-US" dirty="0"/>
           </a:p>
-        </p:txBody>
-      </p:sp>
-      <p:sp>
-        <p:nvSpPr>
-          <p:cNvPr id="3" name="Content Placeholder 2"/>
-          <p:cNvSpPr>
-            <a:spLocks noGrp="1"/>
-          </p:cNvSpPr>
-          <p:nvPr>
-            <p:ph idx="1"/>
-          </p:nvPr>
-        </p:nvSpPr>
-        <p:spPr/>
-        <p:txBody>
-          <a:bodyPr/>
-          <a:lstStyle/>
-          <a:p>
-            <a:r>
-              <a:rPr lang="en-US" dirty="0" smtClean="0"/>
-              <a:t>Usually, load from a file (e.g. a CSV) or subset from data frame loaded from a file</a:t>
-            </a:r>
-          </a:p>
-          <a:p>
-            <a:pPr lvl="1"/>
-            <a:r>
-              <a:rPr lang="en-US" dirty="0" smtClean="0"/>
-              <a:t>(How to load data? coming up next…)</a:t>
-            </a:r>
-          </a:p>
-          <a:p>
-            <a:endParaRPr lang="en-US" dirty="0" smtClean="0"/>
-          </a:p>
-          <a:p>
-            <a:r>
-              <a:rPr lang="en-US" dirty="0" smtClean="0"/>
+          <a:p>
+            <a:r>
+              <a:rPr lang="en-US" dirty="0"/>
               <a:t>Can also use </a:t>
             </a:r>
             <a:r>
-              <a:rPr lang="en-US" dirty="0" err="1" smtClean="0"/>
+              <a:rPr lang="en-US" dirty="0" err="1"/>
               <a:t>data.frame</a:t>
             </a:r>
             <a:r>
-              <a:rPr lang="en-US" dirty="0" smtClean="0"/>
+              <a:rPr lang="en-US" dirty="0"/>
               <a:t>() function</a:t>
             </a:r>
           </a:p>
@@ -15181,42 +14515,42 @@
               <a:buNone/>
             </a:pPr>
             <a:r>
-              <a:rPr lang="en-US" sz="2400" dirty="0" err="1" smtClean="0">
+              <a:rPr lang="en-US" sz="2400" dirty="0" err="1">
                 <a:latin typeface="Courier New" pitchFamily="49" charset="0"/>
                 <a:cs typeface="Courier New" pitchFamily="49" charset="0"/>
               </a:rPr>
               <a:t>df</a:t>
             </a:r>
             <a:r>
-              <a:rPr lang="en-US" sz="2400" dirty="0" smtClean="0">
+              <a:rPr lang="en-US" sz="2400" dirty="0">
                 <a:latin typeface="Courier New" pitchFamily="49" charset="0"/>
                 <a:cs typeface="Courier New" pitchFamily="49" charset="0"/>
               </a:rPr>
               <a:t> &lt;- </a:t>
             </a:r>
             <a:r>
-              <a:rPr lang="en-US" sz="2400" dirty="0" err="1" smtClean="0">
+              <a:rPr lang="en-US" sz="2400" dirty="0" err="1">
                 <a:latin typeface="Courier New" pitchFamily="49" charset="0"/>
                 <a:cs typeface="Courier New" pitchFamily="49" charset="0"/>
               </a:rPr>
               <a:t>data.frame</a:t>
             </a:r>
             <a:r>
-              <a:rPr lang="en-US" sz="2400" dirty="0" smtClean="0">
+              <a:rPr lang="en-US" sz="2400" dirty="0">
                 <a:latin typeface="Courier New" pitchFamily="49" charset="0"/>
                 <a:cs typeface="Courier New" pitchFamily="49" charset="0"/>
               </a:rPr>
               <a:t>(</a:t>
             </a:r>
             <a:r>
-              <a:rPr lang="en-US" sz="2400" dirty="0" err="1" smtClean="0">
+              <a:rPr lang="en-US" sz="2400" dirty="0" err="1">
                 <a:latin typeface="Courier New" pitchFamily="49" charset="0"/>
                 <a:cs typeface="Courier New" pitchFamily="49" charset="0"/>
               </a:rPr>
               <a:t>nums</a:t>
             </a:r>
             <a:r>
-              <a:rPr lang="en-US" sz="2400" dirty="0" smtClean="0">
+              <a:rPr lang="en-US" sz="2400" dirty="0">
                 <a:latin typeface="Courier New" pitchFamily="49" charset="0"/>
                 <a:cs typeface="Courier New" pitchFamily="49" charset="0"/>
               </a:rPr>
@@ -15224,7 +14558,7 @@
             </a:r>
           </a:p>
           <a:p>
-            <a:endParaRPr lang="en-US" dirty="0" smtClean="0"/>
+            <a:endParaRPr lang="en-US" dirty="0"/>
           </a:p>
         </p:txBody>
       </p:sp>
@@ -15261,13 +14595,6 @@
   <p:clrMapOvr>
     <a:masterClrMapping/>
   </p:clrMapOvr>
-  <p:timing>
-    <p:tnLst>
-      <p:par>
-        <p:cTn xmlns:p14="http://schemas.microsoft.com/office/powerpoint/2010/main" id="1" dur="indefinite" restart="never" nodeType="tmRoot"/>
-      </p:par>
-    </p:tnLst>
-  </p:timing>
 </p:sld>
 </file>
 
@@ -15306,10 +14633,9 @@
           <a:lstStyle/>
           <a:p>
             <a:r>
-              <a:rPr lang="en-US" dirty="0" smtClean="0"/>
+              <a:rPr lang="en-US" dirty="0"/>
               <a:t>Orientation</a:t>
             </a:r>
-            <a:endParaRPr lang="en-US" dirty="0"/>
           </a:p>
         </p:txBody>
       </p:sp>
@@ -15331,7 +14657,7 @@
           <a:lstStyle/>
           <a:p>
             <a:r>
-              <a:rPr lang="en-US" dirty="0" smtClean="0"/>
+              <a:rPr lang="en-US" dirty="0"/>
               <a:t>Open WorkshopPart1-Basics.R from the file share</a:t>
             </a:r>
           </a:p>
@@ -15340,7 +14666,7 @@
           </a:p>
           <a:p>
             <a:r>
-              <a:rPr lang="en-US" dirty="0" smtClean="0"/>
+              <a:rPr lang="en-US" dirty="0"/>
               <a:t>We’ll switch to R for a bit here and walk through a basic data analysis</a:t>
             </a:r>
           </a:p>
@@ -15349,10 +14675,9 @@
           </a:p>
           <a:p>
             <a:r>
-              <a:rPr lang="en-US" dirty="0" smtClean="0"/>
+              <a:rPr lang="en-US" dirty="0"/>
               <a:t>Don’t worry if you don’t understand each step of what we’re doing here – this is for orientation before we jump into the details</a:t>
             </a:r>
-            <a:endParaRPr lang="en-US" dirty="0"/>
           </a:p>
         </p:txBody>
       </p:sp>
@@ -15402,12 +14727,8 @@
           <a:p>
             <a:pPr algn="ctr"/>
             <a:r>
-              <a:rPr lang="en-US" dirty="0" smtClean="0"/>
-              <a:t>Course website: https</a:t>
-            </a:r>
-            <a:r>
-              <a:rPr lang="en-US" dirty="0"/>
-              <a:t>://</a:t>
+              <a:rPr lang="en-US" dirty="0"/>
+              <a:t>Course website: https://</a:t>
             </a:r>
             <a:r>
               <a:rPr lang="en-US" dirty="0" err="1"/>
@@ -15415,7 +14736,7 @@
             </a:r>
             <a:r>
               <a:rPr lang="en-US" dirty="0"/>
-              <a:t>/smooney27/RWorkshopSER2019</a:t>
+              <a:t>/smooney27/RWorkshopSER2020</a:t>
             </a:r>
           </a:p>
         </p:txBody>
@@ -15430,13 +14751,6 @@
   <p:clrMapOvr>
     <a:masterClrMapping/>
   </p:clrMapOvr>
-  <p:timing>
-    <p:tnLst>
-      <p:par>
-        <p:cTn xmlns:p14="http://schemas.microsoft.com/office/powerpoint/2010/main" id="1" dur="indefinite" restart="never" nodeType="tmRoot"/>
-      </p:par>
-    </p:tnLst>
-  </p:timing>
 </p:sld>
 </file>
 
@@ -15473,10 +14787,9 @@
           <a:lstStyle/>
           <a:p>
             <a:r>
-              <a:rPr lang="en-US" dirty="0" smtClean="0"/>
+              <a:rPr lang="en-US" dirty="0"/>
               <a:t>Indexing a data frame</a:t>
             </a:r>
-            <a:endParaRPr lang="en-US" dirty="0"/>
           </a:p>
         </p:txBody>
       </p:sp>
@@ -15498,7 +14811,7 @@
           <a:lstStyle/>
           <a:p>
             <a:r>
-              <a:rPr lang="en-US" dirty="0" smtClean="0"/>
+              <a:rPr lang="en-US" dirty="0"/>
               <a:t>Index a data frame using square brackets and row, column syntax (like a matrix)</a:t>
             </a:r>
           </a:p>
@@ -15510,14 +14823,14 @@
               <a:buNone/>
             </a:pPr>
             <a:r>
-              <a:rPr lang="en-US" dirty="0" err="1" smtClean="0">
+              <a:rPr lang="en-US" dirty="0" err="1">
                 <a:latin typeface="Courier New" pitchFamily="49" charset="0"/>
                 <a:cs typeface="Courier New" pitchFamily="49" charset="0"/>
               </a:rPr>
               <a:t>df</a:t>
             </a:r>
             <a:r>
-              <a:rPr lang="en-US" dirty="0" smtClean="0">
+              <a:rPr lang="en-US" dirty="0">
                 <a:latin typeface="Courier New" pitchFamily="49" charset="0"/>
                 <a:cs typeface="Courier New" pitchFamily="49" charset="0"/>
               </a:rPr>
@@ -15529,14 +14842,14 @@
               <a:buNone/>
             </a:pPr>
             <a:r>
-              <a:rPr lang="en-US" dirty="0" err="1" smtClean="0">
+              <a:rPr lang="en-US" dirty="0" err="1">
                 <a:latin typeface="Courier New" pitchFamily="49" charset="0"/>
                 <a:cs typeface="Courier New" pitchFamily="49" charset="0"/>
               </a:rPr>
               <a:t>df</a:t>
             </a:r>
             <a:r>
-              <a:rPr lang="en-US" dirty="0" smtClean="0">
+              <a:rPr lang="en-US" dirty="0">
                 <a:latin typeface="Courier New" pitchFamily="49" charset="0"/>
                 <a:cs typeface="Courier New" pitchFamily="49" charset="0"/>
               </a:rPr>
@@ -15551,26 +14864,26 @@
           </a:p>
           <a:p>
             <a:r>
-              <a:rPr lang="en-US" dirty="0" smtClean="0"/>
+              <a:rPr lang="en-US" dirty="0"/>
               <a:t>Can index by name or mix of name and number as well:</a:t>
             </a:r>
           </a:p>
           <a:p>
-            <a:endParaRPr lang="en-US" dirty="0" smtClean="0"/>
+            <a:endParaRPr lang="en-US" dirty="0"/>
           </a:p>
           <a:p>
             <a:pPr marL="0" indent="0">
               <a:buNone/>
             </a:pPr>
             <a:r>
-              <a:rPr lang="en-US" dirty="0" err="1" smtClean="0">
+              <a:rPr lang="en-US" dirty="0" err="1">
                 <a:latin typeface="Courier New" pitchFamily="49" charset="0"/>
                 <a:cs typeface="Courier New" pitchFamily="49" charset="0"/>
               </a:rPr>
               <a:t>df</a:t>
             </a:r>
             <a:r>
-              <a:rPr lang="en-US" dirty="0" smtClean="0">
+              <a:rPr lang="en-US" dirty="0">
                 <a:latin typeface="Courier New" pitchFamily="49" charset="0"/>
                 <a:cs typeface="Courier New" pitchFamily="49" charset="0"/>
               </a:rPr>
@@ -15612,13 +14925,6 @@
   <p:clrMapOvr>
     <a:masterClrMapping/>
   </p:clrMapOvr>
-  <p:timing>
-    <p:tnLst>
-      <p:par>
-        <p:cTn xmlns:p14="http://schemas.microsoft.com/office/powerpoint/2010/main" id="1" dur="indefinite" restart="never" nodeType="tmRoot"/>
-      </p:par>
-    </p:tnLst>
-  </p:timing>
 </p:sld>
 </file>
 
@@ -15655,10 +14961,9 @@
           <a:lstStyle/>
           <a:p>
             <a:r>
-              <a:rPr lang="en-US" dirty="0" smtClean="0"/>
+              <a:rPr lang="en-US" dirty="0"/>
               <a:t>Data Frames as Lists</a:t>
             </a:r>
-            <a:endParaRPr lang="en-US" dirty="0"/>
           </a:p>
         </p:txBody>
       </p:sp>
@@ -15680,7 +14985,7 @@
           <a:lstStyle/>
           <a:p>
             <a:r>
-              <a:rPr lang="en-US" dirty="0" smtClean="0"/>
+              <a:rPr lang="en-US" dirty="0"/>
               <a:t>Can think of a data frame of a list of vectors of an identical length</a:t>
             </a:r>
           </a:p>
@@ -15689,7 +14994,7 @@
           </a:p>
           <a:p>
             <a:r>
-              <a:rPr lang="en-US" dirty="0" smtClean="0"/>
+              <a:rPr lang="en-US" dirty="0"/>
               <a:t>Can index columns by name using $:</a:t>
             </a:r>
           </a:p>
@@ -15698,23 +15003,23 @@
               <a:buNone/>
             </a:pPr>
             <a:r>
-              <a:rPr lang="en-US" dirty="0" err="1" smtClean="0">
+              <a:rPr lang="en-US" dirty="0" err="1">
                 <a:latin typeface="Courier New" pitchFamily="49" charset="0"/>
                 <a:cs typeface="Courier New" pitchFamily="49" charset="0"/>
               </a:rPr>
               <a:t>df$words</a:t>
             </a:r>
-            <a:endParaRPr lang="en-US" dirty="0" smtClean="0">
+            <a:endParaRPr lang="en-US" dirty="0">
               <a:latin typeface="Courier New" pitchFamily="49" charset="0"/>
               <a:cs typeface="Courier New" pitchFamily="49" charset="0"/>
             </a:endParaRPr>
           </a:p>
           <a:p>
-            <a:endParaRPr lang="en-US" dirty="0" smtClean="0"/>
-          </a:p>
-          <a:p>
-            <a:r>
-              <a:rPr lang="en-US" dirty="0" smtClean="0"/>
+            <a:endParaRPr lang="en-US" dirty="0"/>
+          </a:p>
+          <a:p>
+            <a:r>
+              <a:rPr lang="en-US" dirty="0"/>
               <a:t>But need [row, column] syntax to index rows by name</a:t>
             </a:r>
           </a:p>
@@ -15723,14 +15028,14 @@
               <a:buNone/>
             </a:pPr>
             <a:r>
-              <a:rPr lang="en-US" dirty="0" err="1" smtClean="0">
+              <a:rPr lang="en-US" dirty="0" err="1">
                 <a:latin typeface="Courier New" pitchFamily="49" charset="0"/>
                 <a:cs typeface="Courier New" pitchFamily="49" charset="0"/>
               </a:rPr>
               <a:t>df</a:t>
             </a:r>
             <a:r>
-              <a:rPr lang="en-US" dirty="0" smtClean="0">
+              <a:rPr lang="en-US" dirty="0">
                 <a:latin typeface="Courier New" pitchFamily="49" charset="0"/>
                 <a:cs typeface="Courier New" pitchFamily="49" charset="0"/>
               </a:rPr>
@@ -15778,13 +15083,6 @@
   <p:clrMapOvr>
     <a:masterClrMapping/>
   </p:clrMapOvr>
-  <p:timing>
-    <p:tnLst>
-      <p:par>
-        <p:cTn xmlns:p14="http://schemas.microsoft.com/office/powerpoint/2010/main" id="1" dur="indefinite" restart="never" nodeType="tmRoot"/>
-      </p:par>
-    </p:tnLst>
-  </p:timing>
 </p:sld>
 </file>
 
@@ -15821,54 +15119,52 @@
           <a:lstStyle/>
           <a:p>
             <a:r>
-              <a:rPr lang="en-US" dirty="0" smtClean="0"/>
+              <a:rPr lang="en-US" dirty="0"/>
               <a:t>Data Frames vs. Matrices</a:t>
             </a:r>
+          </a:p>
+        </p:txBody>
+      </p:sp>
+      <p:sp>
+        <p:nvSpPr>
+          <p:cNvPr id="3" name="Content Placeholder 2"/>
+          <p:cNvSpPr>
+            <a:spLocks noGrp="1"/>
+          </p:cNvSpPr>
+          <p:nvPr>
+            <p:ph idx="1"/>
+          </p:nvPr>
+        </p:nvSpPr>
+        <p:spPr/>
+        <p:txBody>
+          <a:bodyPr/>
+          <a:lstStyle/>
+          <a:p>
+            <a:r>
+              <a:rPr lang="en-US" dirty="0"/>
+              <a:t>Use a data frame for your raw data</a:t>
+            </a:r>
+          </a:p>
+          <a:p>
+            <a:r>
+              <a:rPr lang="en-US" dirty="0"/>
+              <a:t>Use a matrix for summaries (e.g. 2x2 tables)</a:t>
+            </a:r>
+          </a:p>
+          <a:p>
             <a:endParaRPr lang="en-US" dirty="0"/>
           </a:p>
-        </p:txBody>
-      </p:sp>
-      <p:sp>
-        <p:nvSpPr>
-          <p:cNvPr id="3" name="Content Placeholder 2"/>
-          <p:cNvSpPr>
-            <a:spLocks noGrp="1"/>
-          </p:cNvSpPr>
-          <p:nvPr>
-            <p:ph idx="1"/>
-          </p:nvPr>
-        </p:nvSpPr>
-        <p:spPr/>
-        <p:txBody>
-          <a:bodyPr/>
-          <a:lstStyle/>
-          <a:p>
-            <a:r>
-              <a:rPr lang="en-US" dirty="0" smtClean="0"/>
-              <a:t>Use a data frame for your raw data</a:t>
-            </a:r>
-          </a:p>
-          <a:p>
-            <a:r>
-              <a:rPr lang="en-US" dirty="0" smtClean="0"/>
-              <a:t>Use a matrix for summaries (e.g. 2x2 tables)</a:t>
-            </a:r>
-          </a:p>
           <a:p>
             <a:endParaRPr lang="en-US" dirty="0"/>
           </a:p>
           <a:p>
-            <a:endParaRPr lang="en-US" dirty="0" smtClean="0"/>
-          </a:p>
-          <a:p>
             <a:endParaRPr lang="en-US" dirty="0"/>
           </a:p>
           <a:p>
             <a:r>
-              <a:rPr lang="en-US" dirty="0" smtClean="0"/>
+              <a:rPr lang="en-US" dirty="0"/>
               <a:t>We'll go into more detail on data frames after the break</a:t>
             </a:r>
-            <a:endParaRPr lang="en-US" dirty="0"/>
           </a:p>
         </p:txBody>
       </p:sp>
@@ -15905,13 +15201,6 @@
   <p:clrMapOvr>
     <a:masterClrMapping/>
   </p:clrMapOvr>
-  <p:timing>
-    <p:tnLst>
-      <p:par>
-        <p:cTn xmlns:p14="http://schemas.microsoft.com/office/powerpoint/2010/main" id="1" dur="indefinite" restart="never" nodeType="tmRoot"/>
-      </p:par>
-    </p:tnLst>
-  </p:timing>
 </p:sld>
 </file>
 
@@ -15950,10 +15239,9 @@
           <a:lstStyle/>
           <a:p>
             <a:r>
-              <a:rPr lang="en-US" dirty="0" smtClean="0"/>
+              <a:rPr lang="en-US" dirty="0"/>
               <a:t>Summary: Basic Object Types</a:t>
             </a:r>
-            <a:endParaRPr lang="en-US" dirty="0"/>
           </a:p>
         </p:txBody>
       </p:sp>
@@ -15975,35 +15263,35 @@
             <a:pPr marL="0" indent="0">
               <a:buNone/>
             </a:pPr>
-            <a:endParaRPr lang="en-US" dirty="0" smtClean="0"/>
-          </a:p>
-          <a:p>
-            <a:r>
-              <a:rPr lang="en-US" dirty="0" smtClean="0"/>
+            <a:endParaRPr lang="en-US" dirty="0"/>
+          </a:p>
+          <a:p>
+            <a:r>
+              <a:rPr lang="en-US" dirty="0"/>
               <a:t>Vectors: observations of a single variable</a:t>
             </a:r>
           </a:p>
           <a:p>
             <a:r>
-              <a:rPr lang="en-US" dirty="0" smtClean="0"/>
+              <a:rPr lang="en-US" dirty="0"/>
               <a:t>Matrix: contingency (2x2) tables</a:t>
             </a:r>
           </a:p>
           <a:p>
             <a:r>
-              <a:rPr lang="en-US" dirty="0" smtClean="0"/>
+              <a:rPr lang="en-US" dirty="0"/>
               <a:t>Arrays: stratified analysis results</a:t>
             </a:r>
           </a:p>
           <a:p>
             <a:r>
-              <a:rPr lang="en-US" dirty="0" smtClean="0"/>
+              <a:rPr lang="en-US" dirty="0"/>
               <a:t>Data Frames: observations and variables</a:t>
             </a:r>
           </a:p>
           <a:p>
             <a:r>
-              <a:rPr lang="en-US" dirty="0" smtClean="0"/>
+              <a:rPr lang="en-US" dirty="0"/>
               <a:t>Lists: results of complex functions</a:t>
             </a:r>
           </a:p>
@@ -16045,13 +15333,6 @@
   <p:clrMapOvr>
     <a:masterClrMapping/>
   </p:clrMapOvr>
-  <p:timing>
-    <p:tnLst>
-      <p:par>
-        <p:cTn xmlns:p14="http://schemas.microsoft.com/office/powerpoint/2010/main" id="1" dur="indefinite" restart="never" nodeType="tmRoot"/>
-      </p:par>
-    </p:tnLst>
-  </p:timing>
 </p:sld>
 </file>
 
@@ -16088,10 +15369,9 @@
           <a:lstStyle/>
           <a:p>
             <a:r>
-              <a:rPr lang="en-US" dirty="0" smtClean="0"/>
+              <a:rPr lang="en-US" dirty="0"/>
               <a:t>First: Help!</a:t>
             </a:r>
-            <a:endParaRPr lang="en-US" dirty="0"/>
           </a:p>
         </p:txBody>
       </p:sp>
@@ -16111,49 +15391,48 @@
           <a:lstStyle/>
           <a:p>
             <a:r>
-              <a:rPr lang="en-US" dirty="0" smtClean="0"/>
+              <a:rPr lang="en-US" dirty="0"/>
               <a:t>You can get the help page for any function with help(function-name):</a:t>
             </a:r>
           </a:p>
           <a:p>
             <a:pPr lvl="1"/>
             <a:r>
-              <a:rPr lang="en-US" dirty="0" smtClean="0"/>
+              <a:rPr lang="en-US" dirty="0"/>
               <a:t>help(table)</a:t>
             </a:r>
-            <a:endParaRPr lang="en-US" dirty="0"/>
-          </a:p>
-          <a:p>
-            <a:r>
-              <a:rPr lang="en-US" dirty="0" smtClean="0"/>
+          </a:p>
+          <a:p>
+            <a:r>
+              <a:rPr lang="en-US" dirty="0"/>
               <a:t>Or ?function-name:</a:t>
             </a:r>
           </a:p>
           <a:p>
             <a:pPr lvl="1"/>
             <a:r>
-              <a:rPr lang="en-US" dirty="0" smtClean="0"/>
+              <a:rPr lang="en-US" dirty="0"/>
               <a:t>?table</a:t>
             </a:r>
           </a:p>
           <a:p>
             <a:r>
-              <a:rPr lang="en-US" dirty="0" smtClean="0"/>
+              <a:rPr lang="en-US" dirty="0"/>
               <a:t>Or </a:t>
             </a:r>
             <a:r>
-              <a:rPr lang="en-US" dirty="0" err="1" smtClean="0"/>
+              <a:rPr lang="en-US" dirty="0" err="1"/>
               <a:t>google</a:t>
             </a:r>
             <a:r>
-              <a:rPr lang="en-US" dirty="0" smtClean="0"/>
+              <a:rPr lang="en-US" dirty="0"/>
               <a:t>…</a:t>
             </a:r>
           </a:p>
           <a:p>
             <a:pPr lvl="1"/>
             <a:r>
-              <a:rPr lang="en-US" dirty="0" smtClean="0"/>
+              <a:rPr lang="en-US" dirty="0"/>
               <a:t>“Cross-tabulation in R”</a:t>
             </a:r>
           </a:p>
@@ -16205,12 +15484,8 @@
           <a:p>
             <a:pPr algn="ctr"/>
             <a:r>
-              <a:rPr lang="en-US" dirty="0" smtClean="0"/>
-              <a:t>Course website: https</a:t>
-            </a:r>
-            <a:r>
-              <a:rPr lang="en-US" dirty="0"/>
-              <a:t>://</a:t>
+              <a:rPr lang="en-US" dirty="0"/>
+              <a:t>Course website: https://</a:t>
             </a:r>
             <a:r>
               <a:rPr lang="en-US" dirty="0" err="1"/>
@@ -16218,7 +15493,7 @@
             </a:r>
             <a:r>
               <a:rPr lang="en-US" dirty="0"/>
-              <a:t>/smooney27/RWorkshopSER2019</a:t>
+              <a:t>/smooney27/RWorkshopSER2020</a:t>
             </a:r>
           </a:p>
         </p:txBody>
@@ -16233,13 +15508,6 @@
   <p:clrMapOvr>
     <a:masterClrMapping/>
   </p:clrMapOvr>
-  <p:timing>
-    <p:tnLst>
-      <p:par>
-        <p:cTn xmlns:p14="http://schemas.microsoft.com/office/powerpoint/2010/main" id="1" dur="indefinite" restart="never" nodeType="tmRoot"/>
-      </p:par>
-    </p:tnLst>
-  </p:timing>
 </p:sld>
 </file>
 
@@ -16276,10 +15544,9 @@
           <a:lstStyle/>
           <a:p>
             <a:r>
-              <a:rPr lang="en-US" dirty="0" smtClean="0"/>
+              <a:rPr lang="en-US" dirty="0"/>
               <a:t>The building blocks</a:t>
             </a:r>
-            <a:endParaRPr lang="en-US" dirty="0"/>
           </a:p>
         </p:txBody>
       </p:sp>
@@ -16299,12 +15566,8 @@
           <a:lstStyle/>
           <a:p>
             <a:r>
-              <a:rPr lang="en-US" dirty="0" smtClean="0"/>
-              <a:t>We’re going to talk about 5 basic </a:t>
-            </a:r>
-            <a:r>
-              <a:rPr lang="en-US" dirty="0"/>
-              <a:t>R object types</a:t>
+              <a:rPr lang="en-US" dirty="0"/>
+              <a:t>We’re going to talk about 5 basic R object types</a:t>
             </a:r>
           </a:p>
           <a:p>
@@ -16390,12 +15653,8 @@
           <a:p>
             <a:pPr algn="ctr"/>
             <a:r>
-              <a:rPr lang="en-US" dirty="0" smtClean="0"/>
-              <a:t>Course website: https</a:t>
-            </a:r>
-            <a:r>
-              <a:rPr lang="en-US" dirty="0"/>
-              <a:t>://</a:t>
+              <a:rPr lang="en-US" dirty="0"/>
+              <a:t>Course website: https://</a:t>
             </a:r>
             <a:r>
               <a:rPr lang="en-US" dirty="0" err="1"/>
@@ -16403,7 +15662,7 @@
             </a:r>
             <a:r>
               <a:rPr lang="en-US" dirty="0"/>
-              <a:t>/smooney27/RWorkshopSER2019</a:t>
+              <a:t>/smooney27/RWorkshopSER2020</a:t>
             </a:r>
           </a:p>
         </p:txBody>
@@ -16454,10 +15713,9 @@
           <a:lstStyle/>
           <a:p>
             <a:r>
-              <a:rPr lang="en-US" dirty="0" smtClean="0"/>
+              <a:rPr lang="en-US" dirty="0"/>
               <a:t>The building blocks</a:t>
             </a:r>
-            <a:endParaRPr lang="en-US" dirty="0"/>
           </a:p>
         </p:txBody>
       </p:sp>
@@ -16484,30 +15742,21 @@
           <a:lstStyle/>
           <a:p>
             <a:r>
-              <a:rPr lang="en-US" dirty="0" smtClean="0"/>
+              <a:rPr lang="en-US" dirty="0"/>
               <a:t>Vector: 1-dimensional collection of like elements</a:t>
             </a:r>
           </a:p>
           <a:p>
             <a:pPr lvl="1"/>
-            <a:endParaRPr lang="en-US" dirty="0" smtClean="0"/>
-          </a:p>
-          <a:p>
-            <a:r>
-              <a:rPr lang="en-US" dirty="0" smtClean="0"/>
-              <a:t>3* </a:t>
-            </a:r>
-            <a:r>
-              <a:rPr lang="en-US" dirty="0"/>
-              <a:t>important types of </a:t>
-            </a:r>
-            <a:r>
-              <a:rPr lang="en-US" dirty="0" smtClean="0"/>
-              <a:t>like elements:</a:t>
-            </a:r>
             <a:endParaRPr lang="en-US" dirty="0"/>
           </a:p>
           <a:p>
+            <a:r>
+              <a:rPr lang="en-US" dirty="0"/>
+              <a:t>3* important types of like elements:</a:t>
+            </a:r>
+          </a:p>
+          <a:p>
             <a:pPr lvl="1"/>
             <a:r>
               <a:rPr lang="en-US" dirty="0"/>
@@ -16518,34 +15767,22 @@
             <a:pPr lvl="1"/>
             <a:r>
               <a:rPr lang="en-US" dirty="0"/>
-              <a:t>Character: </a:t>
-            </a:r>
-            <a:r>
-              <a:rPr lang="en-US" dirty="0" smtClean="0"/>
-              <a:t>"</a:t>
-            </a:r>
-            <a:r>
-              <a:rPr lang="en-US" dirty="0" err="1" smtClean="0"/>
+              <a:t>Character: "</a:t>
+            </a:r>
+            <a:r>
+              <a:rPr lang="en-US" dirty="0" err="1"/>
               <a:t>abcd</a:t>
             </a:r>
             <a:r>
-              <a:rPr lang="en-US" dirty="0" smtClean="0"/>
-              <a:t>", "P9489", </a:t>
-            </a:r>
-            <a:r>
-              <a:rPr lang="en-US" dirty="0"/>
-              <a:t>etc.</a:t>
+              <a:rPr lang="en-US" dirty="0"/>
+              <a:t>", "P9489", etc.</a:t>
             </a:r>
           </a:p>
           <a:p>
             <a:pPr lvl="1"/>
             <a:r>
               <a:rPr lang="en-US" dirty="0"/>
-              <a:t>Logical: TRUE, </a:t>
-            </a:r>
-            <a:r>
-              <a:rPr lang="en-US" dirty="0" smtClean="0"/>
-              <a:t>FALSE</a:t>
+              <a:t>Logical: TRUE, FALSE</a:t>
             </a:r>
           </a:p>
           <a:p>
@@ -16590,14 +15827,14 @@
           <a:effectLst/>
           <a:extLst>
             <a:ext uri="{909E8E84-426E-40dd-AFC4-6F175D3DCCD1}">
-              <a14:hiddenFill xmlns:a14="http://schemas.microsoft.com/office/drawing/2010/main">
+              <a14:hiddenFill xmlns:a14="http://schemas.microsoft.com/office/drawing/2010/main" xmlns="">
                 <a:solidFill>
                   <a:schemeClr val="accent1"/>
                 </a:solidFill>
               </a14:hiddenFill>
             </a:ext>
             <a:ext uri="{91240B29-F687-4f45-9708-019B960494DF}">
-              <a14:hiddenLine xmlns:a14="http://schemas.microsoft.com/office/drawing/2010/main" w="9525">
+              <a14:hiddenLine xmlns:a14="http://schemas.microsoft.com/office/drawing/2010/main" xmlns="" w="9525">
                 <a:solidFill>
                   <a:schemeClr val="tx1"/>
                 </a:solidFill>
@@ -16607,7 +15844,7 @@
               </a14:hiddenLine>
             </a:ext>
             <a:ext uri="{AF507438-7753-43e0-B8FC-AC1667EBCBE1}">
-              <a14:hiddenEffects xmlns:a14="http://schemas.microsoft.com/office/drawing/2010/main">
+              <a14:hiddenEffects xmlns:a14="http://schemas.microsoft.com/office/drawing/2010/main" xmlns="">
                 <a:effectLst>
                   <a:outerShdw dist="35921" dir="2700000" algn="ctr" rotWithShape="0">
                     <a:schemeClr val="bg2"/>
@@ -16641,10 +15878,9 @@
           <a:lstStyle/>
           <a:p>
             <a:r>
-              <a:rPr lang="en-US" dirty="0" smtClean="0"/>
+              <a:rPr lang="en-US" dirty="0"/>
               <a:t>* One more important type (the factor) we will discuss later</a:t>
             </a:r>
-            <a:endParaRPr lang="en-US" dirty="0"/>
           </a:p>
         </p:txBody>
       </p:sp>
@@ -16694,12 +15930,8 @@
           <a:p>
             <a:pPr algn="ctr"/>
             <a:r>
-              <a:rPr lang="en-US" dirty="0" smtClean="0"/>
-              <a:t>Course website: https</a:t>
-            </a:r>
-            <a:r>
-              <a:rPr lang="en-US" dirty="0"/>
-              <a:t>://</a:t>
+              <a:rPr lang="en-US" dirty="0"/>
+              <a:t>Course website: https://</a:t>
             </a:r>
             <a:r>
               <a:rPr lang="en-US" dirty="0" err="1"/>
@@ -16707,7 +15939,7 @@
             </a:r>
             <a:r>
               <a:rPr lang="en-US" dirty="0"/>
-              <a:t>/smooney27/RWorkshopSER2019</a:t>
+              <a:t>/smooney27/RWorkshopSER2020</a:t>
             </a:r>
           </a:p>
         </p:txBody>
@@ -16722,13 +15954,6 @@
   <p:clrMapOvr>
     <a:masterClrMapping/>
   </p:clrMapOvr>
-  <p:timing>
-    <p:tnLst>
-      <p:par>
-        <p:cTn xmlns:p14="http://schemas.microsoft.com/office/powerpoint/2010/main" id="1" dur="indefinite" restart="never" nodeType="tmRoot"/>
-      </p:par>
-    </p:tnLst>
-  </p:timing>
 </p:sld>
 </file>
 
@@ -16765,10 +15990,9 @@
           <a:lstStyle/>
           <a:p>
             <a:r>
-              <a:rPr lang="en-US" dirty="0" smtClean="0"/>
+              <a:rPr lang="en-US" dirty="0"/>
               <a:t>Some Examples of Vectors</a:t>
             </a:r>
-            <a:endParaRPr lang="en-US" dirty="0"/>
           </a:p>
         </p:txBody>
       </p:sp>
@@ -16796,7 +16020,7 @@
               <a:buNone/>
             </a:pPr>
             <a:r>
-              <a:rPr lang="en-US" dirty="0" smtClean="0"/>
+              <a:rPr lang="en-US" dirty="0"/>
               <a:t>Numeric: 1 2 3 4 5 6 7 8 9 10 11 12</a:t>
             </a:r>
           </a:p>
@@ -16811,7 +16035,7 @@
               <a:buNone/>
             </a:pPr>
             <a:r>
-              <a:rPr lang="en-US" dirty="0" smtClean="0"/>
+              <a:rPr lang="en-US" dirty="0"/>
               <a:t>Character: "a" "b" "c"</a:t>
             </a:r>
           </a:p>
@@ -16826,34 +16050,33 @@
               <a:buNone/>
             </a:pPr>
             <a:r>
-              <a:rPr lang="en-US" dirty="0" smtClean="0"/>
+              <a:rPr lang="en-US" dirty="0"/>
               <a:t>Logical: TRUE FALSE </a:t>
             </a:r>
             <a:r>
-              <a:rPr lang="en-US" dirty="0" err="1" smtClean="0"/>
+              <a:rPr lang="en-US" dirty="0" err="1"/>
               <a:t>FALSE</a:t>
             </a:r>
             <a:r>
-              <a:rPr lang="en-US" dirty="0" smtClean="0"/>
+              <a:rPr lang="en-US" dirty="0"/>
               <a:t> </a:t>
             </a:r>
             <a:r>
-              <a:rPr lang="en-US" dirty="0" err="1" smtClean="0"/>
+              <a:rPr lang="en-US" dirty="0" err="1"/>
               <a:t>FALSE</a:t>
             </a:r>
             <a:r>
-              <a:rPr lang="en-US" dirty="0" smtClean="0"/>
+              <a:rPr lang="en-US" dirty="0"/>
               <a:t> </a:t>
             </a:r>
             <a:r>
-              <a:rPr lang="en-US" dirty="0" err="1" smtClean="0"/>
+              <a:rPr lang="en-US" dirty="0" err="1"/>
               <a:t>FALSE</a:t>
             </a:r>
             <a:r>
-              <a:rPr lang="en-US" dirty="0" smtClean="0"/>
+              <a:rPr lang="en-US" dirty="0"/>
               <a:t> TRUE</a:t>
             </a:r>
-            <a:endParaRPr lang="en-US" dirty="0"/>
           </a:p>
         </p:txBody>
       </p:sp>
@@ -17223,12 +16446,8 @@
           <a:p>
             <a:pPr algn="ctr"/>
             <a:r>
-              <a:rPr lang="en-US" dirty="0" smtClean="0"/>
-              <a:t>Course website: https</a:t>
-            </a:r>
-            <a:r>
-              <a:rPr lang="en-US" dirty="0"/>
-              <a:t>://</a:t>
+              <a:rPr lang="en-US" dirty="0"/>
+              <a:t>Course website: https://</a:t>
             </a:r>
             <a:r>
               <a:rPr lang="en-US" dirty="0" err="1"/>
@@ -17236,7 +16455,7 @@
             </a:r>
             <a:r>
               <a:rPr lang="en-US" dirty="0"/>
-              <a:t>/smooney27/RWorkshopSER2019</a:t>
+              <a:t>/smooney27/RWorkshopSER2020</a:t>
             </a:r>
           </a:p>
         </p:txBody>
@@ -17251,13 +16470,6 @@
   <p:clrMapOvr>
     <a:masterClrMapping/>
   </p:clrMapOvr>
-  <p:timing>
-    <p:tnLst>
-      <p:par>
-        <p:cTn xmlns:p14="http://schemas.microsoft.com/office/powerpoint/2010/main" id="1" dur="indefinite" restart="never" nodeType="tmRoot"/>
-      </p:par>
-    </p:tnLst>
-  </p:timing>
 </p:sld>
 </file>
 
